--- a/ws8.pptx
+++ b/ws8.pptx
@@ -5,10 +5,10 @@
     <p:sldMasterId id="2147483660" r:id="rId1"/>
   </p:sldMasterIdLst>
   <p:notesMasterIdLst>
-    <p:notesMasterId r:id="rId23"/>
+    <p:notesMasterId r:id="rId22"/>
   </p:notesMasterIdLst>
   <p:handoutMasterIdLst>
-    <p:handoutMasterId r:id="rId24"/>
+    <p:handoutMasterId r:id="rId23"/>
   </p:handoutMasterIdLst>
   <p:sldIdLst>
     <p:sldId id="603" r:id="rId2"/>
@@ -25,13 +25,12 @@
     <p:sldId id="564" r:id="rId13"/>
     <p:sldId id="577" r:id="rId14"/>
     <p:sldId id="586" r:id="rId15"/>
-    <p:sldId id="596" r:id="rId16"/>
-    <p:sldId id="598" r:id="rId17"/>
-    <p:sldId id="587" r:id="rId18"/>
-    <p:sldId id="599" r:id="rId19"/>
-    <p:sldId id="601" r:id="rId20"/>
-    <p:sldId id="602" r:id="rId21"/>
-    <p:sldId id="589" r:id="rId22"/>
+    <p:sldId id="598" r:id="rId16"/>
+    <p:sldId id="587" r:id="rId17"/>
+    <p:sldId id="599" r:id="rId18"/>
+    <p:sldId id="601" r:id="rId19"/>
+    <p:sldId id="602" r:id="rId20"/>
+    <p:sldId id="589" r:id="rId21"/>
   </p:sldIdLst>
   <p:sldSz cx="9144000" cy="6858000" type="screen4x3"/>
   <p:notesSz cx="6858000" cy="9144000"/>
@@ -261,7 +260,7 @@
               <a:pPr>
                 <a:defRPr/>
               </a:pPr>
-              <a:t>6/5/20</a:t>
+              <a:t>8/5/20</a:t>
             </a:fld>
             <a:endParaRPr lang="en-US"/>
           </a:p>
@@ -459,7 +458,7 @@
               <a:pPr>
                 <a:defRPr/>
               </a:pPr>
-              <a:t>6/5/20</a:t>
+              <a:t>8/5/20</a:t>
             </a:fld>
             <a:endParaRPr lang="en-US"/>
           </a:p>
@@ -1284,7 +1283,7 @@
               <a:pPr>
                 <a:defRPr/>
               </a:pPr>
-              <a:t>May 6, 2020</a:t>
+              <a:t>May 8, 2020</a:t>
             </a:fld>
             <a:endParaRPr lang="en-US"/>
           </a:p>
@@ -1314,11 +1313,7 @@
             </a:pPr>
             <a:r>
               <a:rPr lang="en-US"/>
-              <a:t>COMP20007.</a:t>
-            </a:r>
-            <a:r>
-              <a:rPr lang="en-US"/>
-              <a:t>Workshop</a:t>
+              <a:t>COMP20007.Workshop</a:t>
             </a:r>
           </a:p>
         </p:txBody>
@@ -1599,7 +1594,7 @@
               <a:pPr>
                 <a:defRPr/>
               </a:pPr>
-              <a:t>May 6, 2020</a:t>
+              <a:t>May 8, 2020</a:t>
             </a:fld>
             <a:endParaRPr lang="en-US"/>
           </a:p>
@@ -1629,11 +1624,7 @@
             </a:pPr>
             <a:r>
               <a:rPr lang="en-US"/>
-              <a:t>COMP20007.</a:t>
-            </a:r>
-            <a:r>
-              <a:rPr lang="en-US"/>
-              <a:t>Worshop</a:t>
+              <a:t>COMP20007.Worshop</a:t>
             </a:r>
           </a:p>
         </p:txBody>
@@ -1904,7 +1895,7 @@
               <a:pPr>
                 <a:defRPr/>
               </a:pPr>
-              <a:t>May 6, 2020</a:t>
+              <a:t>May 8, 2020</a:t>
             </a:fld>
             <a:endParaRPr lang="en-US"/>
           </a:p>
@@ -1948,11 +1939,7 @@
             </a:pPr>
             <a:r>
               <a:rPr lang="en-US"/>
-              <a:t>COMP20007.</a:t>
-            </a:r>
-            <a:r>
-              <a:rPr lang="en-US"/>
-              <a:t>Workshop</a:t>
+              <a:t>COMP20007.Workshop</a:t>
             </a:r>
           </a:p>
         </p:txBody>
@@ -2725,7 +2712,7 @@
                 </a:solidFill>
               </a:rPr>
               <a:pPr eaLnBrk="1" hangingPunct="1"/>
-              <a:t>May 6, 2020</a:t>
+              <a:t>May 8, 2020</a:t>
             </a:fld>
             <a:endParaRPr lang="en-US" sz="1200">
               <a:solidFill>
@@ -3683,7 +3670,27 @@
                 <a:latin typeface="Courier"/>
                 <a:cs typeface="Courier"/>
               </a:rPr>
-              <a:t>..i-1  i..n-1]</a:t>
+              <a:t>..i-1 </a:t>
+            </a:r>
+            <a:r>
+              <a:rPr lang="en-AU" sz="2400" dirty="0" smtClean="0">
+                <a:solidFill>
+                  <a:srgbClr val="000090"/>
+                </a:solidFill>
+                <a:latin typeface="Courier"/>
+                <a:cs typeface="Courier"/>
+              </a:rPr>
+              <a:t>| </a:t>
+            </a:r>
+            <a:r>
+              <a:rPr lang="en-AU" sz="2400" dirty="0" smtClean="0">
+                <a:solidFill>
+                  <a:srgbClr val="000090"/>
+                </a:solidFill>
+                <a:latin typeface="Courier"/>
+                <a:cs typeface="Courier"/>
+              </a:rPr>
+              <a:t>i..n-1]</a:t>
             </a:r>
           </a:p>
           <a:p>
@@ -3952,7 +3959,7 @@
                 </a:solidFill>
               </a:rPr>
               <a:pPr eaLnBrk="1" hangingPunct="1"/>
-              <a:t>May 6, 2020</a:t>
+              <a:t>May 8, 2020</a:t>
             </a:fld>
             <a:endParaRPr lang="en-US" sz="1200">
               <a:solidFill>
@@ -4728,7 +4735,7 @@
                 </a:solidFill>
               </a:rPr>
               <a:pPr eaLnBrk="1" hangingPunct="1"/>
-              <a:t>May 6, 2020</a:t>
+              <a:t>May 8, 2020</a:t>
             </a:fld>
             <a:endParaRPr lang="en-US" sz="1200">
               <a:solidFill>
@@ -8503,77 +8510,12 @@
               <a:defRPr/>
             </a:pPr>
             <a:r>
-              <a:rPr lang="en-US" sz="2000" dirty="0" smtClean="0">
-                <a:effectLst/>
-              </a:rPr>
-              <a:t>Run </a:t>
-            </a:r>
-            <a:r>
               <a:rPr lang="en-US" sz="2000" dirty="0">
                 <a:effectLst/>
               </a:rPr>
-              <a:t>the algorithm on the input array: </a:t>
-            </a:r>
-            <a:r>
-              <a:rPr lang="en-US" sz="2000" dirty="0">
-                <a:solidFill>
-                  <a:srgbClr val="080FAC"/>
-                </a:solidFill>
-                <a:effectLst/>
-                <a:latin typeface="Courier"/>
-                <a:cs typeface="Courier"/>
-              </a:rPr>
-              <a:t>[􏰑A N A L Y S I S􏰒] </a:t>
-            </a:r>
-            <a:r>
-              <a:rPr lang="en-US" sz="2000" dirty="0" smtClean="0">
-                <a:solidFill>
-                  <a:srgbClr val="080FAC"/>
-                </a:solidFill>
-                <a:effectLst/>
-                <a:latin typeface="Courier"/>
-                <a:cs typeface="Courier"/>
-              </a:rPr>
-              <a:t>, </a:t>
-            </a:r>
-            <a:r>
-              <a:rPr lang="en-US" sz="2000" dirty="0" smtClean="0">
-                <a:effectLst/>
-              </a:rPr>
-              <a:t>Suppose: </a:t>
-            </a:r>
-            <a:r>
-              <a:rPr lang="en-US" sz="2000" b="1" dirty="0" smtClean="0">
-                <a:effectLst/>
-              </a:rPr>
-              <a:t>Sort </a:t>
-            </a:r>
-            <a:r>
-              <a:rPr lang="en-US" sz="2000" b="1" dirty="0">
-                <a:effectLst/>
-              </a:rPr>
-              <a:t>in increasing </a:t>
-            </a:r>
-            <a:r>
-              <a:rPr lang="en-US" sz="2000" b="1" dirty="0" smtClean="0">
-                <a:effectLst/>
-              </a:rPr>
-              <a:t>order</a:t>
-            </a:r>
-            <a:r>
-              <a:rPr lang="en-US" sz="2000" b="1" dirty="0">
-                <a:effectLst/>
-              </a:rPr>
-              <a:t>.</a:t>
-            </a:r>
-            <a:endParaRPr lang="en-US" sz="2000" b="1" dirty="0" smtClean="0">
-              <a:solidFill>
-                <a:srgbClr val="080FAC"/>
-              </a:solidFill>
-              <a:effectLst/>
-              <a:latin typeface="Courier"/>
-              <a:cs typeface="Courier"/>
-            </a:endParaRPr>
+              <a:t>Is the algorithm input sensitive? </a:t>
+            </a:r>
+            <a:endParaRPr lang="en-US" sz="2400" dirty="0"/>
           </a:p>
           <a:p>
             <a:pPr marL="571500" indent="-571500">
@@ -8659,23 +8601,6 @@
               </a:rPr>
               <a:t>Does the algorithm sort in-place? </a:t>
             </a:r>
-          </a:p>
-          <a:p>
-            <a:pPr marL="571500" indent="-571500">
-              <a:spcBef>
-                <a:spcPts val="200"/>
-              </a:spcBef>
-              <a:buFont typeface="+mj-lt"/>
-              <a:buAutoNum type="romanLcPeriod"/>
-              <a:defRPr/>
-            </a:pPr>
-            <a:r>
-              <a:rPr lang="en-US" sz="2000" dirty="0" smtClean="0">
-                <a:effectLst/>
-              </a:rPr>
-              <a:t>Is the algorithm input sensitive? </a:t>
-            </a:r>
-            <a:endParaRPr lang="en-US" sz="2400" dirty="0"/>
           </a:p>
         </p:txBody>
       </p:sp>
@@ -8838,7 +8763,7 @@
                 </a:solidFill>
               </a:rPr>
               <a:pPr eaLnBrk="1" hangingPunct="1"/>
-              <a:t>May 6, 2020</a:t>
+              <a:t>May 8, 2020</a:t>
             </a:fld>
             <a:endParaRPr lang="en-US" sz="1200">
               <a:solidFill>
@@ -8997,13 +8922,18 @@
           <a:p>
             <a:pPr eaLnBrk="1" hangingPunct="1"/>
             <a:r>
-              <a:rPr lang="en-US" sz="1200">
+              <a:rPr lang="en-US" sz="1200" dirty="0" smtClean="0">
                 <a:solidFill>
                   <a:schemeClr val="bg1"/>
                 </a:solidFill>
               </a:rPr>
-              <a:t>COMP20007.Worshop</a:t>
-            </a:r>
+              <a:t>COMP2</a:t>
+            </a:r>
+            <a:endParaRPr lang="en-US" sz="1200" dirty="0">
+              <a:solidFill>
+                <a:schemeClr val="bg1"/>
+              </a:solidFill>
+            </a:endParaRPr>
           </a:p>
         </p:txBody>
       </p:sp>
@@ -9168,128 +9098,6 @@
           </a:p>
         </p:txBody>
       </p:sp>
-      <p:graphicFrame>
-        <p:nvGraphicFramePr>
-          <p:cNvPr id="10" name="Table 9"/>
-          <p:cNvGraphicFramePr>
-            <a:graphicFrameLocks noGrp="1"/>
-          </p:cNvGraphicFramePr>
-          <p:nvPr/>
-        </p:nvGraphicFramePr>
-        <p:xfrm>
-          <a:off x="5346700" y="863600"/>
-          <a:ext cx="3717925" cy="2490788"/>
-        </p:xfrm>
-        <a:graphic>
-          <a:graphicData uri="http://schemas.openxmlformats.org/drawingml/2006/table">
-            <a:tbl>
-              <a:tblPr firstRow="1" bandRow="1">
-                <a:tableStyleId>{69CF1AB2-1976-4502-BF36-3FF5EA218861}</a:tableStyleId>
-              </a:tblPr>
-              <a:tblGrid>
-                <a:gridCol w="356206"/>
-                <a:gridCol w="3361719"/>
-              </a:tblGrid>
-              <a:tr h="2490788">
-                <a:tc>
-                  <a:txBody>
-                    <a:bodyPr/>
-                    <a:lstStyle/>
-                    <a:p>
-                      <a:r>
-                        <a:rPr lang="en-US" sz="1800" dirty="0" smtClean="0"/>
-                        <a:t>1</a:t>
-                      </a:r>
-                    </a:p>
-                    <a:p>
-                      <a:r>
-                        <a:rPr lang="en-US" sz="1800" dirty="0" smtClean="0"/>
-                        <a:t>2</a:t>
-                      </a:r>
-                    </a:p>
-                    <a:p>
-                      <a:endParaRPr lang="en-US" sz="1800" dirty="0"/>
-                    </a:p>
-                  </a:txBody>
-                  <a:tcPr marL="91448" marR="91448" marT="45740" marB="45740"/>
-                </a:tc>
-                <a:tc>
-                  <a:txBody>
-                    <a:bodyPr/>
-                    <a:lstStyle/>
-                    <a:p>
-                      <a:pPr>
-                        <a:lnSpc>
-                          <a:spcPct val="100000"/>
-                        </a:lnSpc>
-                      </a:pPr>
-                      <a:r>
-                        <a:rPr lang="en-US" sz="1800" b="0" dirty="0" smtClean="0">
-                          <a:solidFill>
-                            <a:srgbClr val="000090"/>
-                          </a:solidFill>
-                          <a:latin typeface="Courier"/>
-                          <a:cs typeface="Courier"/>
-                        </a:rPr>
-                        <a:t>A </a:t>
-                      </a:r>
-                      <a:r>
-                        <a:rPr lang="en-US" sz="1800" b="1" dirty="0" smtClean="0">
-                          <a:solidFill>
-                            <a:srgbClr val="000090"/>
-                          </a:solidFill>
-                          <a:latin typeface="Courier"/>
-                          <a:cs typeface="Courier"/>
-                        </a:rPr>
-                        <a:t>N</a:t>
-                      </a:r>
-                      <a:r>
-                        <a:rPr lang="en-US" sz="1800" b="0" dirty="0" smtClean="0">
-                          <a:solidFill>
-                            <a:srgbClr val="000090"/>
-                          </a:solidFill>
-                          <a:latin typeface="Courier"/>
-                          <a:cs typeface="Courier"/>
-                        </a:rPr>
-                        <a:t> A L Y S I S</a:t>
-                      </a:r>
-                    </a:p>
-                    <a:p>
-                      <a:pPr>
-                        <a:lnSpc>
-                          <a:spcPct val="100000"/>
-                        </a:lnSpc>
-                      </a:pPr>
-                      <a:endParaRPr lang="en-US" sz="1800" b="0" dirty="0" smtClean="0">
-                        <a:solidFill>
-                          <a:srgbClr val="000090"/>
-                        </a:solidFill>
-                        <a:latin typeface="Courier"/>
-                        <a:cs typeface="Courier"/>
-                      </a:endParaRPr>
-                    </a:p>
-                    <a:p>
-                      <a:pPr>
-                        <a:lnSpc>
-                          <a:spcPct val="100000"/>
-                        </a:lnSpc>
-                      </a:pPr>
-                      <a:endParaRPr lang="en-US" sz="1800" b="0" dirty="0">
-                        <a:solidFill>
-                          <a:srgbClr val="000090"/>
-                        </a:solidFill>
-                        <a:latin typeface="Courier"/>
-                        <a:cs typeface="Courier"/>
-                      </a:endParaRPr>
-                    </a:p>
-                  </a:txBody>
-                  <a:tcPr marL="91448" marR="91448" marT="45740" marB="45740"/>
-                </a:tc>
-              </a:tr>
-            </a:tbl>
-          </a:graphicData>
-        </a:graphic>
-      </p:graphicFrame>
       <p:pic>
         <p:nvPicPr>
           <p:cNvPr id="15374" name="Picture 11"/>
@@ -9314,7 +9122,7 @@
         <p:spPr bwMode="auto">
           <a:xfrm>
             <a:off x="63500" y="839788"/>
-            <a:ext cx="5110163" cy="2444750"/>
+            <a:ext cx="4659549" cy="2229172"/>
           </a:xfrm>
           <a:prstGeom prst="rect">
             <a:avLst/>
@@ -9344,6 +9152,219 @@
           </a:extLst>
         </p:spPr>
       </p:pic>
+      <p:graphicFrame>
+        <p:nvGraphicFramePr>
+          <p:cNvPr id="4" name="Table 3"/>
+          <p:cNvGraphicFramePr>
+            <a:graphicFrameLocks noGrp="1"/>
+          </p:cNvGraphicFramePr>
+          <p:nvPr>
+            <p:extLst>
+              <p:ext uri="{D42A27DB-BD31-4B8C-83A1-F6EECF244321}">
+                <p14:modId xmlns:p14="http://schemas.microsoft.com/office/powerpoint/2010/main" val="2960121311"/>
+              </p:ext>
+            </p:extLst>
+          </p:nvPr>
+        </p:nvGraphicFramePr>
+        <p:xfrm>
+          <a:off x="4723049" y="1052736"/>
+          <a:ext cx="4420951" cy="1656079"/>
+        </p:xfrm>
+        <a:graphic>
+          <a:graphicData uri="http://schemas.openxmlformats.org/drawingml/2006/table">
+            <a:tbl>
+              <a:tblPr firstRow="1" bandRow="1">
+                <a:tableStyleId>{5C22544A-7EE6-4342-B048-85BDC9FD1C3A}</a:tableStyleId>
+              </a:tblPr>
+              <a:tblGrid>
+                <a:gridCol w="800488"/>
+                <a:gridCol w="3620463"/>
+              </a:tblGrid>
+              <a:tr h="370840">
+                <a:tc>
+                  <a:txBody>
+                    <a:bodyPr/>
+                    <a:lstStyle/>
+                    <a:p>
+                      <a:r>
+                        <a:rPr lang="en-US" dirty="0" smtClean="0"/>
+                        <a:t>Step</a:t>
+                      </a:r>
+                      <a:endParaRPr lang="en-US" dirty="0"/>
+                    </a:p>
+                  </a:txBody>
+                  <a:tcPr/>
+                </a:tc>
+                <a:tc>
+                  <a:txBody>
+                    <a:bodyPr/>
+                    <a:lstStyle/>
+                    <a:p>
+                      <a:r>
+                        <a:rPr lang="en-US" dirty="0" smtClean="0"/>
+                        <a:t>Array (note that | is used to separate</a:t>
+                      </a:r>
+                      <a:r>
+                        <a:rPr lang="en-US" baseline="0" dirty="0" smtClean="0"/>
+                        <a:t> the </a:t>
+                      </a:r>
+                      <a:r>
+                        <a:rPr lang="en-US" baseline="0" dirty="0" smtClean="0"/>
+                        <a:t>“examined” </a:t>
+                      </a:r>
+                      <a:r>
+                        <a:rPr lang="en-US" baseline="0" dirty="0" smtClean="0"/>
+                        <a:t>part from the “not-yet</a:t>
+                      </a:r>
+                      <a:r>
+                        <a:rPr lang="en-US" baseline="0" dirty="0" smtClean="0"/>
+                        <a:t>-seen” </a:t>
+                      </a:r>
+                      <a:r>
+                        <a:rPr lang="en-US" baseline="0" dirty="0" smtClean="0"/>
+                        <a:t>part</a:t>
+                      </a:r>
+                      <a:endParaRPr lang="en-US" dirty="0"/>
+                    </a:p>
+                  </a:txBody>
+                  <a:tcPr/>
+                </a:tc>
+              </a:tr>
+              <a:tr h="370840">
+                <a:tc>
+                  <a:txBody>
+                    <a:bodyPr/>
+                    <a:lstStyle/>
+                    <a:p>
+                      <a:r>
+                        <a:rPr lang="en-US" dirty="0" smtClean="0"/>
+                        <a:t>start</a:t>
+                      </a:r>
+                      <a:endParaRPr lang="en-US" dirty="0"/>
+                    </a:p>
+                  </a:txBody>
+                  <a:tcPr/>
+                </a:tc>
+                <a:tc>
+                  <a:txBody>
+                    <a:bodyPr/>
+                    <a:lstStyle/>
+                    <a:p>
+                      <a:pPr marL="0" marR="0" indent="0" algn="l" defTabSz="914400" rtl="0" eaLnBrk="1" fontAlgn="auto" latinLnBrk="0" hangingPunct="1">
+                        <a:lnSpc>
+                          <a:spcPct val="100000"/>
+                        </a:lnSpc>
+                        <a:spcBef>
+                          <a:spcPts val="0"/>
+                        </a:spcBef>
+                        <a:spcAft>
+                          <a:spcPts val="0"/>
+                        </a:spcAft>
+                        <a:buClrTx/>
+                        <a:buSzTx/>
+                        <a:buFontTx/>
+                        <a:buNone/>
+                        <a:tabLst/>
+                        <a:defRPr/>
+                      </a:pPr>
+                      <a:r>
+                        <a:rPr lang="en-US" sz="1800" b="0" dirty="0" smtClean="0">
+                          <a:solidFill>
+                            <a:srgbClr val="000090"/>
+                          </a:solidFill>
+                          <a:latin typeface="Courier"/>
+                          <a:cs typeface="Courier"/>
+                        </a:rPr>
+                        <a:t>  </a:t>
+                      </a:r>
+                      <a:r>
+                        <a:rPr lang="en-US" sz="1800" b="0" dirty="0" smtClean="0">
+                          <a:solidFill>
+                            <a:srgbClr val="000090"/>
+                          </a:solidFill>
+                          <a:latin typeface="Courier"/>
+                          <a:cs typeface="Courier"/>
+                        </a:rPr>
+                        <a:t>A | N </a:t>
+                      </a:r>
+                      <a:r>
+                        <a:rPr lang="en-US" sz="1800" b="0" dirty="0" smtClean="0">
+                          <a:solidFill>
+                            <a:srgbClr val="000090"/>
+                          </a:solidFill>
+                          <a:latin typeface="Courier"/>
+                          <a:cs typeface="Courier"/>
+                        </a:rPr>
+                        <a:t>A L Y S I S</a:t>
+                      </a:r>
+                    </a:p>
+                  </a:txBody>
+                  <a:tcPr/>
+                </a:tc>
+              </a:tr>
+              <a:tr h="370840">
+                <a:tc>
+                  <a:txBody>
+                    <a:bodyPr/>
+                    <a:lstStyle/>
+                    <a:p>
+                      <a:r>
+                        <a:rPr lang="en-US" dirty="0" smtClean="0"/>
+                        <a:t>1</a:t>
+                      </a:r>
+                      <a:endParaRPr lang="en-US" dirty="0"/>
+                    </a:p>
+                  </a:txBody>
+                  <a:tcPr/>
+                </a:tc>
+                <a:tc>
+                  <a:txBody>
+                    <a:bodyPr/>
+                    <a:lstStyle/>
+                    <a:p>
+                      <a:pPr marL="0" marR="0" indent="0" algn="l" defTabSz="914400" rtl="0" eaLnBrk="1" fontAlgn="auto" latinLnBrk="0" hangingPunct="1">
+                        <a:lnSpc>
+                          <a:spcPct val="100000"/>
+                        </a:lnSpc>
+                        <a:spcBef>
+                          <a:spcPts val="0"/>
+                        </a:spcBef>
+                        <a:spcAft>
+                          <a:spcPts val="0"/>
+                        </a:spcAft>
+                        <a:buClrTx/>
+                        <a:buSzTx/>
+                        <a:buFontTx/>
+                        <a:buNone/>
+                        <a:tabLst/>
+                        <a:defRPr/>
+                      </a:pPr>
+                      <a:r>
+                        <a:rPr lang="en-US" sz="1800" b="0" dirty="0" smtClean="0">
+                          <a:solidFill>
+                            <a:srgbClr val="000090"/>
+                          </a:solidFill>
+                          <a:latin typeface="Courier"/>
+                          <a:cs typeface="Courier"/>
+                        </a:rPr>
+                        <a:t>  </a:t>
+                      </a:r>
+                      <a:endParaRPr lang="en-US" sz="1800" b="0" dirty="0" smtClean="0">
+                        <a:solidFill>
+                          <a:srgbClr val="000090"/>
+                        </a:solidFill>
+                        <a:latin typeface="Courier"/>
+                        <a:cs typeface="Courier"/>
+                      </a:endParaRPr>
+                    </a:p>
+                  </a:txBody>
+                  <a:tcPr/>
+                </a:tc>
+              </a:tr>
+            </a:tbl>
+          </a:graphicData>
+        </a:graphic>
+      </p:graphicFrame>
     </p:spTree>
   </p:cSld>
   <p:clrMapOvr>
@@ -9613,7 +9634,7 @@
                 </a:solidFill>
               </a:rPr>
               <a:pPr eaLnBrk="1" hangingPunct="1"/>
-              <a:t>May 6, 2020</a:t>
+              <a:t>May 8, 2020</a:t>
             </a:fld>
             <a:endParaRPr lang="en-US" sz="1200">
               <a:solidFill>
@@ -9954,7 +9975,7 @@
         <p:spPr bwMode="auto">
           <a:xfrm>
             <a:off x="468313" y="3584575"/>
-            <a:ext cx="4340225" cy="1938338"/>
+            <a:ext cx="4186413" cy="1938992"/>
           </a:xfrm>
           <a:prstGeom prst="rect">
             <a:avLst/>
@@ -10098,20 +10119,40 @@
           <a:p>
             <a:pPr eaLnBrk="1" hangingPunct="1"/>
             <a:r>
-              <a:rPr lang="en-US" sz="2000">
+              <a:rPr lang="en-US" sz="2000" dirty="0">
                 <a:solidFill>
                   <a:srgbClr val="000090"/>
                 </a:solidFill>
                 <a:latin typeface="Courier" charset="0"/>
                 <a:cs typeface="Courier" charset="0"/>
               </a:rPr>
-              <a:t>Partition(A[l..r])</a:t>
+              <a:t>Partition(A[</a:t>
+            </a:r>
+            <a:r>
+              <a:rPr lang="en-US" sz="2000" dirty="0" err="1">
+                <a:solidFill>
+                  <a:srgbClr val="000090"/>
+                </a:solidFill>
+                <a:latin typeface="Courier" charset="0"/>
+                <a:cs typeface="Courier" charset="0"/>
+              </a:rPr>
+              <a:t>l..r</a:t>
+            </a:r>
+            <a:r>
+              <a:rPr lang="en-US" sz="2000" dirty="0">
+                <a:solidFill>
+                  <a:srgbClr val="000090"/>
+                </a:solidFill>
+                <a:latin typeface="Courier" charset="0"/>
+                <a:cs typeface="Courier" charset="0"/>
+              </a:rPr>
+              <a:t>])</a:t>
             </a:r>
           </a:p>
           <a:p>
             <a:pPr eaLnBrk="1" hangingPunct="1"/>
             <a:r>
-              <a:rPr lang="en-US" sz="2000">
+              <a:rPr lang="en-US" sz="2000" dirty="0">
                 <a:solidFill>
                   <a:srgbClr val="000090"/>
                 </a:solidFill>
@@ -10124,7 +10165,7 @@
           <a:p>
             <a:pPr eaLnBrk="1" hangingPunct="1"/>
             <a:r>
-              <a:rPr lang="en-US" sz="2000">
+              <a:rPr lang="en-US" sz="2000" dirty="0">
                 <a:solidFill>
                   <a:srgbClr val="000090"/>
                 </a:solidFill>
@@ -10137,20 +10178,97 @@
           <a:p>
             <a:pPr eaLnBrk="1" hangingPunct="1"/>
             <a:r>
-              <a:rPr lang="en-US" sz="2000">
+              <a:rPr lang="en-US" sz="2000" dirty="0">
                 <a:solidFill>
                   <a:srgbClr val="000090"/>
                 </a:solidFill>
                 <a:latin typeface="Courier" charset="0"/>
                 <a:cs typeface="Courier" charset="0"/>
               </a:rPr>
-              <a:t>    A[l..s-1  s   s+1..r  ]</a:t>
-            </a:r>
+              <a:t>   </a:t>
+            </a:r>
+            <a:r>
+              <a:rPr lang="en-US" sz="2000" dirty="0" smtClean="0">
+                <a:solidFill>
+                  <a:srgbClr val="000090"/>
+                </a:solidFill>
+                <a:latin typeface="Courier" charset="0"/>
+                <a:cs typeface="Courier" charset="0"/>
+              </a:rPr>
+              <a:t>A: [</a:t>
+            </a:r>
+            <a:r>
+              <a:rPr lang="en-US" sz="2000" dirty="0">
+                <a:solidFill>
+                  <a:srgbClr val="000090"/>
+                </a:solidFill>
+                <a:latin typeface="Courier" charset="0"/>
+                <a:cs typeface="Courier" charset="0"/>
+              </a:rPr>
+              <a:t>l..s-</a:t>
+            </a:r>
+            <a:r>
+              <a:rPr lang="en-US" sz="2000" dirty="0" smtClean="0">
+                <a:solidFill>
+                  <a:srgbClr val="000090"/>
+                </a:solidFill>
+                <a:latin typeface="Courier" charset="0"/>
+                <a:cs typeface="Courier" charset="0"/>
+              </a:rPr>
+              <a:t>1]  </a:t>
+            </a:r>
+            <a:r>
+              <a:rPr lang="en-US" sz="2000" dirty="0">
+                <a:solidFill>
+                  <a:srgbClr val="000090"/>
+                </a:solidFill>
+                <a:latin typeface="Courier" charset="0"/>
+                <a:cs typeface="Courier" charset="0"/>
+              </a:rPr>
+              <a:t>s </a:t>
+            </a:r>
+            <a:r>
+              <a:rPr lang="en-US" sz="2000" dirty="0" smtClean="0">
+                <a:solidFill>
+                  <a:srgbClr val="000090"/>
+                </a:solidFill>
+                <a:latin typeface="Courier" charset="0"/>
+                <a:cs typeface="Courier" charset="0"/>
+              </a:rPr>
+              <a:t>[s</a:t>
+            </a:r>
+            <a:r>
+              <a:rPr lang="en-US" sz="2000" dirty="0">
+                <a:solidFill>
+                  <a:srgbClr val="000090"/>
+                </a:solidFill>
+                <a:latin typeface="Courier" charset="0"/>
+                <a:cs typeface="Courier" charset="0"/>
+              </a:rPr>
+              <a:t>+1..</a:t>
+            </a:r>
+            <a:r>
+              <a:rPr lang="en-US" sz="2000" dirty="0" smtClean="0">
+                <a:solidFill>
+                  <a:srgbClr val="000090"/>
+                </a:solidFill>
+                <a:latin typeface="Courier" charset="0"/>
+                <a:cs typeface="Courier" charset="0"/>
+              </a:rPr>
+              <a:t>r]</a:t>
+            </a:r>
+            <a:endParaRPr lang="en-US" sz="2000" dirty="0">
+              <a:solidFill>
+                <a:srgbClr val="000090"/>
+              </a:solidFill>
+              <a:latin typeface="Courier" charset="0"/>
+              <a:cs typeface="Courier" charset="0"/>
+            </a:endParaRPr>
           </a:p>
           <a:p>
             <a:pPr eaLnBrk="1" hangingPunct="1"/>
             <a:r>
-              <a:rPr lang="en-US" sz="2000">
+              <a:rPr lang="en-US" sz="2000" dirty="0">
                 <a:solidFill>
                   <a:srgbClr val="000090"/>
                 </a:solidFill>
@@ -10163,7 +10281,7 @@
           <a:p>
             <a:pPr eaLnBrk="1" hangingPunct="1"/>
             <a:r>
-              <a:rPr lang="en-US" sz="2000">
+              <a:rPr lang="en-US" sz="2000" dirty="0">
                 <a:solidFill>
                   <a:srgbClr val="000090"/>
                 </a:solidFill>
@@ -10390,7 +10508,7 @@
         </p:blipFill>
         <p:spPr>
           <a:xfrm>
-            <a:off x="-323850" y="1412875"/>
+            <a:off x="-323850" y="855528"/>
             <a:ext cx="4281488" cy="2384425"/>
           </a:xfrm>
         </p:spPr>
@@ -10554,7 +10672,7 @@
                 </a:solidFill>
               </a:rPr>
               <a:pPr eaLnBrk="1" hangingPunct="1"/>
-              <a:t>May 6, 2020</a:t>
+              <a:t>May 8, 2020</a:t>
             </a:fld>
             <a:endParaRPr lang="en-US" sz="1200">
               <a:solidFill>
@@ -10894,7 +11012,7 @@
         </p:nvSpPr>
         <p:spPr bwMode="auto">
           <a:xfrm>
-            <a:off x="3276600" y="1412875"/>
+            <a:off x="3276600" y="855528"/>
             <a:ext cx="5992813" cy="2862263"/>
           </a:xfrm>
           <a:prstGeom prst="rect">
@@ -11039,11 +11157,11 @@
           <a:p>
             <a:pPr eaLnBrk="1" hangingPunct="1"/>
             <a:r>
-              <a:rPr lang="en-US" sz="2000"/>
+              <a:rPr lang="en-US" sz="2000" dirty="0"/>
               <a:t>Using </a:t>
             </a:r>
             <a:r>
-              <a:rPr lang="en-US" sz="2000">
+              <a:rPr lang="en-US" sz="2000" dirty="0">
                 <a:solidFill>
                   <a:srgbClr val="000090"/>
                 </a:solidFill>
@@ -11053,32 +11171,72 @@
               <a:t>p= A[l]</a:t>
             </a:r>
             <a:r>
-              <a:rPr lang="en-US" sz="2000"/>
+              <a:rPr lang="en-US" sz="2000" dirty="0"/>
               <a:t> as the </a:t>
             </a:r>
             <a:r>
-              <a:rPr lang="en-US" sz="2000" i="1"/>
+              <a:rPr lang="en-US" sz="2000" i="1" dirty="0"/>
               <a:t>pivot</a:t>
             </a:r>
           </a:p>
           <a:p>
             <a:pPr eaLnBrk="1" hangingPunct="1"/>
             <a:r>
-              <a:rPr lang="en-US" sz="2000"/>
+              <a:rPr lang="en-US" sz="2000" dirty="0"/>
               <a:t>Loop: processing </a:t>
             </a:r>
             <a:r>
-              <a:rPr lang="en-US" sz="2000">
+              <a:rPr lang="en-US" sz="2000" dirty="0">
                 <a:solidFill>
                   <a:srgbClr val="000090"/>
                 </a:solidFill>
                 <a:latin typeface="Courier" charset="0"/>
                 <a:cs typeface="Courier" charset="0"/>
               </a:rPr>
-              <a:t>A[i] with i=l+1,...</a:t>
-            </a:r>
-            <a:r>
-              <a:rPr lang="en-AU" sz="2000">
+              <a:t>A[</a:t>
+            </a:r>
+            <a:r>
+              <a:rPr lang="en-US" sz="2000" dirty="0" err="1">
+                <a:solidFill>
+                  <a:srgbClr val="000090"/>
+                </a:solidFill>
+                <a:latin typeface="Courier" charset="0"/>
+                <a:cs typeface="Courier" charset="0"/>
+              </a:rPr>
+              <a:t>i</a:t>
+            </a:r>
+            <a:r>
+              <a:rPr lang="en-US" sz="2000" dirty="0">
+                <a:solidFill>
+                  <a:srgbClr val="000090"/>
+                </a:solidFill>
+                <a:latin typeface="Courier" charset="0"/>
+                <a:cs typeface="Courier" charset="0"/>
+              </a:rPr>
+              <a:t>] with </a:t>
+            </a:r>
+            <a:r>
+              <a:rPr lang="en-US" sz="2000" dirty="0" err="1">
+                <a:solidFill>
+                  <a:srgbClr val="000090"/>
+                </a:solidFill>
+                <a:latin typeface="Courier" charset="0"/>
+                <a:cs typeface="Courier" charset="0"/>
+              </a:rPr>
+              <a:t>i</a:t>
+            </a:r>
+            <a:r>
+              <a:rPr lang="en-US" sz="2000" dirty="0">
+                <a:solidFill>
+                  <a:srgbClr val="000090"/>
+                </a:solidFill>
+                <a:latin typeface="Courier" charset="0"/>
+                <a:cs typeface="Courier" charset="0"/>
+              </a:rPr>
+              <a:t>=l+1,...</a:t>
+            </a:r>
+            <a:r>
+              <a:rPr lang="en-AU" sz="2000" dirty="0">
                 <a:solidFill>
                   <a:srgbClr val="000090"/>
                 </a:solidFill>
@@ -11088,98 +11246,155 @@
               <a:t>,r</a:t>
             </a:r>
             <a:r>
-              <a:rPr lang="en-US" sz="2000"/>
+              <a:rPr lang="en-US" sz="2000" dirty="0"/>
               <a:t> </a:t>
             </a:r>
           </a:p>
           <a:p>
             <a:pPr eaLnBrk="1" hangingPunct="1"/>
             <a:r>
-              <a:rPr lang="en-US" sz="2000"/>
+              <a:rPr lang="en-US" sz="2000" dirty="0"/>
               <a:t>During the loop, maintaining </a:t>
             </a:r>
             <a:r>
-              <a:rPr lang="en-US" sz="2000" i="1"/>
+              <a:rPr lang="en-US" sz="2000" i="1" dirty="0"/>
               <a:t>loop invariants</a:t>
             </a:r>
             <a:r>
-              <a:rPr lang="en-US" sz="2000"/>
+              <a:rPr lang="en-US" sz="2000" dirty="0"/>
               <a:t>:</a:t>
             </a:r>
           </a:p>
           <a:p>
             <a:pPr eaLnBrk="1" hangingPunct="1"/>
             <a:r>
-              <a:rPr lang="en-US" sz="2000"/>
+              <a:rPr lang="en-US" sz="2000" dirty="0"/>
               <a:t>  </a:t>
             </a:r>
             <a:r>
-              <a:rPr lang="en-US" sz="2000">
+              <a:rPr lang="en-US" sz="2000" dirty="0">
                 <a:solidFill>
                   <a:srgbClr val="000090"/>
                 </a:solidFill>
                 <a:latin typeface="Courier" charset="0"/>
                 <a:cs typeface="Courier" charset="0"/>
               </a:rPr>
-              <a:t> A[l  l+1 .. s  </a:t>
-            </a:r>
-            <a:r>
-              <a:rPr lang="en-US" sz="2000">
-                <a:solidFill>
-                  <a:srgbClr val="FF0000"/>
+              <a:t> </a:t>
+            </a:r>
+            <a:r>
+              <a:rPr lang="en-US" sz="2000" dirty="0" smtClean="0">
+                <a:solidFill>
+                  <a:srgbClr val="000090"/>
                 </a:solidFill>
                 <a:latin typeface="Courier" charset="0"/>
                 <a:cs typeface="Courier" charset="0"/>
               </a:rPr>
-              <a:t>s+1 .. i</a:t>
-            </a:r>
-            <a:r>
-              <a:rPr lang="en-US" sz="2000">
+              <a:t>l  [l</a:t>
+            </a:r>
+            <a:r>
+              <a:rPr lang="en-US" sz="2000" dirty="0">
                 <a:solidFill>
                   <a:srgbClr val="000090"/>
                 </a:solidFill>
                 <a:latin typeface="Courier" charset="0"/>
                 <a:cs typeface="Courier" charset="0"/>
               </a:rPr>
-              <a:t>  </a:t>
-            </a:r>
-            <a:r>
-              <a:rPr lang="en-US" sz="2000">
-                <a:solidFill>
-                  <a:srgbClr val="030000"/>
+              <a:t>+1 .. </a:t>
+            </a:r>
+            <a:r>
+              <a:rPr lang="en-US" sz="2000" dirty="0" smtClean="0">
+                <a:solidFill>
+                  <a:srgbClr val="000090"/>
                 </a:solidFill>
                 <a:latin typeface="Courier" charset="0"/>
                 <a:cs typeface="Courier" charset="0"/>
               </a:rPr>
-              <a:t>i+1 .. r</a:t>
-            </a:r>
-            <a:r>
-              <a:rPr lang="en-US" sz="2000">
-                <a:solidFill>
-                  <a:srgbClr val="000090"/>
+              <a:t>s]  </a:t>
+            </a:r>
+            <a:r>
+              <a:rPr lang="en-US" sz="2000" dirty="0">
+                <a:solidFill>
+                  <a:srgbClr val="FF0000"/>
                 </a:solidFill>
                 <a:latin typeface="Courier" charset="0"/>
                 <a:cs typeface="Courier" charset="0"/>
               </a:rPr>
-              <a:t>]</a:t>
-            </a:r>
+              <a:t>s+1 .. </a:t>
+            </a:r>
+            <a:r>
+              <a:rPr lang="en-US" sz="2000" dirty="0" err="1">
+                <a:solidFill>
+                  <a:srgbClr val="FF0000"/>
+                </a:solidFill>
+                <a:latin typeface="Courier" charset="0"/>
+                <a:cs typeface="Courier" charset="0"/>
+              </a:rPr>
+              <a:t>i</a:t>
+            </a:r>
+            <a:r>
+              <a:rPr lang="en-US" sz="2000" dirty="0">
+                <a:solidFill>
+                  <a:srgbClr val="000090"/>
+                </a:solidFill>
+                <a:latin typeface="Courier" charset="0"/>
+                <a:cs typeface="Courier" charset="0"/>
+              </a:rPr>
+              <a:t> </a:t>
+            </a:r>
+            <a:r>
+              <a:rPr lang="en-US" sz="2000" dirty="0" smtClean="0">
+                <a:solidFill>
+                  <a:srgbClr val="000090"/>
+                </a:solidFill>
+                <a:latin typeface="Courier" charset="0"/>
+                <a:cs typeface="Courier" charset="0"/>
+              </a:rPr>
+              <a:t>| </a:t>
+            </a:r>
+            <a:r>
+              <a:rPr lang="en-US" sz="2000" dirty="0">
+                <a:solidFill>
+                  <a:srgbClr val="030000"/>
+                </a:solidFill>
+                <a:latin typeface="Courier" charset="0"/>
+                <a:cs typeface="Courier" charset="0"/>
+              </a:rPr>
+              <a:t>i+1 .. </a:t>
+            </a:r>
+            <a:r>
+              <a:rPr lang="en-US" sz="2000" dirty="0" smtClean="0">
+                <a:solidFill>
+                  <a:srgbClr val="030000"/>
+                </a:solidFill>
+                <a:latin typeface="Courier" charset="0"/>
+                <a:cs typeface="Courier" charset="0"/>
+              </a:rPr>
+              <a:t>r</a:t>
+            </a:r>
+            <a:endParaRPr lang="en-US" sz="2000" dirty="0">
+              <a:solidFill>
+                <a:srgbClr val="000090"/>
+              </a:solidFill>
+              <a:latin typeface="Courier" charset="0"/>
+              <a:cs typeface="Courier" charset="0"/>
+            </a:endParaRPr>
           </a:p>
           <a:p>
             <a:pPr eaLnBrk="1" hangingPunct="1"/>
-            <a:endParaRPr lang="en-US" sz="2000"/>
+            <a:endParaRPr lang="en-US" sz="2000" dirty="0"/>
           </a:p>
           <a:p>
             <a:pPr eaLnBrk="1" hangingPunct="1"/>
-            <a:endParaRPr lang="en-US" sz="2000"/>
+            <a:endParaRPr lang="en-US" sz="2000" dirty="0"/>
           </a:p>
           <a:p>
             <a:pPr eaLnBrk="1" hangingPunct="1"/>
             <a:r>
-              <a:rPr lang="en-US" sz="2000"/>
+              <a:rPr lang="en-US" sz="2000" dirty="0"/>
               <a:t>                    &lt;</a:t>
             </a:r>
             <a:r>
-              <a:rPr lang="en-US" sz="2000">
+              <a:rPr lang="en-US" sz="2000" dirty="0">
                 <a:solidFill>
                   <a:srgbClr val="000090"/>
                 </a:solidFill>
@@ -11189,11 +11404,11 @@
               <a:t>p</a:t>
             </a:r>
             <a:r>
-              <a:rPr lang="en-US" sz="2000"/>
+              <a:rPr lang="en-US" sz="2000" dirty="0"/>
               <a:t>               </a:t>
             </a:r>
             <a:r>
-              <a:rPr lang="en-US" sz="2000">
+              <a:rPr lang="en-US" sz="2000" dirty="0">
                 <a:solidFill>
                   <a:srgbClr val="FF0000"/>
                 </a:solidFill>
@@ -11201,7 +11416,7 @@
               <a:t>&gt;=</a:t>
             </a:r>
             <a:r>
-              <a:rPr lang="en-US" sz="2000">
+              <a:rPr lang="en-US" sz="2000" dirty="0">
                 <a:solidFill>
                   <a:srgbClr val="FF0000"/>
                 </a:solidFill>
@@ -11211,11 +11426,11 @@
               <a:t>p</a:t>
             </a:r>
             <a:r>
-              <a:rPr lang="en-US" sz="2000"/>
+              <a:rPr lang="en-US" sz="2000" dirty="0"/>
               <a:t>        </a:t>
             </a:r>
             <a:r>
-              <a:rPr lang="en-US" sz="2000">
+              <a:rPr lang="en-US" sz="2000" dirty="0">
                 <a:latin typeface="Cambria" charset="0"/>
                 <a:cs typeface="Cambria" charset="0"/>
               </a:rPr>
@@ -11225,7 +11440,7 @@
           <a:p>
             <a:pPr eaLnBrk="1" hangingPunct="1"/>
             <a:r>
-              <a:rPr lang="en-US" sz="2000">
+              <a:rPr lang="en-US" sz="2000" dirty="0">
                 <a:latin typeface="Cambria" charset="0"/>
                 <a:cs typeface="Cambria" charset="0"/>
               </a:rPr>
@@ -11235,7 +11450,7 @@
           <a:p>
             <a:pPr eaLnBrk="1" hangingPunct="1"/>
             <a:r>
-              <a:rPr lang="en-US" sz="2000"/>
+              <a:rPr lang="en-US" sz="2000" dirty="0"/>
               <a:t> </a:t>
             </a:r>
           </a:p>
@@ -11249,7 +11464,7 @@
         </p:nvCxnSpPr>
         <p:spPr>
           <a:xfrm>
-            <a:off x="4427538" y="2708275"/>
+            <a:off x="4427538" y="2132856"/>
             <a:ext cx="1223962" cy="0"/>
           </a:xfrm>
           <a:prstGeom prst="line">
@@ -11279,7 +11494,7 @@
         </p:nvCxnSpPr>
         <p:spPr>
           <a:xfrm>
-            <a:off x="6011863" y="2708275"/>
+            <a:off x="6011862" y="2144171"/>
             <a:ext cx="1152525" cy="0"/>
           </a:xfrm>
           <a:prstGeom prst="line">
@@ -11309,7 +11524,7 @@
         </p:nvCxnSpPr>
         <p:spPr>
           <a:xfrm>
-            <a:off x="7531100" y="2708275"/>
+            <a:off x="7531100" y="2157095"/>
             <a:ext cx="1144588" cy="0"/>
           </a:xfrm>
           <a:prstGeom prst="line">
@@ -11339,7 +11554,7 @@
         </p:nvCxnSpPr>
         <p:spPr>
           <a:xfrm flipH="1">
-            <a:off x="4932363" y="2708275"/>
+            <a:off x="4968081" y="2065892"/>
             <a:ext cx="71437" cy="576263"/>
           </a:xfrm>
           <a:prstGeom prst="straightConnector1">
@@ -11372,7 +11587,7 @@
         </p:nvCxnSpPr>
         <p:spPr>
           <a:xfrm flipH="1">
-            <a:off x="6516688" y="2708275"/>
+            <a:off x="6516688" y="2065892"/>
             <a:ext cx="71437" cy="576263"/>
           </a:xfrm>
           <a:prstGeom prst="straightConnector1">
@@ -11405,7 +11620,7 @@
         </p:nvCxnSpPr>
         <p:spPr>
           <a:xfrm flipH="1">
-            <a:off x="8027988" y="2708275"/>
+            <a:off x="8027988" y="2132012"/>
             <a:ext cx="73025" cy="576263"/>
           </a:xfrm>
           <a:prstGeom prst="straightConnector1">
@@ -11438,8 +11653,8 @@
         </p:nvSpPr>
         <p:spPr>
           <a:xfrm>
-            <a:off x="246063" y="3797300"/>
-            <a:ext cx="4872037" cy="2676525"/>
+            <a:off x="246063" y="3220296"/>
+            <a:ext cx="3058800" cy="1938992"/>
           </a:xfrm>
           <a:prstGeom prst="rect">
             <a:avLst/>
@@ -11455,117 +11670,19 @@
             <a:pPr>
               <a:defRPr/>
             </a:pPr>
+            <a:r>
+              <a:rPr lang="en-US" dirty="0" smtClean="0"/>
+              <a:t>Example</a:t>
+            </a:r>
+            <a:r>
+              <a:rPr lang="en-US" dirty="0"/>
+              <a:t>: </a:t>
+            </a:r>
+            <a:r>
+              <a:rPr lang="en-US" dirty="0" smtClean="0"/>
+              <a:t>partitioning </a:t>
+            </a:r>
             <a:endParaRPr lang="en-US" dirty="0"/>
-          </a:p>
-          <a:p>
-            <a:pPr>
-              <a:defRPr/>
-            </a:pPr>
-            <a:r>
-              <a:rPr lang="en-US" dirty="0"/>
-              <a:t>Example: partitioning for  4 2 5 1 6</a:t>
-            </a:r>
-          </a:p>
-          <a:p>
-            <a:pPr>
-              <a:defRPr/>
-            </a:pPr>
-            <a:endParaRPr lang="en-US" dirty="0">
-              <a:latin typeface="Courier"/>
-              <a:cs typeface="Courier"/>
-            </a:endParaRPr>
-          </a:p>
-          <a:p>
-            <a:pPr>
-              <a:defRPr/>
-            </a:pPr>
-            <a:r>
-              <a:rPr lang="en-US" dirty="0">
-                <a:latin typeface="Courier"/>
-                <a:cs typeface="Courier"/>
-              </a:rPr>
-              <a:t>s=0, </a:t>
-            </a:r>
-            <a:r>
-              <a:rPr lang="en-US" dirty="0" err="1">
-                <a:latin typeface="Courier"/>
-                <a:cs typeface="Courier"/>
-              </a:rPr>
-              <a:t>i</a:t>
-            </a:r>
-            <a:r>
-              <a:rPr lang="en-US" dirty="0">
-                <a:latin typeface="Courier"/>
-                <a:cs typeface="Courier"/>
-              </a:rPr>
-              <a:t>=1    </a:t>
-            </a:r>
-            <a:r>
-              <a:rPr lang="en-US" dirty="0">
-                <a:solidFill>
-                  <a:srgbClr val="000090"/>
-                </a:solidFill>
-                <a:latin typeface="Courier"/>
-                <a:cs typeface="Courier"/>
-              </a:rPr>
-              <a:t>4</a:t>
-            </a:r>
-            <a:r>
-              <a:rPr lang="en-US" baseline="-25000" dirty="0">
-                <a:solidFill>
-                  <a:srgbClr val="000090"/>
-                </a:solidFill>
-                <a:latin typeface="Courier"/>
-                <a:cs typeface="Courier"/>
-              </a:rPr>
-              <a:t>s</a:t>
-            </a:r>
-            <a:r>
-              <a:rPr lang="en-US" dirty="0">
-                <a:latin typeface="Courier"/>
-                <a:cs typeface="Courier"/>
-              </a:rPr>
-              <a:t> </a:t>
-            </a:r>
-            <a:r>
-              <a:rPr lang="en-US" dirty="0">
-                <a:solidFill>
-                  <a:schemeClr val="tx1">
-                    <a:lumMod val="50000"/>
-                    <a:lumOff val="50000"/>
-                  </a:schemeClr>
-                </a:solidFill>
-                <a:latin typeface="Courier"/>
-                <a:cs typeface="Courier"/>
-              </a:rPr>
-              <a:t>2</a:t>
-            </a:r>
-            <a:r>
-              <a:rPr lang="en-US" baseline="-25000" dirty="0">
-                <a:solidFill>
-                  <a:schemeClr val="tx1">
-                    <a:lumMod val="50000"/>
-                    <a:lumOff val="50000"/>
-                  </a:schemeClr>
-                </a:solidFill>
-                <a:latin typeface="Courier"/>
-                <a:cs typeface="Courier"/>
-              </a:rPr>
-              <a:t>i</a:t>
-            </a:r>
-            <a:r>
-              <a:rPr lang="en-US" dirty="0">
-                <a:solidFill>
-                  <a:schemeClr val="tx1">
-                    <a:lumMod val="50000"/>
-                    <a:lumOff val="50000"/>
-                  </a:schemeClr>
-                </a:solidFill>
-                <a:latin typeface="Courier"/>
-                <a:cs typeface="Courier"/>
-              </a:rPr>
-              <a:t> 5 1 6</a:t>
-            </a:r>
           </a:p>
           <a:p>
             <a:pPr>
@@ -11586,7 +11703,16 @@
             <a:pPr>
               <a:defRPr/>
             </a:pPr>
-            <a:endParaRPr lang="en-US" dirty="0"/>
+            <a:endParaRPr lang="en-US" dirty="0">
+              <a:solidFill>
+                <a:schemeClr val="tx1">
+                  <a:lumMod val="50000"/>
+                  <a:lumOff val="50000"/>
+                </a:schemeClr>
+              </a:solidFill>
+              <a:latin typeface="Courier"/>
+              <a:cs typeface="Courier"/>
+            </a:endParaRPr>
           </a:p>
           <a:p>
             <a:pPr>
@@ -11594,1244 +11720,11 @@
             </a:pPr>
             <a:endParaRPr lang="en-US" dirty="0"/>
           </a:p>
-        </p:txBody>
-      </p:sp>
-    </p:spTree>
-  </p:cSld>
-  <p:clrMapOvr>
-    <a:masterClrMapping/>
-  </p:clrMapOvr>
-</p:sld>
-</file>
-
-<file path=ppt/slides/slide15.xml><?xml version="1.0" encoding="utf-8"?>
-<p:sld xmlns:a="http://schemas.openxmlformats.org/drawingml/2006/main" xmlns:r="http://schemas.openxmlformats.org/officeDocument/2006/relationships" xmlns:p="http://schemas.openxmlformats.org/presentationml/2006/main">
-  <p:cSld>
-    <p:spTree>
-      <p:nvGrpSpPr>
-        <p:cNvPr id="1" name=""/>
-        <p:cNvGrpSpPr/>
-        <p:nvPr/>
-      </p:nvGrpSpPr>
-      <p:grpSpPr>
-        <a:xfrm>
-          <a:off x="0" y="0"/>
-          <a:ext cx="0" cy="0"/>
-          <a:chOff x="0" y="0"/>
-          <a:chExt cx="0" cy="0"/>
-        </a:xfrm>
-      </p:grpSpPr>
-      <p:sp>
-        <p:nvSpPr>
-          <p:cNvPr id="2" name="Title 1"/>
-          <p:cNvSpPr>
-            <a:spLocks noGrp="1"/>
-          </p:cNvSpPr>
-          <p:nvPr>
-            <p:ph type="title"/>
-          </p:nvPr>
-        </p:nvSpPr>
-        <p:spPr>
-          <a:xfrm>
-            <a:off x="265113" y="107951"/>
-            <a:ext cx="8623300" cy="440729"/>
-          </a:xfrm>
-        </p:spPr>
-        <p:txBody>
-          <a:bodyPr/>
-          <a:lstStyle/>
           <a:p>
             <a:pPr>
               <a:defRPr/>
             </a:pPr>
-            <a:r>
-              <a:rPr lang="en-US" sz="2400" dirty="0" smtClean="0"/>
-              <a:t>Quicksort: </a:t>
-            </a:r>
-            <a:r>
-              <a:rPr lang="en-US" sz="2400" dirty="0" err="1" smtClean="0"/>
-              <a:t>Lomuto</a:t>
-            </a:r>
-            <a:r>
-              <a:rPr lang="en-US" sz="2400" dirty="0" smtClean="0"/>
-              <a:t> Partitioning</a:t>
-            </a:r>
-            <a:endParaRPr lang="en-US" sz="2400" dirty="0"/>
-          </a:p>
-        </p:txBody>
-      </p:sp>
-      <p:pic>
-        <p:nvPicPr>
-          <p:cNvPr id="18434" name="Content Placeholder 6"/>
-          <p:cNvPicPr>
-            <a:picLocks noGrp="1" noChangeAspect="1"/>
-          </p:cNvPicPr>
-          <p:nvPr>
-            <p:ph idx="1"/>
-          </p:nvPr>
-        </p:nvPicPr>
-        <p:blipFill>
-          <a:blip r:embed="rId2">
-            <a:extLst>
-              <a:ext uri="{28A0092B-C50C-407E-A947-70E740481C1C}">
-                <a14:useLocalDpi xmlns:a14="http://schemas.microsoft.com/office/drawing/2010/main" val="0"/>
-              </a:ext>
-            </a:extLst>
-          </a:blip>
-          <a:srcRect l="-20367" r="-20367"/>
-          <a:stretch>
-            <a:fillRect/>
-          </a:stretch>
-        </p:blipFill>
-        <p:spPr>
-          <a:xfrm>
-            <a:off x="-541338" y="549275"/>
-            <a:ext cx="4283076" cy="2382838"/>
-          </a:xfrm>
-        </p:spPr>
-      </p:pic>
-      <p:sp>
-        <p:nvSpPr>
-          <p:cNvPr id="18435" name="Date Placeholder 3"/>
-          <p:cNvSpPr>
-            <a:spLocks noGrp="1"/>
-          </p:cNvSpPr>
-          <p:nvPr>
-            <p:ph type="dt" sz="quarter" idx="10"/>
-          </p:nvPr>
-        </p:nvSpPr>
-        <p:spPr bwMode="auto">
-          <a:noFill/>
-          <a:extLst>
-            <a:ext uri="{909E8E84-426E-40dd-AFC4-6F175D3DCCD1}">
-              <a14:hiddenFill xmlns:a14="http://schemas.microsoft.com/office/drawing/2010/main">
-                <a:solidFill>
-                  <a:srgbClr val="FFFFFF"/>
-                </a:solidFill>
-              </a14:hiddenFill>
-            </a:ext>
-            <a:ext uri="{91240B29-F687-4f45-9708-019B960494DF}">
-              <a14:hiddenLine xmlns:a14="http://schemas.microsoft.com/office/drawing/2010/main" w="9525">
-                <a:solidFill>
-                  <a:srgbClr val="000000"/>
-                </a:solidFill>
-                <a:miter lim="800000"/>
-                <a:headEnd/>
-                <a:tailEnd/>
-              </a14:hiddenLine>
-            </a:ext>
-          </a:extLst>
-        </p:spPr>
-        <p:txBody>
-          <a:bodyPr/>
-          <a:lstStyle>
-            <a:lvl1pPr eaLnBrk="0" hangingPunct="0">
-              <a:defRPr sz="2400">
-                <a:solidFill>
-                  <a:schemeClr val="tx1"/>
-                </a:solidFill>
-                <a:latin typeface="Arial" charset="0"/>
-                <a:ea typeface="ＭＳ Ｐゴシック" charset="0"/>
-                <a:cs typeface="ＭＳ Ｐゴシック" charset="0"/>
-              </a:defRPr>
-            </a:lvl1pPr>
-            <a:lvl2pPr marL="742950" indent="-285750" eaLnBrk="0" hangingPunct="0">
-              <a:defRPr sz="2400">
-                <a:solidFill>
-                  <a:schemeClr val="tx1"/>
-                </a:solidFill>
-                <a:latin typeface="Arial" charset="0"/>
-                <a:ea typeface="ＭＳ Ｐゴシック" charset="0"/>
-              </a:defRPr>
-            </a:lvl2pPr>
-            <a:lvl3pPr marL="1143000" indent="-228600" eaLnBrk="0" hangingPunct="0">
-              <a:defRPr sz="2400">
-                <a:solidFill>
-                  <a:schemeClr val="tx1"/>
-                </a:solidFill>
-                <a:latin typeface="Arial" charset="0"/>
-                <a:ea typeface="ＭＳ Ｐゴシック" charset="0"/>
-              </a:defRPr>
-            </a:lvl3pPr>
-            <a:lvl4pPr marL="1600200" indent="-228600" eaLnBrk="0" hangingPunct="0">
-              <a:defRPr sz="2400">
-                <a:solidFill>
-                  <a:schemeClr val="tx1"/>
-                </a:solidFill>
-                <a:latin typeface="Arial" charset="0"/>
-                <a:ea typeface="ＭＳ Ｐゴシック" charset="0"/>
-              </a:defRPr>
-            </a:lvl4pPr>
-            <a:lvl5pPr marL="2057400" indent="-228600" eaLnBrk="0" hangingPunct="0">
-              <a:defRPr sz="2400">
-                <a:solidFill>
-                  <a:schemeClr val="tx1"/>
-                </a:solidFill>
-                <a:latin typeface="Arial" charset="0"/>
-                <a:ea typeface="ＭＳ Ｐゴシック" charset="0"/>
-              </a:defRPr>
-            </a:lvl5pPr>
-            <a:lvl6pPr marL="2514600" indent="-228600" eaLnBrk="0" fontAlgn="base" hangingPunct="0">
-              <a:spcBef>
-                <a:spcPct val="0"/>
-              </a:spcBef>
-              <a:spcAft>
-                <a:spcPct val="0"/>
-              </a:spcAft>
-              <a:defRPr sz="2400">
-                <a:solidFill>
-                  <a:schemeClr val="tx1"/>
-                </a:solidFill>
-                <a:latin typeface="Arial" charset="0"/>
-                <a:ea typeface="ＭＳ Ｐゴシック" charset="0"/>
-              </a:defRPr>
-            </a:lvl6pPr>
-            <a:lvl7pPr marL="2971800" indent="-228600" eaLnBrk="0" fontAlgn="base" hangingPunct="0">
-              <a:spcBef>
-                <a:spcPct val="0"/>
-              </a:spcBef>
-              <a:spcAft>
-                <a:spcPct val="0"/>
-              </a:spcAft>
-              <a:defRPr sz="2400">
-                <a:solidFill>
-                  <a:schemeClr val="tx1"/>
-                </a:solidFill>
-                <a:latin typeface="Arial" charset="0"/>
-                <a:ea typeface="ＭＳ Ｐゴシック" charset="0"/>
-              </a:defRPr>
-            </a:lvl7pPr>
-            <a:lvl8pPr marL="3429000" indent="-228600" eaLnBrk="0" fontAlgn="base" hangingPunct="0">
-              <a:spcBef>
-                <a:spcPct val="0"/>
-              </a:spcBef>
-              <a:spcAft>
-                <a:spcPct val="0"/>
-              </a:spcAft>
-              <a:defRPr sz="2400">
-                <a:solidFill>
-                  <a:schemeClr val="tx1"/>
-                </a:solidFill>
-                <a:latin typeface="Arial" charset="0"/>
-                <a:ea typeface="ＭＳ Ｐゴシック" charset="0"/>
-              </a:defRPr>
-            </a:lvl8pPr>
-            <a:lvl9pPr marL="3886200" indent="-228600" eaLnBrk="0" fontAlgn="base" hangingPunct="0">
-              <a:spcBef>
-                <a:spcPct val="0"/>
-              </a:spcBef>
-              <a:spcAft>
-                <a:spcPct val="0"/>
-              </a:spcAft>
-              <a:defRPr sz="2400">
-                <a:solidFill>
-                  <a:schemeClr val="tx1"/>
-                </a:solidFill>
-                <a:latin typeface="Arial" charset="0"/>
-                <a:ea typeface="ＭＳ Ｐゴシック" charset="0"/>
-              </a:defRPr>
-            </a:lvl9pPr>
-          </a:lstStyle>
-          <a:p>
-            <a:pPr eaLnBrk="1" hangingPunct="1"/>
-            <a:r>
-              <a:rPr lang="en-AU" sz="1200">
-                <a:solidFill>
-                  <a:schemeClr val="bg1"/>
-                </a:solidFill>
-              </a:rPr>
-              <a:t>Anh Vo    </a:t>
-            </a:r>
-            <a:fld id="{AB0F7674-2A4C-9E42-B4F0-3A51B9E66B81}" type="datetime4">
-              <a:rPr lang="en-AU" sz="1200">
-                <a:solidFill>
-                  <a:schemeClr val="bg1"/>
-                </a:solidFill>
-              </a:rPr>
-              <a:pPr eaLnBrk="1" hangingPunct="1"/>
-              <a:t>May 6, 2020</a:t>
-            </a:fld>
-            <a:endParaRPr lang="en-US" sz="1200">
-              <a:solidFill>
-                <a:schemeClr val="bg1"/>
-              </a:solidFill>
-            </a:endParaRPr>
-          </a:p>
-        </p:txBody>
-      </p:sp>
-      <p:sp>
-        <p:nvSpPr>
-          <p:cNvPr id="18436" name="Footer Placeholder 4"/>
-          <p:cNvSpPr>
-            <a:spLocks noGrp="1"/>
-          </p:cNvSpPr>
-          <p:nvPr>
-            <p:ph type="ftr" sz="quarter" idx="11"/>
-          </p:nvPr>
-        </p:nvSpPr>
-        <p:spPr bwMode="auto">
-          <a:noFill/>
-          <a:extLst>
-            <a:ext uri="{909E8E84-426E-40dd-AFC4-6F175D3DCCD1}">
-              <a14:hiddenFill xmlns:a14="http://schemas.microsoft.com/office/drawing/2010/main">
-                <a:solidFill>
-                  <a:srgbClr val="FFFFFF"/>
-                </a:solidFill>
-              </a14:hiddenFill>
-            </a:ext>
-            <a:ext uri="{91240B29-F687-4f45-9708-019B960494DF}">
-              <a14:hiddenLine xmlns:a14="http://schemas.microsoft.com/office/drawing/2010/main" w="9525">
-                <a:solidFill>
-                  <a:srgbClr val="000000"/>
-                </a:solidFill>
-                <a:miter lim="800000"/>
-                <a:headEnd/>
-                <a:tailEnd/>
-              </a14:hiddenLine>
-            </a:ext>
-          </a:extLst>
-        </p:spPr>
-        <p:txBody>
-          <a:bodyPr wrap="square" numCol="1" anchorCtr="0" compatLnSpc="1">
-            <a:prstTxWarp prst="textNoShape">
-              <a:avLst/>
-            </a:prstTxWarp>
-          </a:bodyPr>
-          <a:lstStyle>
-            <a:lvl1pPr eaLnBrk="0" hangingPunct="0">
-              <a:defRPr sz="2400">
-                <a:solidFill>
-                  <a:schemeClr val="tx1"/>
-                </a:solidFill>
-                <a:latin typeface="Arial" charset="0"/>
-                <a:ea typeface="ＭＳ Ｐゴシック" charset="0"/>
-                <a:cs typeface="ＭＳ Ｐゴシック" charset="0"/>
-              </a:defRPr>
-            </a:lvl1pPr>
-            <a:lvl2pPr marL="742950" indent="-285750" eaLnBrk="0" hangingPunct="0">
-              <a:defRPr sz="2400">
-                <a:solidFill>
-                  <a:schemeClr val="tx1"/>
-                </a:solidFill>
-                <a:latin typeface="Arial" charset="0"/>
-                <a:ea typeface="ＭＳ Ｐゴシック" charset="0"/>
-              </a:defRPr>
-            </a:lvl2pPr>
-            <a:lvl3pPr marL="1143000" indent="-228600" eaLnBrk="0" hangingPunct="0">
-              <a:defRPr sz="2400">
-                <a:solidFill>
-                  <a:schemeClr val="tx1"/>
-                </a:solidFill>
-                <a:latin typeface="Arial" charset="0"/>
-                <a:ea typeface="ＭＳ Ｐゴシック" charset="0"/>
-              </a:defRPr>
-            </a:lvl3pPr>
-            <a:lvl4pPr marL="1600200" indent="-228600" eaLnBrk="0" hangingPunct="0">
-              <a:defRPr sz="2400">
-                <a:solidFill>
-                  <a:schemeClr val="tx1"/>
-                </a:solidFill>
-                <a:latin typeface="Arial" charset="0"/>
-                <a:ea typeface="ＭＳ Ｐゴシック" charset="0"/>
-              </a:defRPr>
-            </a:lvl4pPr>
-            <a:lvl5pPr marL="2057400" indent="-228600" eaLnBrk="0" hangingPunct="0">
-              <a:defRPr sz="2400">
-                <a:solidFill>
-                  <a:schemeClr val="tx1"/>
-                </a:solidFill>
-                <a:latin typeface="Arial" charset="0"/>
-                <a:ea typeface="ＭＳ Ｐゴシック" charset="0"/>
-              </a:defRPr>
-            </a:lvl5pPr>
-            <a:lvl6pPr marL="2514600" indent="-228600" eaLnBrk="0" fontAlgn="base" hangingPunct="0">
-              <a:spcBef>
-                <a:spcPct val="0"/>
-              </a:spcBef>
-              <a:spcAft>
-                <a:spcPct val="0"/>
-              </a:spcAft>
-              <a:defRPr sz="2400">
-                <a:solidFill>
-                  <a:schemeClr val="tx1"/>
-                </a:solidFill>
-                <a:latin typeface="Arial" charset="0"/>
-                <a:ea typeface="ＭＳ Ｐゴシック" charset="0"/>
-              </a:defRPr>
-            </a:lvl6pPr>
-            <a:lvl7pPr marL="2971800" indent="-228600" eaLnBrk="0" fontAlgn="base" hangingPunct="0">
-              <a:spcBef>
-                <a:spcPct val="0"/>
-              </a:spcBef>
-              <a:spcAft>
-                <a:spcPct val="0"/>
-              </a:spcAft>
-              <a:defRPr sz="2400">
-                <a:solidFill>
-                  <a:schemeClr val="tx1"/>
-                </a:solidFill>
-                <a:latin typeface="Arial" charset="0"/>
-                <a:ea typeface="ＭＳ Ｐゴシック" charset="0"/>
-              </a:defRPr>
-            </a:lvl7pPr>
-            <a:lvl8pPr marL="3429000" indent="-228600" eaLnBrk="0" fontAlgn="base" hangingPunct="0">
-              <a:spcBef>
-                <a:spcPct val="0"/>
-              </a:spcBef>
-              <a:spcAft>
-                <a:spcPct val="0"/>
-              </a:spcAft>
-              <a:defRPr sz="2400">
-                <a:solidFill>
-                  <a:schemeClr val="tx1"/>
-                </a:solidFill>
-                <a:latin typeface="Arial" charset="0"/>
-                <a:ea typeface="ＭＳ Ｐゴシック" charset="0"/>
-              </a:defRPr>
-            </a:lvl8pPr>
-            <a:lvl9pPr marL="3886200" indent="-228600" eaLnBrk="0" fontAlgn="base" hangingPunct="0">
-              <a:spcBef>
-                <a:spcPct val="0"/>
-              </a:spcBef>
-              <a:spcAft>
-                <a:spcPct val="0"/>
-              </a:spcAft>
-              <a:defRPr sz="2400">
-                <a:solidFill>
-                  <a:schemeClr val="tx1"/>
-                </a:solidFill>
-                <a:latin typeface="Arial" charset="0"/>
-                <a:ea typeface="ＭＳ Ｐゴシック" charset="0"/>
-              </a:defRPr>
-            </a:lvl9pPr>
-          </a:lstStyle>
-          <a:p>
-            <a:pPr eaLnBrk="1" hangingPunct="1"/>
-            <a:r>
-              <a:rPr lang="en-US" sz="1200">
-                <a:solidFill>
-                  <a:schemeClr val="bg1"/>
-                </a:solidFill>
-              </a:rPr>
-              <a:t>COMP20007.Worshop</a:t>
-            </a:r>
-          </a:p>
-        </p:txBody>
-      </p:sp>
-      <p:sp>
-        <p:nvSpPr>
-          <p:cNvPr id="18437" name="Slide Number Placeholder 5"/>
-          <p:cNvSpPr>
-            <a:spLocks noGrp="1"/>
-          </p:cNvSpPr>
-          <p:nvPr>
-            <p:ph type="sldNum" sz="quarter" idx="12"/>
-          </p:nvPr>
-        </p:nvSpPr>
-        <p:spPr bwMode="auto">
-          <a:noFill/>
-          <a:extLst>
-            <a:ext uri="{909E8E84-426E-40dd-AFC4-6F175D3DCCD1}">
-              <a14:hiddenFill xmlns:a14="http://schemas.microsoft.com/office/drawing/2010/main">
-                <a:solidFill>
-                  <a:srgbClr val="FFFFFF"/>
-                </a:solidFill>
-              </a14:hiddenFill>
-            </a:ext>
-            <a:ext uri="{91240B29-F687-4f45-9708-019B960494DF}">
-              <a14:hiddenLine xmlns:a14="http://schemas.microsoft.com/office/drawing/2010/main" w="9525">
-                <a:solidFill>
-                  <a:srgbClr val="000000"/>
-                </a:solidFill>
-                <a:miter lim="800000"/>
-                <a:headEnd/>
-                <a:tailEnd/>
-              </a14:hiddenLine>
-            </a:ext>
-          </a:extLst>
-        </p:spPr>
-        <p:txBody>
-          <a:bodyPr/>
-          <a:lstStyle>
-            <a:lvl1pPr eaLnBrk="0" hangingPunct="0">
-              <a:defRPr sz="2400">
-                <a:solidFill>
-                  <a:schemeClr val="tx1"/>
-                </a:solidFill>
-                <a:latin typeface="Arial" charset="0"/>
-                <a:ea typeface="ＭＳ Ｐゴシック" charset="0"/>
-                <a:cs typeface="ＭＳ Ｐゴシック" charset="0"/>
-              </a:defRPr>
-            </a:lvl1pPr>
-            <a:lvl2pPr marL="742950" indent="-285750" eaLnBrk="0" hangingPunct="0">
-              <a:defRPr sz="2400">
-                <a:solidFill>
-                  <a:schemeClr val="tx1"/>
-                </a:solidFill>
-                <a:latin typeface="Arial" charset="0"/>
-                <a:ea typeface="ＭＳ Ｐゴシック" charset="0"/>
-              </a:defRPr>
-            </a:lvl2pPr>
-            <a:lvl3pPr marL="1143000" indent="-228600" eaLnBrk="0" hangingPunct="0">
-              <a:defRPr sz="2400">
-                <a:solidFill>
-                  <a:schemeClr val="tx1"/>
-                </a:solidFill>
-                <a:latin typeface="Arial" charset="0"/>
-                <a:ea typeface="ＭＳ Ｐゴシック" charset="0"/>
-              </a:defRPr>
-            </a:lvl3pPr>
-            <a:lvl4pPr marL="1600200" indent="-228600" eaLnBrk="0" hangingPunct="0">
-              <a:defRPr sz="2400">
-                <a:solidFill>
-                  <a:schemeClr val="tx1"/>
-                </a:solidFill>
-                <a:latin typeface="Arial" charset="0"/>
-                <a:ea typeface="ＭＳ Ｐゴシック" charset="0"/>
-              </a:defRPr>
-            </a:lvl4pPr>
-            <a:lvl5pPr marL="2057400" indent="-228600" eaLnBrk="0" hangingPunct="0">
-              <a:defRPr sz="2400">
-                <a:solidFill>
-                  <a:schemeClr val="tx1"/>
-                </a:solidFill>
-                <a:latin typeface="Arial" charset="0"/>
-                <a:ea typeface="ＭＳ Ｐゴシック" charset="0"/>
-              </a:defRPr>
-            </a:lvl5pPr>
-            <a:lvl6pPr marL="2514600" indent="-228600" eaLnBrk="0" fontAlgn="base" hangingPunct="0">
-              <a:spcBef>
-                <a:spcPct val="0"/>
-              </a:spcBef>
-              <a:spcAft>
-                <a:spcPct val="0"/>
-              </a:spcAft>
-              <a:defRPr sz="2400">
-                <a:solidFill>
-                  <a:schemeClr val="tx1"/>
-                </a:solidFill>
-                <a:latin typeface="Arial" charset="0"/>
-                <a:ea typeface="ＭＳ Ｐゴシック" charset="0"/>
-              </a:defRPr>
-            </a:lvl6pPr>
-            <a:lvl7pPr marL="2971800" indent="-228600" eaLnBrk="0" fontAlgn="base" hangingPunct="0">
-              <a:spcBef>
-                <a:spcPct val="0"/>
-              </a:spcBef>
-              <a:spcAft>
-                <a:spcPct val="0"/>
-              </a:spcAft>
-              <a:defRPr sz="2400">
-                <a:solidFill>
-                  <a:schemeClr val="tx1"/>
-                </a:solidFill>
-                <a:latin typeface="Arial" charset="0"/>
-                <a:ea typeface="ＭＳ Ｐゴシック" charset="0"/>
-              </a:defRPr>
-            </a:lvl7pPr>
-            <a:lvl8pPr marL="3429000" indent="-228600" eaLnBrk="0" fontAlgn="base" hangingPunct="0">
-              <a:spcBef>
-                <a:spcPct val="0"/>
-              </a:spcBef>
-              <a:spcAft>
-                <a:spcPct val="0"/>
-              </a:spcAft>
-              <a:defRPr sz="2400">
-                <a:solidFill>
-                  <a:schemeClr val="tx1"/>
-                </a:solidFill>
-                <a:latin typeface="Arial" charset="0"/>
-                <a:ea typeface="ＭＳ Ｐゴシック" charset="0"/>
-              </a:defRPr>
-            </a:lvl8pPr>
-            <a:lvl9pPr marL="3886200" indent="-228600" eaLnBrk="0" fontAlgn="base" hangingPunct="0">
-              <a:spcBef>
-                <a:spcPct val="0"/>
-              </a:spcBef>
-              <a:spcAft>
-                <a:spcPct val="0"/>
-              </a:spcAft>
-              <a:defRPr sz="2400">
-                <a:solidFill>
-                  <a:schemeClr val="tx1"/>
-                </a:solidFill>
-                <a:latin typeface="Arial" charset="0"/>
-                <a:ea typeface="ＭＳ Ｐゴシック" charset="0"/>
-              </a:defRPr>
-            </a:lvl9pPr>
-          </a:lstStyle>
-          <a:p>
-            <a:pPr eaLnBrk="1" hangingPunct="1"/>
-            <a:fld id="{F4751EF5-A27E-CB4E-93F8-CE28A07CAD5F}" type="slidenum">
-              <a:rPr lang="en-US" sz="3600">
-                <a:solidFill>
-                  <a:schemeClr val="bg1"/>
-                </a:solidFill>
-              </a:rPr>
-              <a:pPr eaLnBrk="1" hangingPunct="1"/>
-              <a:t>15</a:t>
-            </a:fld>
-            <a:endParaRPr lang="en-US" sz="3600">
-              <a:solidFill>
-                <a:schemeClr val="bg1"/>
-              </a:solidFill>
-            </a:endParaRPr>
-          </a:p>
-        </p:txBody>
-      </p:sp>
-      <p:sp>
-        <p:nvSpPr>
-          <p:cNvPr id="18438" name="TextBox 7"/>
-          <p:cNvSpPr txBox="1">
-            <a:spLocks noChangeArrowheads="1"/>
-          </p:cNvSpPr>
-          <p:nvPr/>
-        </p:nvSpPr>
-        <p:spPr bwMode="auto">
-          <a:xfrm>
-            <a:off x="3217863" y="417513"/>
-            <a:ext cx="5992812" cy="2862262"/>
-          </a:xfrm>
-          <a:prstGeom prst="rect">
-            <a:avLst/>
-          </a:prstGeom>
-          <a:noFill/>
-          <a:ln>
-            <a:noFill/>
-          </a:ln>
-          <a:extLst>
-            <a:ext uri="{909E8E84-426E-40dd-AFC4-6F175D3DCCD1}">
-              <a14:hiddenFill xmlns:a14="http://schemas.microsoft.com/office/drawing/2010/main">
-                <a:solidFill>
-                  <a:srgbClr val="FFFFFF"/>
-                </a:solidFill>
-              </a14:hiddenFill>
-            </a:ext>
-            <a:ext uri="{91240B29-F687-4f45-9708-019B960494DF}">
-              <a14:hiddenLine xmlns:a14="http://schemas.microsoft.com/office/drawing/2010/main" w="9525">
-                <a:solidFill>
-                  <a:srgbClr val="000000"/>
-                </a:solidFill>
-                <a:miter lim="800000"/>
-                <a:headEnd/>
-                <a:tailEnd/>
-              </a14:hiddenLine>
-            </a:ext>
-          </a:extLst>
-        </p:spPr>
-        <p:txBody>
-          <a:bodyPr wrap="none">
-            <a:spAutoFit/>
-          </a:bodyPr>
-          <a:lstStyle>
-            <a:lvl1pPr eaLnBrk="0" hangingPunct="0">
-              <a:defRPr sz="2400">
-                <a:solidFill>
-                  <a:schemeClr val="tx1"/>
-                </a:solidFill>
-                <a:latin typeface="Arial" charset="0"/>
-                <a:ea typeface="ＭＳ Ｐゴシック" charset="0"/>
-                <a:cs typeface="ＭＳ Ｐゴシック" charset="0"/>
-              </a:defRPr>
-            </a:lvl1pPr>
-            <a:lvl2pPr marL="742950" indent="-285750" eaLnBrk="0" hangingPunct="0">
-              <a:defRPr sz="2400">
-                <a:solidFill>
-                  <a:schemeClr val="tx1"/>
-                </a:solidFill>
-                <a:latin typeface="Arial" charset="0"/>
-                <a:ea typeface="ＭＳ Ｐゴシック" charset="0"/>
-              </a:defRPr>
-            </a:lvl2pPr>
-            <a:lvl3pPr marL="1143000" indent="-228600" eaLnBrk="0" hangingPunct="0">
-              <a:defRPr sz="2400">
-                <a:solidFill>
-                  <a:schemeClr val="tx1"/>
-                </a:solidFill>
-                <a:latin typeface="Arial" charset="0"/>
-                <a:ea typeface="ＭＳ Ｐゴシック" charset="0"/>
-              </a:defRPr>
-            </a:lvl3pPr>
-            <a:lvl4pPr marL="1600200" indent="-228600" eaLnBrk="0" hangingPunct="0">
-              <a:defRPr sz="2400">
-                <a:solidFill>
-                  <a:schemeClr val="tx1"/>
-                </a:solidFill>
-                <a:latin typeface="Arial" charset="0"/>
-                <a:ea typeface="ＭＳ Ｐゴシック" charset="0"/>
-              </a:defRPr>
-            </a:lvl4pPr>
-            <a:lvl5pPr marL="2057400" indent="-228600" eaLnBrk="0" hangingPunct="0">
-              <a:defRPr sz="2400">
-                <a:solidFill>
-                  <a:schemeClr val="tx1"/>
-                </a:solidFill>
-                <a:latin typeface="Arial" charset="0"/>
-                <a:ea typeface="ＭＳ Ｐゴシック" charset="0"/>
-              </a:defRPr>
-            </a:lvl5pPr>
-            <a:lvl6pPr marL="2514600" indent="-228600" eaLnBrk="0" fontAlgn="base" hangingPunct="0">
-              <a:spcBef>
-                <a:spcPct val="0"/>
-              </a:spcBef>
-              <a:spcAft>
-                <a:spcPct val="0"/>
-              </a:spcAft>
-              <a:defRPr sz="2400">
-                <a:solidFill>
-                  <a:schemeClr val="tx1"/>
-                </a:solidFill>
-                <a:latin typeface="Arial" charset="0"/>
-                <a:ea typeface="ＭＳ Ｐゴシック" charset="0"/>
-              </a:defRPr>
-            </a:lvl6pPr>
-            <a:lvl7pPr marL="2971800" indent="-228600" eaLnBrk="0" fontAlgn="base" hangingPunct="0">
-              <a:spcBef>
-                <a:spcPct val="0"/>
-              </a:spcBef>
-              <a:spcAft>
-                <a:spcPct val="0"/>
-              </a:spcAft>
-              <a:defRPr sz="2400">
-                <a:solidFill>
-                  <a:schemeClr val="tx1"/>
-                </a:solidFill>
-                <a:latin typeface="Arial" charset="0"/>
-                <a:ea typeface="ＭＳ Ｐゴシック" charset="0"/>
-              </a:defRPr>
-            </a:lvl7pPr>
-            <a:lvl8pPr marL="3429000" indent="-228600" eaLnBrk="0" fontAlgn="base" hangingPunct="0">
-              <a:spcBef>
-                <a:spcPct val="0"/>
-              </a:spcBef>
-              <a:spcAft>
-                <a:spcPct val="0"/>
-              </a:spcAft>
-              <a:defRPr sz="2400">
-                <a:solidFill>
-                  <a:schemeClr val="tx1"/>
-                </a:solidFill>
-                <a:latin typeface="Arial" charset="0"/>
-                <a:ea typeface="ＭＳ Ｐゴシック" charset="0"/>
-              </a:defRPr>
-            </a:lvl8pPr>
-            <a:lvl9pPr marL="3886200" indent="-228600" eaLnBrk="0" fontAlgn="base" hangingPunct="0">
-              <a:spcBef>
-                <a:spcPct val="0"/>
-              </a:spcBef>
-              <a:spcAft>
-                <a:spcPct val="0"/>
-              </a:spcAft>
-              <a:defRPr sz="2400">
-                <a:solidFill>
-                  <a:schemeClr val="tx1"/>
-                </a:solidFill>
-                <a:latin typeface="Arial" charset="0"/>
-                <a:ea typeface="ＭＳ Ｐゴシック" charset="0"/>
-              </a:defRPr>
-            </a:lvl9pPr>
-          </a:lstStyle>
-          <a:p>
-            <a:pPr eaLnBrk="1" hangingPunct="1"/>
-            <a:r>
-              <a:rPr lang="en-US" sz="2000"/>
-              <a:t>Using </a:t>
-            </a:r>
-            <a:r>
-              <a:rPr lang="en-US" sz="2000">
-                <a:solidFill>
-                  <a:srgbClr val="000090"/>
-                </a:solidFill>
-                <a:latin typeface="Courier" charset="0"/>
-                <a:cs typeface="Courier" charset="0"/>
-              </a:rPr>
-              <a:t>p= A[l]</a:t>
-            </a:r>
-            <a:r>
-              <a:rPr lang="en-US" sz="2000"/>
-              <a:t> as the </a:t>
-            </a:r>
-            <a:r>
-              <a:rPr lang="en-US" sz="2000" i="1"/>
-              <a:t>pivot</a:t>
-            </a:r>
-          </a:p>
-          <a:p>
-            <a:pPr eaLnBrk="1" hangingPunct="1"/>
-            <a:r>
-              <a:rPr lang="en-US" sz="2000"/>
-              <a:t>Loop: processing </a:t>
-            </a:r>
-            <a:r>
-              <a:rPr lang="en-US" sz="2000">
-                <a:solidFill>
-                  <a:srgbClr val="000090"/>
-                </a:solidFill>
-                <a:latin typeface="Courier" charset="0"/>
-                <a:cs typeface="Courier" charset="0"/>
-              </a:rPr>
-              <a:t>A[i]</a:t>
-            </a:r>
-            <a:r>
-              <a:rPr lang="en-US" sz="2000"/>
-              <a:t> </a:t>
-            </a:r>
-          </a:p>
-          <a:p>
-            <a:pPr eaLnBrk="1" hangingPunct="1"/>
-            <a:r>
-              <a:rPr lang="en-US" sz="2000"/>
-              <a:t>During the loop, maintaining </a:t>
-            </a:r>
-            <a:r>
-              <a:rPr lang="en-US" sz="2000" i="1"/>
-              <a:t>loop invariants</a:t>
-            </a:r>
-            <a:r>
-              <a:rPr lang="en-US" sz="2000"/>
-              <a:t>:</a:t>
-            </a:r>
-          </a:p>
-          <a:p>
-            <a:pPr eaLnBrk="1" hangingPunct="1"/>
-            <a:r>
-              <a:rPr lang="en-US" sz="2000"/>
-              <a:t>  </a:t>
-            </a:r>
-            <a:r>
-              <a:rPr lang="en-US" sz="2000">
-                <a:solidFill>
-                  <a:srgbClr val="000090"/>
-                </a:solidFill>
-                <a:latin typeface="Courier" charset="0"/>
-                <a:cs typeface="Courier" charset="0"/>
-              </a:rPr>
-              <a:t> A[l  l+1 .. s  s+1 .. i  i+1 .. r]</a:t>
-            </a:r>
-          </a:p>
-          <a:p>
-            <a:pPr eaLnBrk="1" hangingPunct="1"/>
-            <a:endParaRPr lang="en-US" sz="2000"/>
-          </a:p>
-          <a:p>
-            <a:pPr eaLnBrk="1" hangingPunct="1"/>
-            <a:endParaRPr lang="en-US" sz="2000"/>
-          </a:p>
-          <a:p>
-            <a:pPr eaLnBrk="1" hangingPunct="1"/>
-            <a:r>
-              <a:rPr lang="en-US" sz="2000"/>
-              <a:t>                   &lt;</a:t>
-            </a:r>
-            <a:r>
-              <a:rPr lang="en-US" sz="2000">
-                <a:solidFill>
-                  <a:srgbClr val="000090"/>
-                </a:solidFill>
-                <a:latin typeface="Courier" charset="0"/>
-                <a:cs typeface="Courier" charset="0"/>
-              </a:rPr>
-              <a:t>p</a:t>
-            </a:r>
-            <a:r>
-              <a:rPr lang="en-US" sz="2000"/>
-              <a:t>                 &gt;=</a:t>
-            </a:r>
-            <a:r>
-              <a:rPr lang="en-US" sz="2000">
-                <a:solidFill>
-                  <a:srgbClr val="000090"/>
-                </a:solidFill>
-                <a:latin typeface="Courier" charset="0"/>
-                <a:cs typeface="Courier" charset="0"/>
-              </a:rPr>
-              <a:t>p</a:t>
-            </a:r>
-            <a:r>
-              <a:rPr lang="en-US" sz="2000"/>
-              <a:t>        </a:t>
-            </a:r>
-            <a:r>
-              <a:rPr lang="en-US" sz="2000">
-                <a:latin typeface="Cambria" charset="0"/>
-                <a:cs typeface="Cambria" charset="0"/>
-              </a:rPr>
-              <a:t>not yet processed</a:t>
-            </a:r>
-          </a:p>
-          <a:p>
-            <a:pPr eaLnBrk="1" hangingPunct="1"/>
-            <a:r>
-              <a:rPr lang="en-US" sz="2000">
-                <a:latin typeface="Cambria" charset="0"/>
-                <a:cs typeface="Cambria" charset="0"/>
-              </a:rPr>
-              <a:t>After the loop: swap A[l] with A[s]</a:t>
-            </a:r>
-          </a:p>
-          <a:p>
-            <a:pPr eaLnBrk="1" hangingPunct="1"/>
-            <a:r>
-              <a:rPr lang="en-US" sz="2000"/>
-              <a:t> </a:t>
-            </a:r>
-          </a:p>
-        </p:txBody>
-      </p:sp>
-      <p:cxnSp>
-        <p:nvCxnSpPr>
-          <p:cNvPr id="10" name="Straight Connector 9"/>
-          <p:cNvCxnSpPr/>
-          <p:nvPr/>
-        </p:nvCxnSpPr>
-        <p:spPr>
-          <a:xfrm>
-            <a:off x="4351338" y="1700213"/>
-            <a:ext cx="1223962" cy="0"/>
-          </a:xfrm>
-          <a:prstGeom prst="line">
-            <a:avLst/>
-          </a:prstGeom>
-        </p:spPr>
-        <p:style>
-          <a:lnRef idx="2">
-            <a:schemeClr val="accent1"/>
-          </a:lnRef>
-          <a:fillRef idx="0">
-            <a:schemeClr val="accent1"/>
-          </a:fillRef>
-          <a:effectRef idx="1">
-            <a:schemeClr val="accent1"/>
-          </a:effectRef>
-          <a:fontRef idx="minor">
-            <a:schemeClr val="tx1"/>
-          </a:fontRef>
-        </p:style>
-      </p:cxnSp>
-      <p:cxnSp>
-        <p:nvCxnSpPr>
-          <p:cNvPr id="12" name="Straight Connector 11"/>
-          <p:cNvCxnSpPr/>
-          <p:nvPr/>
-        </p:nvCxnSpPr>
-        <p:spPr>
-          <a:xfrm>
-            <a:off x="5940425" y="1700213"/>
-            <a:ext cx="1152525" cy="0"/>
-          </a:xfrm>
-          <a:prstGeom prst="line">
-            <a:avLst/>
-          </a:prstGeom>
-        </p:spPr>
-        <p:style>
-          <a:lnRef idx="2">
-            <a:schemeClr val="accent1"/>
-          </a:lnRef>
-          <a:fillRef idx="0">
-            <a:schemeClr val="accent1"/>
-          </a:fillRef>
-          <a:effectRef idx="1">
-            <a:schemeClr val="accent1"/>
-          </a:effectRef>
-          <a:fontRef idx="minor">
-            <a:schemeClr val="tx1"/>
-          </a:fontRef>
-        </p:style>
-      </p:cxnSp>
-      <p:cxnSp>
-        <p:nvCxnSpPr>
-          <p:cNvPr id="14" name="Straight Connector 13"/>
-          <p:cNvCxnSpPr/>
-          <p:nvPr/>
-        </p:nvCxnSpPr>
-        <p:spPr>
-          <a:xfrm>
-            <a:off x="7527925" y="1700213"/>
-            <a:ext cx="1144588" cy="0"/>
-          </a:xfrm>
-          <a:prstGeom prst="line">
-            <a:avLst/>
-          </a:prstGeom>
-        </p:spPr>
-        <p:style>
-          <a:lnRef idx="2">
-            <a:schemeClr val="accent1"/>
-          </a:lnRef>
-          <a:fillRef idx="0">
-            <a:schemeClr val="accent1"/>
-          </a:fillRef>
-          <a:effectRef idx="1">
-            <a:schemeClr val="accent1"/>
-          </a:effectRef>
-          <a:fontRef idx="minor">
-            <a:schemeClr val="tx1"/>
-          </a:fontRef>
-        </p:style>
-      </p:cxnSp>
-      <p:cxnSp>
-        <p:nvCxnSpPr>
-          <p:cNvPr id="16" name="Straight Arrow Connector 15"/>
-          <p:cNvCxnSpPr/>
-          <p:nvPr/>
-        </p:nvCxnSpPr>
-        <p:spPr>
-          <a:xfrm flipH="1">
-            <a:off x="4932363" y="1662113"/>
-            <a:ext cx="71437" cy="574675"/>
-          </a:xfrm>
-          <a:prstGeom prst="straightConnector1">
-            <a:avLst/>
-          </a:prstGeom>
-          <a:ln>
-            <a:tailEnd type="arrow"/>
-          </a:ln>
-        </p:spPr>
-        <p:style>
-          <a:lnRef idx="2">
-            <a:schemeClr val="accent1"/>
-          </a:lnRef>
-          <a:fillRef idx="0">
-            <a:schemeClr val="accent1"/>
-          </a:fillRef>
-          <a:effectRef idx="1">
-            <a:schemeClr val="accent1"/>
-          </a:effectRef>
-          <a:fontRef idx="minor">
-            <a:schemeClr val="tx1"/>
-          </a:fontRef>
-        </p:style>
-      </p:cxnSp>
-      <p:cxnSp>
-        <p:nvCxnSpPr>
-          <p:cNvPr id="18" name="Straight Arrow Connector 17"/>
-          <p:cNvCxnSpPr/>
-          <p:nvPr/>
-        </p:nvCxnSpPr>
-        <p:spPr>
-          <a:xfrm flipH="1">
-            <a:off x="6516688" y="1700213"/>
-            <a:ext cx="71437" cy="576262"/>
-          </a:xfrm>
-          <a:prstGeom prst="straightConnector1">
-            <a:avLst/>
-          </a:prstGeom>
-          <a:ln>
-            <a:tailEnd type="arrow"/>
-          </a:ln>
-        </p:spPr>
-        <p:style>
-          <a:lnRef idx="2">
-            <a:schemeClr val="accent1"/>
-          </a:lnRef>
-          <a:fillRef idx="0">
-            <a:schemeClr val="accent1"/>
-          </a:fillRef>
-          <a:effectRef idx="1">
-            <a:schemeClr val="accent1"/>
-          </a:effectRef>
-          <a:fontRef idx="minor">
-            <a:schemeClr val="tx1"/>
-          </a:fontRef>
-        </p:style>
-      </p:cxnSp>
-      <p:cxnSp>
-        <p:nvCxnSpPr>
-          <p:cNvPr id="20" name="Straight Arrow Connector 19"/>
-          <p:cNvCxnSpPr/>
-          <p:nvPr/>
-        </p:nvCxnSpPr>
-        <p:spPr>
-          <a:xfrm flipH="1">
-            <a:off x="8027988" y="1662113"/>
-            <a:ext cx="73025" cy="574675"/>
-          </a:xfrm>
-          <a:prstGeom prst="straightConnector1">
-            <a:avLst/>
-          </a:prstGeom>
-          <a:ln>
-            <a:tailEnd type="arrow"/>
-          </a:ln>
-        </p:spPr>
-        <p:style>
-          <a:lnRef idx="2">
-            <a:schemeClr val="accent1"/>
-          </a:lnRef>
-          <a:fillRef idx="0">
-            <a:schemeClr val="accent1"/>
-          </a:fillRef>
-          <a:effectRef idx="1">
-            <a:schemeClr val="accent1"/>
-          </a:effectRef>
-          <a:fontRef idx="minor">
-            <a:schemeClr val="tx1"/>
-          </a:fontRef>
-        </p:style>
-      </p:cxnSp>
-      <p:sp>
-        <p:nvSpPr>
-          <p:cNvPr id="18445" name="TextBox 20"/>
-          <p:cNvSpPr txBox="1">
-            <a:spLocks noChangeArrowheads="1"/>
-          </p:cNvSpPr>
-          <p:nvPr/>
-        </p:nvSpPr>
-        <p:spPr bwMode="auto">
-          <a:xfrm>
-            <a:off x="273050" y="3279775"/>
-            <a:ext cx="4762500" cy="830263"/>
-          </a:xfrm>
-          <a:prstGeom prst="rect">
-            <a:avLst/>
-          </a:prstGeom>
-          <a:noFill/>
-          <a:ln>
-            <a:noFill/>
-          </a:ln>
-          <a:extLst>
-            <a:ext uri="{909E8E84-426E-40dd-AFC4-6F175D3DCCD1}">
-              <a14:hiddenFill xmlns:a14="http://schemas.microsoft.com/office/drawing/2010/main">
-                <a:solidFill>
-                  <a:srgbClr val="FFFFFF"/>
-                </a:solidFill>
-              </a14:hiddenFill>
-            </a:ext>
-            <a:ext uri="{91240B29-F687-4f45-9708-019B960494DF}">
-              <a14:hiddenLine xmlns:a14="http://schemas.microsoft.com/office/drawing/2010/main" w="9525">
-                <a:solidFill>
-                  <a:srgbClr val="000000"/>
-                </a:solidFill>
-                <a:miter lim="800000"/>
-                <a:headEnd/>
-                <a:tailEnd/>
-              </a14:hiddenLine>
-            </a:ext>
-          </a:extLst>
-        </p:spPr>
-        <p:txBody>
-          <a:bodyPr wrap="none">
-            <a:spAutoFit/>
-          </a:bodyPr>
-          <a:lstStyle>
-            <a:lvl1pPr eaLnBrk="0" hangingPunct="0">
-              <a:defRPr sz="2400">
-                <a:solidFill>
-                  <a:schemeClr val="tx1"/>
-                </a:solidFill>
-                <a:latin typeface="Arial" charset="0"/>
-                <a:ea typeface="ＭＳ Ｐゴシック" charset="0"/>
-                <a:cs typeface="ＭＳ Ｐゴシック" charset="0"/>
-              </a:defRPr>
-            </a:lvl1pPr>
-            <a:lvl2pPr marL="742950" indent="-285750" eaLnBrk="0" hangingPunct="0">
-              <a:defRPr sz="2400">
-                <a:solidFill>
-                  <a:schemeClr val="tx1"/>
-                </a:solidFill>
-                <a:latin typeface="Arial" charset="0"/>
-                <a:ea typeface="ＭＳ Ｐゴシック" charset="0"/>
-              </a:defRPr>
-            </a:lvl2pPr>
-            <a:lvl3pPr marL="1143000" indent="-228600" eaLnBrk="0" hangingPunct="0">
-              <a:defRPr sz="2400">
-                <a:solidFill>
-                  <a:schemeClr val="tx1"/>
-                </a:solidFill>
-                <a:latin typeface="Arial" charset="0"/>
-                <a:ea typeface="ＭＳ Ｐゴシック" charset="0"/>
-              </a:defRPr>
-            </a:lvl3pPr>
-            <a:lvl4pPr marL="1600200" indent="-228600" eaLnBrk="0" hangingPunct="0">
-              <a:defRPr sz="2400">
-                <a:solidFill>
-                  <a:schemeClr val="tx1"/>
-                </a:solidFill>
-                <a:latin typeface="Arial" charset="0"/>
-                <a:ea typeface="ＭＳ Ｐゴシック" charset="0"/>
-              </a:defRPr>
-            </a:lvl4pPr>
-            <a:lvl5pPr marL="2057400" indent="-228600" eaLnBrk="0" hangingPunct="0">
-              <a:defRPr sz="2400">
-                <a:solidFill>
-                  <a:schemeClr val="tx1"/>
-                </a:solidFill>
-                <a:latin typeface="Arial" charset="0"/>
-                <a:ea typeface="ＭＳ Ｐゴシック" charset="0"/>
-              </a:defRPr>
-            </a:lvl5pPr>
-            <a:lvl6pPr marL="2514600" indent="-228600" eaLnBrk="0" fontAlgn="base" hangingPunct="0">
-              <a:spcBef>
-                <a:spcPct val="0"/>
-              </a:spcBef>
-              <a:spcAft>
-                <a:spcPct val="0"/>
-              </a:spcAft>
-              <a:defRPr sz="2400">
-                <a:solidFill>
-                  <a:schemeClr val="tx1"/>
-                </a:solidFill>
-                <a:latin typeface="Arial" charset="0"/>
-                <a:ea typeface="ＭＳ Ｐゴシック" charset="0"/>
-              </a:defRPr>
-            </a:lvl6pPr>
-            <a:lvl7pPr marL="2971800" indent="-228600" eaLnBrk="0" fontAlgn="base" hangingPunct="0">
-              <a:spcBef>
-                <a:spcPct val="0"/>
-              </a:spcBef>
-              <a:spcAft>
-                <a:spcPct val="0"/>
-              </a:spcAft>
-              <a:defRPr sz="2400">
-                <a:solidFill>
-                  <a:schemeClr val="tx1"/>
-                </a:solidFill>
-                <a:latin typeface="Arial" charset="0"/>
-                <a:ea typeface="ＭＳ Ｐゴシック" charset="0"/>
-              </a:defRPr>
-            </a:lvl7pPr>
-            <a:lvl8pPr marL="3429000" indent="-228600" eaLnBrk="0" fontAlgn="base" hangingPunct="0">
-              <a:spcBef>
-                <a:spcPct val="0"/>
-              </a:spcBef>
-              <a:spcAft>
-                <a:spcPct val="0"/>
-              </a:spcAft>
-              <a:defRPr sz="2400">
-                <a:solidFill>
-                  <a:schemeClr val="tx1"/>
-                </a:solidFill>
-                <a:latin typeface="Arial" charset="0"/>
-                <a:ea typeface="ＭＳ Ｐゴシック" charset="0"/>
-              </a:defRPr>
-            </a:lvl8pPr>
-            <a:lvl9pPr marL="3886200" indent="-228600" eaLnBrk="0" fontAlgn="base" hangingPunct="0">
-              <a:spcBef>
-                <a:spcPct val="0"/>
-              </a:spcBef>
-              <a:spcAft>
-                <a:spcPct val="0"/>
-              </a:spcAft>
-              <a:defRPr sz="2400">
-                <a:solidFill>
-                  <a:schemeClr val="tx1"/>
-                </a:solidFill>
-                <a:latin typeface="Arial" charset="0"/>
-                <a:ea typeface="ＭＳ Ｐゴシック" charset="0"/>
-              </a:defRPr>
-            </a:lvl9pPr>
-          </a:lstStyle>
-          <a:p>
-            <a:pPr eaLnBrk="1" hangingPunct="1"/>
-            <a:r>
-              <a:rPr lang="en-US"/>
-              <a:t>Exercise: quicksort for ANALYSIS</a:t>
-            </a:r>
-          </a:p>
-          <a:p>
-            <a:pPr eaLnBrk="1" hangingPunct="1"/>
-            <a:r>
-              <a:rPr lang="en-US"/>
-              <a:t>      </a:t>
-            </a:r>
+            <a:endParaRPr lang="en-US" dirty="0"/>
           </a:p>
         </p:txBody>
       </p:sp>
@@ -12841,23 +11734,241 @@
           <p:cNvGraphicFramePr>
             <a:graphicFrameLocks noGrp="1"/>
           </p:cNvGraphicFramePr>
-          <p:nvPr/>
+          <p:nvPr>
+            <p:extLst>
+              <p:ext uri="{D42A27DB-BD31-4B8C-83A1-F6EECF244321}">
+                <p14:modId xmlns:p14="http://schemas.microsoft.com/office/powerpoint/2010/main" val="2465915905"/>
+              </p:ext>
+            </p:extLst>
+          </p:nvPr>
         </p:nvGraphicFramePr>
         <p:xfrm>
-          <a:off x="420688" y="3784600"/>
-          <a:ext cx="8251826" cy="2012950"/>
+          <a:off x="179514" y="3717791"/>
+          <a:ext cx="8708901" cy="1280160"/>
         </p:xfrm>
         <a:graphic>
           <a:graphicData uri="http://schemas.openxmlformats.org/drawingml/2006/table">
             <a:tbl>
               <a:tblPr firstRow="1" bandRow="1">
-                <a:tableStyleId>{69CF1AB2-1976-4502-BF36-3FF5EA218861}</a:tableStyleId>
+                <a:tableStyleId>{5C22544A-7EE6-4342-B048-85BDC9FD1C3A}</a:tableStyleId>
               </a:tblPr>
               <a:tblGrid>
-                <a:gridCol w="4125913"/>
-                <a:gridCol w="4125913"/>
+                <a:gridCol w="2902967"/>
+                <a:gridCol w="2902967"/>
+                <a:gridCol w="2902967"/>
               </a:tblGrid>
-              <a:tr h="2012950">
+              <a:tr h="370840">
+                <a:tc>
+                  <a:txBody>
+                    <a:bodyPr/>
+                    <a:lstStyle/>
+                    <a:p>
+                      <a:r>
+                        <a:rPr lang="en-US" dirty="0" smtClean="0">
+                          <a:latin typeface="Courier"/>
+                          <a:cs typeface="Courier"/>
+                        </a:rPr>
+                        <a:t>16472</a:t>
+                      </a:r>
+                      <a:r>
+                        <a:rPr lang="en-US" baseline="0" dirty="0" smtClean="0">
+                          <a:latin typeface="Courier"/>
+                          <a:cs typeface="Courier"/>
+                        </a:rPr>
+                        <a:t> : </a:t>
+                      </a:r>
+                      <a:r>
+                        <a:rPr lang="en-US" dirty="0" smtClean="0">
+                          <a:latin typeface="Courier"/>
+                          <a:cs typeface="Courier"/>
+                        </a:rPr>
+                        <a:t>l=0, r=4</a:t>
+                      </a:r>
+                    </a:p>
+                    <a:p>
+                      <a:r>
+                        <a:rPr lang="en-US" baseline="0" dirty="0" smtClean="0">
+                          <a:latin typeface="Courier"/>
+                          <a:cs typeface="Courier"/>
+                        </a:rPr>
+                        <a:t>      </a:t>
+                      </a:r>
+                      <a:r>
+                        <a:rPr lang="en-US" dirty="0" smtClean="0">
+                          <a:latin typeface="Courier"/>
+                          <a:cs typeface="Courier"/>
+                        </a:rPr>
+                        <a:t> </a:t>
+                      </a:r>
+                      <a:r>
+                        <a:rPr lang="en-US" dirty="0" smtClean="0">
+                          <a:solidFill>
+                            <a:srgbClr val="FFFF00"/>
+                          </a:solidFill>
+                          <a:latin typeface="Courier"/>
+                          <a:cs typeface="Courier"/>
+                        </a:rPr>
+                        <a:t>p=1</a:t>
+                      </a:r>
+                      <a:endParaRPr lang="en-US" dirty="0">
+                        <a:solidFill>
+                          <a:srgbClr val="FFFF00"/>
+                        </a:solidFill>
+                        <a:latin typeface="Courier"/>
+                        <a:cs typeface="Courier"/>
+                      </a:endParaRPr>
+                    </a:p>
+                  </a:txBody>
+                  <a:tcPr/>
+                </a:tc>
+                <a:tc>
+                  <a:txBody>
+                    <a:bodyPr/>
+                    <a:lstStyle/>
+                    <a:p>
+                      <a:r>
+                        <a:rPr lang="en-US" dirty="0" smtClean="0">
+                          <a:latin typeface="Courier"/>
+                          <a:cs typeface="Courier"/>
+                        </a:rPr>
+                        <a:t>86472</a:t>
+                      </a:r>
+                      <a:r>
+                        <a:rPr lang="en-US" baseline="0" dirty="0" smtClean="0">
+                          <a:latin typeface="Courier"/>
+                          <a:cs typeface="Courier"/>
+                        </a:rPr>
+                        <a:t>: </a:t>
+                      </a:r>
+                      <a:r>
+                        <a:rPr lang="en-US" dirty="0" smtClean="0">
+                          <a:latin typeface="Courier"/>
+                          <a:cs typeface="Courier"/>
+                        </a:rPr>
+                        <a:t>l=0, r=4</a:t>
+                      </a:r>
+                    </a:p>
+                    <a:p>
+                      <a:r>
+                        <a:rPr lang="en-US" baseline="0" dirty="0" smtClean="0">
+                          <a:latin typeface="Courier"/>
+                          <a:cs typeface="Courier"/>
+                        </a:rPr>
+                        <a:t>      </a:t>
+                      </a:r>
+                      <a:r>
+                        <a:rPr lang="en-US" dirty="0" smtClean="0">
+                          <a:latin typeface="Courier"/>
+                          <a:cs typeface="Courier"/>
+                        </a:rPr>
+                        <a:t> </a:t>
+                      </a:r>
+                      <a:r>
+                        <a:rPr lang="en-US" dirty="0" smtClean="0">
+                          <a:solidFill>
+                            <a:srgbClr val="FFFF00"/>
+                          </a:solidFill>
+                          <a:latin typeface="Courier"/>
+                          <a:cs typeface="Courier"/>
+                        </a:rPr>
+                        <a:t>p=8</a:t>
+                      </a:r>
+                    </a:p>
+                  </a:txBody>
+                  <a:tcPr/>
+                </a:tc>
+                <a:tc>
+                  <a:txBody>
+                    <a:bodyPr/>
+                    <a:lstStyle/>
+                    <a:p>
+                      <a:r>
+                        <a:rPr lang="en-US" dirty="0" smtClean="0">
+                          <a:latin typeface="Courier"/>
+                          <a:cs typeface="Courier"/>
+                        </a:rPr>
+                        <a:t>56472</a:t>
+                      </a:r>
+                      <a:r>
+                        <a:rPr lang="en-US" baseline="0" dirty="0" smtClean="0">
+                          <a:latin typeface="Courier"/>
+                          <a:cs typeface="Courier"/>
+                        </a:rPr>
+                        <a:t>: </a:t>
+                      </a:r>
+                      <a:r>
+                        <a:rPr lang="en-US" dirty="0" smtClean="0">
+                          <a:latin typeface="Courier"/>
+                          <a:cs typeface="Courier"/>
+                        </a:rPr>
+                        <a:t>l=0, r=4</a:t>
+                      </a:r>
+                    </a:p>
+                    <a:p>
+                      <a:r>
+                        <a:rPr lang="en-US" baseline="0" dirty="0" smtClean="0">
+                          <a:latin typeface="Courier"/>
+                          <a:cs typeface="Courier"/>
+                        </a:rPr>
+                        <a:t>      </a:t>
+                      </a:r>
+                      <a:r>
+                        <a:rPr lang="en-US" dirty="0" smtClean="0">
+                          <a:latin typeface="Courier"/>
+                          <a:cs typeface="Courier"/>
+                        </a:rPr>
+                        <a:t> </a:t>
+                      </a:r>
+                      <a:r>
+                        <a:rPr lang="en-US" dirty="0" smtClean="0">
+                          <a:solidFill>
+                            <a:srgbClr val="FFFF00"/>
+                          </a:solidFill>
+                          <a:latin typeface="Courier"/>
+                          <a:cs typeface="Courier"/>
+                        </a:rPr>
+                        <a:t>p=5</a:t>
+                      </a:r>
+                    </a:p>
+                  </a:txBody>
+                  <a:tcPr/>
+                </a:tc>
+              </a:tr>
+              <a:tr h="370840">
+                <a:tc>
+                  <a:txBody>
+                    <a:bodyPr/>
+                    <a:lstStyle/>
+                    <a:p>
+                      <a:r>
+                        <a:rPr lang="en-US" dirty="0" smtClean="0">
+                          <a:latin typeface="Courier"/>
+                          <a:cs typeface="Courier"/>
+                        </a:rPr>
+                        <a:t>1[]|6472  </a:t>
+                      </a:r>
+                      <a:r>
+                        <a:rPr lang="en-US" dirty="0" err="1" smtClean="0">
+                          <a:latin typeface="Courier"/>
+                          <a:cs typeface="Courier"/>
+                        </a:rPr>
+                        <a:t>i</a:t>
+                      </a:r>
+                      <a:r>
+                        <a:rPr lang="en-US" dirty="0" smtClean="0">
+                          <a:latin typeface="Courier"/>
+                          <a:cs typeface="Courier"/>
+                        </a:rPr>
+                        <a:t>=0, s=0</a:t>
+                      </a:r>
+                      <a:endParaRPr lang="en-US" dirty="0">
+                        <a:latin typeface="Courier"/>
+                        <a:cs typeface="Courier"/>
+                      </a:endParaRPr>
+                    </a:p>
+                  </a:txBody>
+                  <a:tcPr/>
+                </a:tc>
                 <a:tc>
                   <a:txBody>
                     <a:bodyPr/>
@@ -12881,37 +11992,34 @@
                         <a:defRPr/>
                       </a:pPr>
                       <a:r>
-                        <a:rPr lang="en-US" sz="1800" dirty="0" smtClean="0">
+                        <a:rPr lang="en-US" dirty="0" smtClean="0">
                           <a:solidFill>
                             <a:srgbClr val="000090"/>
                           </a:solidFill>
                           <a:latin typeface="Courier"/>
                           <a:cs typeface="Courier"/>
                         </a:rPr>
-                        <a:t> </a:t>
+                        <a:t>8[]|6472  </a:t>
                       </a:r>
                       <a:r>
-                        <a:rPr lang="en-US" sz="1800" b="0" dirty="0" smtClean="0">
+                        <a:rPr lang="en-US" dirty="0" err="1" smtClean="0">
                           <a:solidFill>
                             <a:srgbClr val="000090"/>
                           </a:solidFill>
                           <a:latin typeface="Courier"/>
                           <a:cs typeface="Courier"/>
                         </a:rPr>
-                        <a:t>A  </a:t>
+                        <a:t>i</a:t>
                       </a:r>
                       <a:r>
-                        <a:rPr lang="en-US" sz="1800" b="0" dirty="0" smtClean="0">
+                        <a:rPr lang="en-US" dirty="0" smtClean="0">
                           <a:solidFill>
-                            <a:schemeClr val="tx1">
-                              <a:lumMod val="50000"/>
-                              <a:lumOff val="50000"/>
-                            </a:schemeClr>
+                            <a:srgbClr val="000090"/>
                           </a:solidFill>
                           <a:latin typeface="Courier"/>
                           <a:cs typeface="Courier"/>
                         </a:rPr>
-                        <a:t>N  A  L  Y  S  I  S</a:t>
+                        <a:t>=0, s=0</a:t>
                       </a:r>
                     </a:p>
                     <a:p>
@@ -12932,7 +12040,7 @@
                         <a:tabLst/>
                         <a:defRPr/>
                       </a:pPr>
-                      <a:endParaRPr lang="en-US" sz="1800" b="0" dirty="0" smtClean="0">
+                      <a:endParaRPr lang="en-US" dirty="0" smtClean="0">
                         <a:solidFill>
                           <a:srgbClr val="000090"/>
                         </a:solidFill>
@@ -12940,6 +12048,13 @@
                         <a:cs typeface="Courier"/>
                       </a:endParaRPr>
                     </a:p>
+                  </a:txBody>
+                  <a:tcPr/>
+                </a:tc>
+                <a:tc>
+                  <a:txBody>
+                    <a:bodyPr/>
+                    <a:lstStyle/>
                     <a:p>
                       <a:pPr marL="0" marR="0" indent="0" algn="l" defTabSz="914400" rtl="0" eaLnBrk="1" fontAlgn="auto" latinLnBrk="0" hangingPunct="1">
                         <a:lnSpc>
@@ -12958,130 +12073,36 @@
                         <a:tabLst/>
                         <a:defRPr/>
                       </a:pPr>
-                      <a:endParaRPr lang="en-US" sz="1800" dirty="0" smtClean="0">
-                        <a:solidFill>
-                          <a:srgbClr val="000090"/>
-                        </a:solidFill>
-                        <a:latin typeface="Courier"/>
-                        <a:cs typeface="Courier"/>
-                      </a:endParaRPr>
+                      <a:r>
+                        <a:rPr lang="en-US" dirty="0" smtClean="0">
+                          <a:latin typeface="Courier"/>
+                          <a:cs typeface="Courier"/>
+                        </a:rPr>
+                        <a:t>5[]|6472  </a:t>
+                      </a:r>
+                      <a:r>
+                        <a:rPr lang="en-US" dirty="0" err="1" smtClean="0">
+                          <a:latin typeface="Courier"/>
+                          <a:cs typeface="Courier"/>
+                        </a:rPr>
+                        <a:t>i</a:t>
+                      </a:r>
+                      <a:r>
+                        <a:rPr lang="en-US" dirty="0" smtClean="0">
+                          <a:latin typeface="Courier"/>
+                          <a:cs typeface="Courier"/>
+                        </a:rPr>
+                        <a:t>=0, s=0</a:t>
+                      </a:r>
                     </a:p>
                     <a:p>
-                      <a:pPr marL="0" marR="0" indent="0" algn="l" defTabSz="914400" rtl="0" eaLnBrk="1" fontAlgn="auto" latinLnBrk="0" hangingPunct="1">
-                        <a:lnSpc>
-                          <a:spcPct val="100000"/>
-                        </a:lnSpc>
-                        <a:spcBef>
-                          <a:spcPts val="0"/>
-                        </a:spcBef>
-                        <a:spcAft>
-                          <a:spcPts val="0"/>
-                        </a:spcAft>
-                        <a:buClrTx/>
-                        <a:buSzTx/>
-                        <a:buFontTx/>
-                        <a:buNone/>
-                        <a:tabLst/>
-                        <a:defRPr/>
-                      </a:pPr>
-                      <a:endParaRPr lang="en-US" sz="1800" dirty="0" smtClean="0">
-                        <a:solidFill>
-                          <a:srgbClr val="000090"/>
-                        </a:solidFill>
-                        <a:latin typeface="Courier"/>
-                        <a:cs typeface="Courier"/>
-                      </a:endParaRPr>
-                    </a:p>
-                    <a:p>
-                      <a:pPr marL="0" marR="0" indent="0" algn="l" defTabSz="914400" rtl="0" eaLnBrk="1" fontAlgn="auto" latinLnBrk="0" hangingPunct="1">
-                        <a:lnSpc>
-                          <a:spcPct val="100000"/>
-                        </a:lnSpc>
-                        <a:spcBef>
-                          <a:spcPts val="0"/>
-                        </a:spcBef>
-                        <a:spcAft>
-                          <a:spcPts val="0"/>
-                        </a:spcAft>
-                        <a:buClrTx/>
-                        <a:buSzTx/>
-                        <a:buFontTx/>
-                        <a:buNone/>
-                        <a:tabLst/>
-                        <a:defRPr/>
-                      </a:pPr>
-                      <a:endParaRPr lang="en-US" sz="1800" dirty="0" smtClean="0">
-                        <a:solidFill>
-                          <a:srgbClr val="000090"/>
-                        </a:solidFill>
-                        <a:latin typeface="Courier"/>
-                        <a:cs typeface="Courier"/>
-                      </a:endParaRPr>
-                    </a:p>
-                    <a:p>
-                      <a:pPr marL="0" marR="0" indent="0" algn="l" defTabSz="914400" rtl="0" eaLnBrk="1" fontAlgn="auto" latinLnBrk="0" hangingPunct="1">
-                        <a:lnSpc>
-                          <a:spcPct val="100000"/>
-                        </a:lnSpc>
-                        <a:spcBef>
-                          <a:spcPts val="0"/>
-                        </a:spcBef>
-                        <a:spcAft>
-                          <a:spcPts val="0"/>
-                        </a:spcAft>
-                        <a:buClrTx/>
-                        <a:buSzTx/>
-                        <a:buFontTx/>
-                        <a:buNone/>
-                        <a:tabLst/>
-                        <a:defRPr/>
-                      </a:pPr>
-                      <a:endParaRPr lang="en-US" sz="1800" dirty="0" smtClean="0">
-                        <a:solidFill>
-                          <a:srgbClr val="000090"/>
-                        </a:solidFill>
-                        <a:latin typeface="Courier"/>
-                        <a:cs typeface="Courier"/>
-                      </a:endParaRPr>
-                    </a:p>
-                    <a:p>
-                      <a:pPr marL="0" marR="0" indent="0" algn="l" defTabSz="914400" rtl="0" eaLnBrk="1" fontAlgn="auto" latinLnBrk="0" hangingPunct="1">
-                        <a:lnSpc>
-                          <a:spcPct val="100000"/>
-                        </a:lnSpc>
-                        <a:spcBef>
-                          <a:spcPts val="0"/>
-                        </a:spcBef>
-                        <a:spcAft>
-                          <a:spcPts val="0"/>
-                        </a:spcAft>
-                        <a:buClrTx/>
-                        <a:buSzTx/>
-                        <a:buFontTx/>
-                        <a:buNone/>
-                        <a:tabLst/>
-                        <a:defRPr/>
-                      </a:pPr>
-                      <a:endParaRPr lang="en-US" sz="1800" dirty="0" smtClean="0">
-                        <a:solidFill>
-                          <a:srgbClr val="000090"/>
-                        </a:solidFill>
+                      <a:endParaRPr lang="en-US" dirty="0">
                         <a:latin typeface="Courier"/>
                         <a:cs typeface="Courier"/>
                       </a:endParaRPr>
                     </a:p>
                   </a:txBody>
-                  <a:tcPr marL="91429" marR="91429" marT="45749" marB="45749"/>
-                </a:tc>
-                <a:tc>
-                  <a:txBody>
-                    <a:bodyPr/>
-                    <a:lstStyle/>
-                    <a:p>
-                      <a:endParaRPr lang="en-US" sz="1800" dirty="0"/>
-                    </a:p>
-                  </a:txBody>
-                  <a:tcPr marL="91429" marR="91429" marT="45749" marB="45749"/>
+                  <a:tcPr/>
                 </a:tc>
               </a:tr>
             </a:tbl>
@@ -13096,7 +12117,7 @@
 </p:sld>
 </file>
 
-<file path=ppt/slides/slide16.xml><?xml version="1.0" encoding="utf-8"?>
+<file path=ppt/slides/slide15.xml><?xml version="1.0" encoding="utf-8"?>
 <p:sld xmlns:a="http://schemas.openxmlformats.org/drawingml/2006/main" xmlns:r="http://schemas.openxmlformats.org/officeDocument/2006/relationships" xmlns:p="http://schemas.openxmlformats.org/presentationml/2006/main">
   <p:cSld>
     <p:spTree>
@@ -13357,7 +12378,7 @@
                 </a:solidFill>
               </a:rPr>
               <a:pPr eaLnBrk="1" hangingPunct="1"/>
-              <a:t>May 6, 2020</a:t>
+              <a:t>May 8, 2020</a:t>
             </a:fld>
             <a:endParaRPr lang="en-US" sz="1200">
               <a:solidFill>
@@ -13677,7 +12698,7 @@
                 </a:solidFill>
               </a:rPr>
               <a:pPr eaLnBrk="1" hangingPunct="1"/>
-              <a:t>16</a:t>
+              <a:t>15</a:t>
             </a:fld>
             <a:endParaRPr lang="en-US" sz="3600">
               <a:solidFill>
@@ -14247,7 +13268,7 @@
 </p:sld>
 </file>
 
-<file path=ppt/slides/slide17.xml><?xml version="1.0" encoding="utf-8"?>
+<file path=ppt/slides/slide16.xml><?xml version="1.0" encoding="utf-8"?>
 <p:sld xmlns:a="http://schemas.openxmlformats.org/drawingml/2006/main" xmlns:r="http://schemas.openxmlformats.org/officeDocument/2006/relationships" xmlns:p="http://schemas.openxmlformats.org/presentationml/2006/main">
   <p:cSld>
     <p:spTree>
@@ -14484,7 +13505,7 @@
                 </a:solidFill>
               </a:rPr>
               <a:pPr eaLnBrk="1" hangingPunct="1"/>
-              <a:t>May 6, 2020</a:t>
+              <a:t>May 8, 2020</a:t>
             </a:fld>
             <a:endParaRPr lang="en-US" sz="1200">
               <a:solidFill>
@@ -14804,7 +13825,7 @@
                 </a:solidFill>
               </a:rPr>
               <a:pPr eaLnBrk="1" hangingPunct="1"/>
-              <a:t>17</a:t>
+              <a:t>16</a:t>
             </a:fld>
             <a:endParaRPr lang="en-US" sz="3600">
               <a:solidFill>
@@ -14825,7 +13846,7 @@
         <p:spPr bwMode="auto">
           <a:xfrm>
             <a:off x="4500563" y="476250"/>
-            <a:ext cx="4532312" cy="5324475"/>
+            <a:ext cx="4532312" cy="5293757"/>
           </a:xfrm>
           <a:prstGeom prst="rect">
             <a:avLst/>
@@ -14969,7 +13990,7 @@
           <a:p>
             <a:pPr eaLnBrk="1" hangingPunct="1"/>
             <a:r>
-              <a:rPr lang="en-US" sz="2000">
+              <a:rPr lang="en-US" sz="2000" dirty="0">
                 <a:solidFill>
                   <a:srgbClr val="000090"/>
                 </a:solidFill>
@@ -14981,7 +14002,7 @@
           </a:p>
           <a:p>
             <a:pPr eaLnBrk="1" hangingPunct="1"/>
-            <a:endParaRPr lang="en-US" sz="2000">
+            <a:endParaRPr lang="en-US" sz="2000" dirty="0">
               <a:solidFill>
                 <a:srgbClr val="000090"/>
               </a:solidFill>
@@ -14991,7 +14012,7 @@
           </a:p>
           <a:p>
             <a:pPr eaLnBrk="1" hangingPunct="1"/>
-            <a:endParaRPr lang="en-US" sz="2000">
+            <a:endParaRPr lang="en-US" sz="2000" dirty="0">
               <a:solidFill>
                 <a:srgbClr val="000090"/>
               </a:solidFill>
@@ -15002,14 +14023,14 @@
           <a:p>
             <a:pPr eaLnBrk="1" hangingPunct="1"/>
             <a:r>
-              <a:rPr lang="en-US" sz="2000" i="1">
+              <a:rPr lang="en-US" sz="2000" i="1" dirty="0">
                 <a:latin typeface="Cambria" charset="0"/>
                 <a:cs typeface="Cambria" charset="0"/>
               </a:rPr>
               <a:t>moving</a:t>
             </a:r>
             <a:r>
-              <a:rPr lang="en-US" sz="2000">
+              <a:rPr lang="en-US" sz="2000" dirty="0">
                 <a:solidFill>
                   <a:srgbClr val="000090"/>
                 </a:solidFill>
@@ -15019,7 +14040,7 @@
               <a:t> </a:t>
             </a:r>
             <a:r>
-              <a:rPr lang="en-US" sz="2000">
+              <a:rPr lang="en-US" sz="2000" dirty="0" err="1">
                 <a:solidFill>
                   <a:srgbClr val="000090"/>
                 </a:solidFill>
@@ -15029,7 +14050,7 @@
               <a:t>i</a:t>
             </a:r>
             <a:r>
-              <a:rPr lang="en-US" sz="2000">
+              <a:rPr lang="en-US" sz="2000" dirty="0">
                 <a:solidFill>
                   <a:srgbClr val="000090"/>
                 </a:solidFill>
@@ -15039,14 +14060,14 @@
               <a:t> </a:t>
             </a:r>
             <a:r>
-              <a:rPr lang="en-US" sz="2000" i="1">
+              <a:rPr lang="en-US" sz="2000" i="1" dirty="0">
                 <a:latin typeface="Cambria" charset="0"/>
                 <a:cs typeface="Cambria" charset="0"/>
               </a:rPr>
               <a:t>forward</a:t>
             </a:r>
             <a:r>
-              <a:rPr lang="en-US" sz="2000">
+              <a:rPr lang="en-US" sz="2000" dirty="0">
                 <a:solidFill>
                   <a:srgbClr val="000090"/>
                 </a:solidFill>
@@ -15056,7 +14077,7 @@
               <a:t>, </a:t>
             </a:r>
             <a:r>
-              <a:rPr lang="en-US" sz="2000">
+              <a:rPr lang="en-US" sz="2000" dirty="0">
                 <a:solidFill>
                   <a:srgbClr val="000090"/>
                 </a:solidFill>
@@ -15066,7 +14087,7 @@
               <a:t>j</a:t>
             </a:r>
             <a:r>
-              <a:rPr lang="en-US" sz="2000">
+              <a:rPr lang="en-US" sz="2000" dirty="0">
                 <a:solidFill>
                   <a:srgbClr val="000090"/>
                 </a:solidFill>
@@ -15076,14 +14097,14 @@
               <a:t> </a:t>
             </a:r>
             <a:r>
-              <a:rPr lang="en-US" sz="2000" i="1">
+              <a:rPr lang="en-US" sz="2000" i="1" dirty="0">
                 <a:latin typeface="Cambria" charset="0"/>
                 <a:cs typeface="Cambria" charset="0"/>
               </a:rPr>
               <a:t>backward</a:t>
             </a:r>
             <a:r>
-              <a:rPr lang="en-US" sz="2000">
+              <a:rPr lang="en-US" sz="2000" dirty="0">
                 <a:solidFill>
                   <a:srgbClr val="000090"/>
                 </a:solidFill>
@@ -15093,14 +14114,14 @@
               <a:t> </a:t>
             </a:r>
             <a:r>
-              <a:rPr lang="en-US" sz="2000" i="1">
+              <a:rPr lang="en-US" sz="2000" i="1" dirty="0">
                 <a:latin typeface="Cambria" charset="0"/>
                 <a:cs typeface="Cambria" charset="0"/>
               </a:rPr>
               <a:t>so</a:t>
             </a:r>
             <a:r>
-              <a:rPr lang="en-US" sz="2000">
+              <a:rPr lang="en-US" sz="2000" dirty="0">
                 <a:solidFill>
                   <a:srgbClr val="000090"/>
                 </a:solidFill>
@@ -15110,14 +14131,14 @@
               <a:t> </a:t>
             </a:r>
             <a:r>
-              <a:rPr lang="en-US" sz="2000" i="1">
+              <a:rPr lang="en-US" sz="2000" i="1" dirty="0">
                 <a:latin typeface="Cambria" charset="0"/>
                 <a:cs typeface="Cambria" charset="0"/>
               </a:rPr>
               <a:t>that</a:t>
             </a:r>
             <a:r>
-              <a:rPr lang="en-US" sz="2000">
+              <a:rPr lang="en-US" sz="2000" dirty="0">
                 <a:solidFill>
                   <a:srgbClr val="000090"/>
                 </a:solidFill>
@@ -15130,20 +14151,40 @@
           <a:p>
             <a:pPr eaLnBrk="1" hangingPunct="1"/>
             <a:r>
-              <a:rPr lang="en-US" sz="2000">
+              <a:rPr lang="en-US" sz="2000" dirty="0">
                 <a:solidFill>
                   <a:srgbClr val="000090"/>
                 </a:solidFill>
                 <a:latin typeface="Courier" charset="0"/>
                 <a:cs typeface="Courier" charset="0"/>
               </a:rPr>
-              <a:t>A[l+1..i-1]&lt;=p, A[i]&gt;=p</a:t>
+              <a:t>A[l+1..i-1]&lt;=p, A[</a:t>
+            </a:r>
+            <a:r>
+              <a:rPr lang="en-US" sz="2000" dirty="0" err="1">
+                <a:solidFill>
+                  <a:srgbClr val="000090"/>
+                </a:solidFill>
+                <a:latin typeface="Courier" charset="0"/>
+                <a:cs typeface="Courier" charset="0"/>
+              </a:rPr>
+              <a:t>i</a:t>
+            </a:r>
+            <a:r>
+              <a:rPr lang="en-US" sz="2000" dirty="0">
+                <a:solidFill>
+                  <a:srgbClr val="000090"/>
+                </a:solidFill>
+                <a:latin typeface="Courier" charset="0"/>
+                <a:cs typeface="Courier" charset="0"/>
+              </a:rPr>
+              <a:t>]&gt;=p</a:t>
             </a:r>
           </a:p>
           <a:p>
             <a:pPr eaLnBrk="1" hangingPunct="1"/>
             <a:r>
-              <a:rPr lang="en-US" sz="2000">
+              <a:rPr lang="en-US" sz="2000" dirty="0">
                 <a:solidFill>
                   <a:srgbClr val="000090"/>
                 </a:solidFill>
@@ -15155,7 +14196,7 @@
           </a:p>
           <a:p>
             <a:pPr eaLnBrk="1" hangingPunct="1"/>
-            <a:endParaRPr lang="en-US" sz="2000">
+            <a:endParaRPr lang="en-US" sz="2000" dirty="0">
               <a:solidFill>
                 <a:srgbClr val="000090"/>
               </a:solidFill>
@@ -15165,7 +14206,7 @@
           </a:p>
           <a:p>
             <a:pPr eaLnBrk="1" hangingPunct="1"/>
-            <a:endParaRPr lang="en-US" sz="2000">
+            <a:endParaRPr lang="en-US" sz="2000" dirty="0">
               <a:solidFill>
                 <a:srgbClr val="000090"/>
               </a:solidFill>
@@ -15176,20 +14217,60 @@
           <a:p>
             <a:pPr eaLnBrk="1" hangingPunct="1"/>
             <a:r>
-              <a:rPr lang="en-US" sz="2000">
+              <a:rPr lang="en-US" sz="2000" dirty="0">
                 <a:solidFill>
                   <a:srgbClr val="000090"/>
                 </a:solidFill>
                 <a:latin typeface="Courier" charset="0"/>
                 <a:cs typeface="Courier" charset="0"/>
               </a:rPr>
-              <a:t>A[l..j .. i ..r]</a:t>
+              <a:t>A[</a:t>
+            </a:r>
+            <a:r>
+              <a:rPr lang="en-US" sz="2000" dirty="0" err="1">
+                <a:solidFill>
+                  <a:srgbClr val="000090"/>
+                </a:solidFill>
+                <a:latin typeface="Courier" charset="0"/>
+                <a:cs typeface="Courier" charset="0"/>
+              </a:rPr>
+              <a:t>l..j</a:t>
+            </a:r>
+            <a:r>
+              <a:rPr lang="en-US" sz="2000" dirty="0">
+                <a:solidFill>
+                  <a:srgbClr val="000090"/>
+                </a:solidFill>
+                <a:latin typeface="Courier" charset="0"/>
+                <a:cs typeface="Courier" charset="0"/>
+              </a:rPr>
+              <a:t> .. </a:t>
+            </a:r>
+            <a:r>
+              <a:rPr lang="en-US" sz="2000" dirty="0" err="1">
+                <a:solidFill>
+                  <a:srgbClr val="000090"/>
+                </a:solidFill>
+                <a:latin typeface="Courier" charset="0"/>
+                <a:cs typeface="Courier" charset="0"/>
+              </a:rPr>
+              <a:t>i</a:t>
+            </a:r>
+            <a:r>
+              <a:rPr lang="en-US" sz="2000" dirty="0">
+                <a:solidFill>
+                  <a:srgbClr val="000090"/>
+                </a:solidFill>
+                <a:latin typeface="Courier" charset="0"/>
+                <a:cs typeface="Courier" charset="0"/>
+              </a:rPr>
+              <a:t> ..r]</a:t>
             </a:r>
           </a:p>
           <a:p>
             <a:pPr eaLnBrk="1" hangingPunct="1"/>
             <a:r>
-              <a:rPr lang="en-US" sz="2000">
+              <a:rPr lang="en-US" sz="2000" dirty="0">
                 <a:solidFill>
                   <a:srgbClr val="000090"/>
                 </a:solidFill>
@@ -15202,7 +14283,7 @@
           <a:p>
             <a:pPr eaLnBrk="1" hangingPunct="1"/>
             <a:r>
-              <a:rPr lang="en-US" sz="2000">
+              <a:rPr lang="en-US" sz="2000" dirty="0">
                 <a:solidFill>
                   <a:srgbClr val="000090"/>
                 </a:solidFill>
@@ -15214,7 +14295,7 @@
           </a:p>
           <a:p>
             <a:pPr eaLnBrk="1" hangingPunct="1"/>
-            <a:endParaRPr lang="en-US" sz="2000">
+            <a:endParaRPr lang="en-US" sz="2000" dirty="0">
               <a:solidFill>
                 <a:srgbClr val="000090"/>
               </a:solidFill>
@@ -15225,69 +14306,36 @@
           <a:p>
             <a:pPr eaLnBrk="1" hangingPunct="1"/>
             <a:r>
-              <a:rPr lang="en-US" sz="2000">
+              <a:rPr lang="en-US" sz="2000" dirty="0" smtClean="0">
                 <a:solidFill>
                   <a:srgbClr val="000090"/>
                 </a:solidFill>
                 <a:latin typeface="Courier" charset="0"/>
                 <a:cs typeface="Courier" charset="0"/>
               </a:rPr>
-              <a:t>------during the loop------</a:t>
-            </a:r>
-          </a:p>
-          <a:p>
-            <a:pPr eaLnBrk="1" hangingPunct="1"/>
-            <a:r>
-              <a:rPr lang="en-US" sz="2000">
+              <a:t>-</a:t>
+            </a:r>
+            <a:r>
+              <a:rPr lang="en-US" sz="2000" dirty="0" smtClean="0">
                 <a:solidFill>
                   <a:srgbClr val="000090"/>
                 </a:solidFill>
                 <a:latin typeface="Courier" charset="0"/>
                 <a:cs typeface="Courier" charset="0"/>
               </a:rPr>
-              <a:t>A[l l+1..i-1 </a:t>
-            </a:r>
-            <a:r>
-              <a:rPr lang="en-US" sz="2000">
+              <a:t>before each loop iteration</a:t>
+            </a:r>
+            <a:r>
+              <a:rPr lang="en-US" sz="2000" dirty="0" smtClean="0">
+                <a:solidFill>
+                  <a:srgbClr val="000090"/>
+                </a:solidFill>
                 <a:latin typeface="Courier" charset="0"/>
                 <a:cs typeface="Courier" charset="0"/>
               </a:rPr>
-              <a:t>i .. j</a:t>
-            </a:r>
-            <a:r>
-              <a:rPr lang="en-US" sz="2000">
-                <a:solidFill>
-                  <a:srgbClr val="000090"/>
-                </a:solidFill>
-                <a:latin typeface="Courier" charset="0"/>
-                <a:cs typeface="Courier" charset="0"/>
-              </a:rPr>
-              <a:t> </a:t>
-            </a:r>
-            <a:r>
-              <a:rPr lang="en-US" sz="2000">
-                <a:solidFill>
-                  <a:srgbClr val="FF0000"/>
-                </a:solidFill>
-                <a:latin typeface="Courier" charset="0"/>
-                <a:cs typeface="Courier" charset="0"/>
-              </a:rPr>
-              <a:t>j+1..r</a:t>
-            </a:r>
-            <a:r>
-              <a:rPr lang="en-US" sz="2000">
-                <a:solidFill>
-                  <a:srgbClr val="000090"/>
-                </a:solidFill>
-                <a:latin typeface="Courier" charset="0"/>
-                <a:cs typeface="Courier" charset="0"/>
-              </a:rPr>
-              <a:t>]  </a:t>
-            </a:r>
-          </a:p>
-          <a:p>
-            <a:pPr eaLnBrk="1" hangingPunct="1"/>
-            <a:endParaRPr lang="en-US" sz="2000">
+              <a:t>-</a:t>
+            </a:r>
+            <a:endParaRPr lang="en-US" sz="2000" dirty="0">
               <a:solidFill>
                 <a:srgbClr val="000090"/>
               </a:solidFill>
@@ -15297,7 +14345,104 @@
           </a:p>
           <a:p>
             <a:pPr eaLnBrk="1" hangingPunct="1"/>
-            <a:endParaRPr lang="en-US" sz="2000">
+            <a:r>
+              <a:rPr lang="en-US" sz="1800" dirty="0" smtClean="0">
+                <a:solidFill>
+                  <a:srgbClr val="000090"/>
+                </a:solidFill>
+                <a:latin typeface="Courier" charset="0"/>
+                <a:cs typeface="Courier" charset="0"/>
+              </a:rPr>
+              <a:t>A: l [l</a:t>
+            </a:r>
+            <a:r>
+              <a:rPr lang="en-US" sz="1800" dirty="0">
+                <a:solidFill>
+                  <a:srgbClr val="000090"/>
+                </a:solidFill>
+                <a:latin typeface="Courier" charset="0"/>
+                <a:cs typeface="Courier" charset="0"/>
+              </a:rPr>
+              <a:t>+1..i-</a:t>
+            </a:r>
+            <a:r>
+              <a:rPr lang="en-US" sz="1800" dirty="0" smtClean="0">
+                <a:solidFill>
+                  <a:srgbClr val="000090"/>
+                </a:solidFill>
+                <a:latin typeface="Courier" charset="0"/>
+                <a:cs typeface="Courier" charset="0"/>
+              </a:rPr>
+              <a:t>1] </a:t>
+            </a:r>
+            <a:r>
+              <a:rPr lang="en-US" sz="1800" dirty="0" err="1">
+                <a:latin typeface="Courier" charset="0"/>
+                <a:cs typeface="Courier" charset="0"/>
+              </a:rPr>
+              <a:t>i</a:t>
+            </a:r>
+            <a:r>
+              <a:rPr lang="en-US" sz="1800" dirty="0">
+                <a:latin typeface="Courier" charset="0"/>
+                <a:cs typeface="Courier" charset="0"/>
+              </a:rPr>
+              <a:t> .. j</a:t>
+            </a:r>
+            <a:r>
+              <a:rPr lang="en-US" sz="1800" dirty="0">
+                <a:solidFill>
+                  <a:srgbClr val="000090"/>
+                </a:solidFill>
+                <a:latin typeface="Courier" charset="0"/>
+                <a:cs typeface="Courier" charset="0"/>
+              </a:rPr>
+              <a:t> </a:t>
+            </a:r>
+            <a:r>
+              <a:rPr lang="en-US" sz="1800" dirty="0" smtClean="0">
+                <a:solidFill>
+                  <a:srgbClr val="000090"/>
+                </a:solidFill>
+                <a:latin typeface="Courier" charset="0"/>
+                <a:cs typeface="Courier" charset="0"/>
+              </a:rPr>
+              <a:t>[</a:t>
+            </a:r>
+            <a:r>
+              <a:rPr lang="en-US" sz="1800" dirty="0" smtClean="0">
+                <a:solidFill>
+                  <a:srgbClr val="FF0000"/>
+                </a:solidFill>
+                <a:latin typeface="Courier" charset="0"/>
+                <a:cs typeface="Courier" charset="0"/>
+              </a:rPr>
+              <a:t>j</a:t>
+            </a:r>
+            <a:r>
+              <a:rPr lang="en-US" sz="1800" dirty="0">
+                <a:solidFill>
+                  <a:srgbClr val="FF0000"/>
+                </a:solidFill>
+                <a:latin typeface="Courier" charset="0"/>
+                <a:cs typeface="Courier" charset="0"/>
+              </a:rPr>
+              <a:t>+1..r</a:t>
+            </a:r>
+            <a:r>
+              <a:rPr lang="en-US" sz="1800" dirty="0">
+                <a:solidFill>
+                  <a:srgbClr val="000090"/>
+                </a:solidFill>
+                <a:latin typeface="Courier" charset="0"/>
+                <a:cs typeface="Courier" charset="0"/>
+              </a:rPr>
+              <a:t>]  </a:t>
+            </a:r>
+          </a:p>
+          <a:p>
+            <a:pPr eaLnBrk="1" hangingPunct="1"/>
+            <a:endParaRPr lang="en-US" sz="2000" dirty="0">
               <a:solidFill>
                 <a:srgbClr val="000090"/>
               </a:solidFill>
@@ -15307,8 +14452,18 @@
           </a:p>
           <a:p>
             <a:pPr eaLnBrk="1" hangingPunct="1"/>
-            <a:r>
-              <a:rPr lang="en-US" sz="2000">
+            <a:endParaRPr lang="en-US" sz="2000" dirty="0">
+              <a:solidFill>
+                <a:srgbClr val="000090"/>
+              </a:solidFill>
+              <a:latin typeface="Courier" charset="0"/>
+              <a:cs typeface="Courier" charset="0"/>
+            </a:endParaRPr>
+          </a:p>
+          <a:p>
+            <a:pPr eaLnBrk="1" hangingPunct="1"/>
+            <a:r>
+              <a:rPr lang="en-US" sz="2000" dirty="0">
                 <a:solidFill>
                   <a:srgbClr val="000090"/>
                 </a:solidFill>
@@ -15318,7 +14473,7 @@
               <a:t>     &lt;=p             </a:t>
             </a:r>
             <a:r>
-              <a:rPr lang="en-US" sz="2000">
+              <a:rPr lang="en-US" sz="2000" dirty="0">
                 <a:solidFill>
                   <a:srgbClr val="FF0000"/>
                 </a:solidFill>
@@ -15368,7 +14523,7 @@
         </p:nvCxnSpPr>
         <p:spPr>
           <a:xfrm>
-            <a:off x="7602538" y="4784725"/>
+            <a:off x="7920037" y="4784725"/>
             <a:ext cx="936625" cy="0"/>
           </a:xfrm>
           <a:prstGeom prst="line">
@@ -15466,8 +14621,8 @@
         </p:nvSpPr>
         <p:spPr bwMode="auto">
           <a:xfrm>
-            <a:off x="265113" y="4784725"/>
-            <a:ext cx="3802062" cy="1200150"/>
+            <a:off x="241047" y="4288134"/>
+            <a:ext cx="4235450" cy="1200150"/>
           </a:xfrm>
           <a:prstGeom prst="rect">
             <a:avLst/>
@@ -15497,7 +14652,7 @@
           </a:extLst>
         </p:spPr>
         <p:txBody>
-          <a:bodyPr>
+          <a:bodyPr wrap="square">
             <a:spAutoFit/>
           </a:bodyPr>
           <a:lstStyle>
@@ -15611,44 +14766,108 @@
           <a:p>
             <a:pPr eaLnBrk="1" hangingPunct="1"/>
             <a:r>
-              <a:rPr lang="en-US"/>
-              <a:t>Example:</a:t>
-            </a:r>
+              <a:rPr lang="en-US" dirty="0" smtClean="0"/>
+              <a:t>Example A[0..4], p=A[0]=5: </a:t>
+            </a:r>
+            <a:endParaRPr lang="en-US" dirty="0"/>
           </a:p>
           <a:p>
             <a:pPr eaLnBrk="1" hangingPunct="1"/>
             <a:r>
-              <a:rPr lang="en-US"/>
+              <a:rPr lang="en-US" dirty="0"/>
               <a:t>   </a:t>
             </a:r>
             <a:r>
-              <a:rPr lang="en-US" sz="2000" b="1">
+              <a:rPr lang="en-US" sz="2000" b="1" dirty="0">
                 <a:solidFill>
                   <a:srgbClr val="000090"/>
                 </a:solidFill>
+                <a:latin typeface="Courier" charset="0"/>
+                <a:cs typeface="Courier" charset="0"/>
+              </a:rPr>
+              <a:t>5</a:t>
+            </a:r>
+            <a:r>
+              <a:rPr lang="en-US" sz="2000" dirty="0" smtClean="0">
+                <a:solidFill>
+                  <a:srgbClr val="000090"/>
+                </a:solidFill>
+                <a:latin typeface="Courier" charset="0"/>
+                <a:cs typeface="Courier" charset="0"/>
+              </a:rPr>
+              <a:t> []</a:t>
+            </a:r>
+            <a:r>
+              <a:rPr lang="en-US" sz="2000" dirty="0" smtClean="0">
+                <a:latin typeface="Courier" charset="0"/>
+                <a:cs typeface="Courier" charset="0"/>
+              </a:rPr>
+              <a:t>6</a:t>
+            </a:r>
+            <a:r>
+              <a:rPr lang="en-US" sz="2000" dirty="0" smtClean="0">
+                <a:latin typeface="Courier" charset="0"/>
+                <a:cs typeface="Courier" charset="0"/>
+              </a:rPr>
+              <a:t> </a:t>
+            </a:r>
+            <a:r>
+              <a:rPr lang="en-US" sz="2000" dirty="0">
                 <a:latin typeface="Courier" charset="0"/>
                 <a:cs typeface="Courier" charset="0"/>
               </a:rPr>
               <a:t>4</a:t>
             </a:r>
             <a:r>
-              <a:rPr lang="en-US" sz="2000">
-                <a:solidFill>
-                  <a:srgbClr val="000090"/>
-                </a:solidFill>
+              <a:rPr lang="en-US" sz="2000" dirty="0" smtClean="0">
                 <a:latin typeface="Courier" charset="0"/>
                 <a:cs typeface="Courier" charset="0"/>
               </a:rPr>
               <a:t> </a:t>
             </a:r>
             <a:r>
-              <a:rPr lang="en-US" sz="2000">
+              <a:rPr lang="en-US" sz="2000" dirty="0">
                 <a:latin typeface="Courier" charset="0"/>
                 <a:cs typeface="Courier" charset="0"/>
               </a:rPr>
-              <a:t>2 5 1 6 </a:t>
-            </a:r>
-            <a:endParaRPr lang="en-US" b="1" baseline="-25000">
+              <a:t>7</a:t>
+            </a:r>
+            <a:r>
+              <a:rPr lang="en-US" sz="2000" dirty="0" smtClean="0">
+                <a:latin typeface="Courier" charset="0"/>
+                <a:cs typeface="Courier" charset="0"/>
+              </a:rPr>
+              <a:t> </a:t>
+            </a:r>
+            <a:r>
+              <a:rPr lang="en-US" sz="2000" dirty="0" smtClean="0">
+                <a:latin typeface="Courier" charset="0"/>
+                <a:cs typeface="Courier" charset="0"/>
+              </a:rPr>
+              <a:t>2 []</a:t>
+            </a:r>
+            <a:r>
+              <a:rPr lang="en-US" sz="2000" dirty="0" smtClean="0">
+                <a:latin typeface="Courier" charset="0"/>
+                <a:cs typeface="Courier" charset="0"/>
+              </a:rPr>
+              <a:t> </a:t>
+            </a:r>
+            <a:r>
+              <a:rPr lang="en-US" sz="2000" dirty="0" err="1" smtClean="0">
+                <a:latin typeface="Courier" charset="0"/>
+                <a:cs typeface="Courier" charset="0"/>
+              </a:rPr>
+              <a:t>i</a:t>
+            </a:r>
+            <a:r>
+              <a:rPr lang="en-US" sz="2000" dirty="0" smtClean="0">
+                <a:latin typeface="Courier" charset="0"/>
+                <a:cs typeface="Courier" charset="0"/>
+              </a:rPr>
+              <a:t>=0, j=5</a:t>
+            </a:r>
+            <a:endParaRPr lang="en-US" b="1" baseline="-25000" dirty="0">
               <a:solidFill>
                 <a:srgbClr val="FF0000"/>
               </a:solidFill>
@@ -15658,7 +14877,7 @@
           </a:p>
           <a:p>
             <a:pPr eaLnBrk="1" hangingPunct="1"/>
-            <a:endParaRPr lang="en-US"/>
+            <a:endParaRPr lang="en-US" dirty="0"/>
           </a:p>
         </p:txBody>
       </p:sp>
@@ -15670,7 +14889,7 @@
 </p:sld>
 </file>
 
-<file path=ppt/slides/slide18.xml><?xml version="1.0" encoding="utf-8"?>
+<file path=ppt/slides/slide17.xml><?xml version="1.0" encoding="utf-8"?>
 <p:sld xmlns:a="http://schemas.openxmlformats.org/drawingml/2006/main" xmlns:r="http://schemas.openxmlformats.org/officeDocument/2006/relationships" xmlns:p="http://schemas.openxmlformats.org/presentationml/2006/main">
   <p:cSld>
     <p:spTree>
@@ -15907,7 +15126,7 @@
                 </a:solidFill>
               </a:rPr>
               <a:pPr eaLnBrk="1" hangingPunct="1"/>
-              <a:t>May 6, 2020</a:t>
+              <a:t>May 8, 2020</a:t>
             </a:fld>
             <a:endParaRPr lang="en-US" sz="1200">
               <a:solidFill>
@@ -16227,7 +15446,7 @@
                 </a:solidFill>
               </a:rPr>
               <a:pPr eaLnBrk="1" hangingPunct="1"/>
-              <a:t>18</a:t>
+              <a:t>17</a:t>
             </a:fld>
             <a:endParaRPr lang="en-US" sz="3600">
               <a:solidFill>
@@ -16392,7 +15611,7 @@
           <a:p>
             <a:pPr eaLnBrk="1" hangingPunct="1"/>
             <a:r>
-              <a:rPr lang="en-US" sz="2000">
+              <a:rPr lang="en-US" sz="2000" dirty="0">
                 <a:solidFill>
                   <a:srgbClr val="000090"/>
                 </a:solidFill>
@@ -16404,7 +15623,7 @@
           </a:p>
           <a:p>
             <a:pPr eaLnBrk="1" hangingPunct="1"/>
-            <a:endParaRPr lang="en-US" sz="2000">
+            <a:endParaRPr lang="en-US" sz="2000" dirty="0">
               <a:solidFill>
                 <a:srgbClr val="000090"/>
               </a:solidFill>
@@ -16415,7 +15634,7 @@
           <a:p>
             <a:pPr eaLnBrk="1" hangingPunct="1"/>
             <a:r>
-              <a:rPr lang="en-US" sz="2000">
+              <a:rPr lang="en-US" sz="2000" dirty="0">
                 <a:solidFill>
                   <a:srgbClr val="000090"/>
                 </a:solidFill>
@@ -16425,7 +15644,7 @@
               <a:t>  </a:t>
             </a:r>
             <a:r>
-              <a:rPr lang="en-US" sz="2000" b="1">
+              <a:rPr lang="en-US" sz="2000" b="1" dirty="0">
                 <a:solidFill>
                   <a:srgbClr val="000090"/>
                 </a:solidFill>
@@ -16435,7 +15654,7 @@
               <a:t>A</a:t>
             </a:r>
             <a:r>
-              <a:rPr lang="en-US" sz="2000">
+              <a:rPr lang="en-US" sz="2000" dirty="0">
                 <a:solidFill>
                   <a:srgbClr val="000090"/>
                 </a:solidFill>
@@ -16445,14 +15664,14 @@
               <a:t> </a:t>
             </a:r>
             <a:r>
-              <a:rPr lang="en-US" sz="2000">
+              <a:rPr lang="en-US" sz="2000" dirty="0">
                 <a:latin typeface="Courier" charset="0"/>
                 <a:cs typeface="Courier" charset="0"/>
               </a:rPr>
               <a:t>N A L Y S I S    p=</a:t>
             </a:r>
             <a:r>
-              <a:rPr lang="en-US" sz="2000" b="1">
+              <a:rPr lang="en-US" sz="2000" b="1" dirty="0">
                 <a:solidFill>
                   <a:srgbClr val="000090"/>
                 </a:solidFill>
@@ -16464,14 +15683,72 @@
           </a:p>
           <a:p>
             <a:pPr eaLnBrk="1" hangingPunct="1"/>
-            <a:endParaRPr lang="en-US" sz="2000">
+            <a:r>
+              <a:rPr lang="en-US" sz="2000" dirty="0" smtClean="0">
+                <a:latin typeface="Courier" charset="0"/>
+                <a:cs typeface="Courier" charset="0"/>
+              </a:rPr>
+              <a:t>  </a:t>
+            </a:r>
+            <a:r>
+              <a:rPr lang="en-US" sz="2000" b="1" dirty="0">
+                <a:solidFill>
+                  <a:srgbClr val="000090"/>
+                </a:solidFill>
+                <a:latin typeface="Courier" charset="0"/>
+                <a:cs typeface="Courier" charset="0"/>
+              </a:rPr>
+              <a:t>A</a:t>
+            </a:r>
+            <a:r>
+              <a:rPr lang="en-US" sz="2000" dirty="0">
+                <a:solidFill>
+                  <a:srgbClr val="000090"/>
+                </a:solidFill>
+                <a:latin typeface="Courier" charset="0"/>
+                <a:cs typeface="Courier" charset="0"/>
+              </a:rPr>
+              <a:t> </a:t>
+            </a:r>
+            <a:r>
+              <a:rPr lang="en-US" sz="2000" dirty="0" smtClean="0">
+                <a:solidFill>
+                  <a:srgbClr val="000090"/>
+                </a:solidFill>
+                <a:latin typeface="Courier" charset="0"/>
+                <a:cs typeface="Courier" charset="0"/>
+              </a:rPr>
+              <a:t>[] </a:t>
+            </a:r>
+            <a:r>
+              <a:rPr lang="en-US" sz="2000" dirty="0" smtClean="0">
+                <a:latin typeface="Courier" charset="0"/>
+                <a:cs typeface="Courier" charset="0"/>
+              </a:rPr>
+              <a:t>N </a:t>
+            </a:r>
+            <a:r>
+              <a:rPr lang="en-US" sz="2000" dirty="0">
+                <a:latin typeface="Courier" charset="0"/>
+                <a:cs typeface="Courier" charset="0"/>
+              </a:rPr>
+              <a:t>A L Y S I </a:t>
+            </a:r>
+            <a:r>
+              <a:rPr lang="en-US" sz="2000" dirty="0" smtClean="0">
+                <a:latin typeface="Courier" charset="0"/>
+                <a:cs typeface="Courier" charset="0"/>
+              </a:rPr>
+              <a:t>S []</a:t>
+            </a:r>
+            <a:endParaRPr lang="en-US" sz="2000" dirty="0">
               <a:latin typeface="Courier" charset="0"/>
               <a:cs typeface="Courier" charset="0"/>
             </a:endParaRPr>
           </a:p>
           <a:p>
             <a:pPr eaLnBrk="1" hangingPunct="1"/>
-            <a:endParaRPr lang="en-US" sz="2000">
+            <a:endParaRPr lang="en-US" sz="2000" dirty="0">
               <a:solidFill>
                 <a:srgbClr val="000090"/>
               </a:solidFill>
@@ -16489,7 +15766,7 @@
 </p:sld>
 </file>
 
-<file path=ppt/slides/slide19.xml><?xml version="1.0" encoding="utf-8"?>
+<file path=ppt/slides/slide18.xml><?xml version="1.0" encoding="utf-8"?>
 <p:sld xmlns:a="http://schemas.openxmlformats.org/drawingml/2006/main" xmlns:r="http://schemas.openxmlformats.org/officeDocument/2006/relationships" xmlns:p="http://schemas.openxmlformats.org/presentationml/2006/main">
   <p:cSld>
     <p:spTree>
@@ -16704,7 +15981,7 @@
                 </a:solidFill>
               </a:rPr>
               <a:pPr eaLnBrk="1" hangingPunct="1"/>
-              <a:t>May 6, 2020</a:t>
+              <a:t>May 8, 2020</a:t>
             </a:fld>
             <a:endParaRPr lang="en-US" sz="1200">
               <a:solidFill>
@@ -17024,7 +16301,7 @@
                 </a:solidFill>
               </a:rPr>
               <a:pPr eaLnBrk="1" hangingPunct="1"/>
-              <a:t>19</a:t>
+              <a:t>18</a:t>
             </a:fld>
             <a:endParaRPr lang="en-US" sz="3600">
               <a:solidFill>
@@ -17438,6 +16715,1104 @@
 </p:sld>
 </file>
 
+<file path=ppt/slides/slide19.xml><?xml version="1.0" encoding="utf-8"?>
+<p:sld xmlns:a="http://schemas.openxmlformats.org/drawingml/2006/main" xmlns:r="http://schemas.openxmlformats.org/officeDocument/2006/relationships" xmlns:p="http://schemas.openxmlformats.org/presentationml/2006/main">
+  <p:cSld>
+    <p:spTree>
+      <p:nvGrpSpPr>
+        <p:cNvPr id="1" name=""/>
+        <p:cNvGrpSpPr/>
+        <p:nvPr/>
+      </p:nvGrpSpPr>
+      <p:grpSpPr>
+        <a:xfrm>
+          <a:off x="0" y="0"/>
+          <a:ext cx="0" cy="0"/>
+          <a:chOff x="0" y="0"/>
+          <a:chExt cx="0" cy="0"/>
+        </a:xfrm>
+      </p:grpSpPr>
+      <p:sp>
+        <p:nvSpPr>
+          <p:cNvPr id="2" name="Title 1"/>
+          <p:cNvSpPr>
+            <a:spLocks noGrp="1"/>
+          </p:cNvSpPr>
+          <p:nvPr>
+            <p:ph type="title"/>
+          </p:nvPr>
+        </p:nvSpPr>
+        <p:spPr>
+          <a:xfrm>
+            <a:off x="265113" y="107951"/>
+            <a:ext cx="8623300" cy="440729"/>
+          </a:xfrm>
+        </p:spPr>
+        <p:txBody>
+          <a:bodyPr/>
+          <a:lstStyle/>
+          <a:p>
+            <a:pPr>
+              <a:defRPr/>
+            </a:pPr>
+            <a:r>
+              <a:rPr lang="en-US" sz="2400" dirty="0"/>
+              <a:t>T3: </a:t>
+            </a:r>
+            <a:r>
+              <a:rPr lang="en-US" sz="2400" dirty="0" err="1" smtClean="0"/>
+              <a:t>Mergesort</a:t>
+            </a:r>
+            <a:r>
+              <a:rPr lang="en-US" sz="2400" dirty="0" smtClean="0"/>
+              <a:t>: Top-Down &amp; Bottom-Up Algorithms</a:t>
+            </a:r>
+            <a:endParaRPr lang="en-US" sz="2400" dirty="0"/>
+          </a:p>
+        </p:txBody>
+      </p:sp>
+      <p:sp>
+        <p:nvSpPr>
+          <p:cNvPr id="23554" name="Date Placeholder 3"/>
+          <p:cNvSpPr>
+            <a:spLocks noGrp="1"/>
+          </p:cNvSpPr>
+          <p:nvPr>
+            <p:ph type="dt" sz="quarter" idx="10"/>
+          </p:nvPr>
+        </p:nvSpPr>
+        <p:spPr bwMode="auto">
+          <a:noFill/>
+          <a:extLst>
+            <a:ext uri="{909E8E84-426E-40dd-AFC4-6F175D3DCCD1}">
+              <a14:hiddenFill xmlns:a14="http://schemas.microsoft.com/office/drawing/2010/main">
+                <a:solidFill>
+                  <a:srgbClr val="FFFFFF"/>
+                </a:solidFill>
+              </a14:hiddenFill>
+            </a:ext>
+            <a:ext uri="{91240B29-F687-4f45-9708-019B960494DF}">
+              <a14:hiddenLine xmlns:a14="http://schemas.microsoft.com/office/drawing/2010/main" w="9525">
+                <a:solidFill>
+                  <a:srgbClr val="000000"/>
+                </a:solidFill>
+                <a:miter lim="800000"/>
+                <a:headEnd/>
+                <a:tailEnd/>
+              </a14:hiddenLine>
+            </a:ext>
+          </a:extLst>
+        </p:spPr>
+        <p:txBody>
+          <a:bodyPr/>
+          <a:lstStyle>
+            <a:lvl1pPr eaLnBrk="0" hangingPunct="0">
+              <a:defRPr sz="2400">
+                <a:solidFill>
+                  <a:schemeClr val="tx1"/>
+                </a:solidFill>
+                <a:latin typeface="Arial" charset="0"/>
+                <a:ea typeface="ＭＳ Ｐゴシック" charset="0"/>
+                <a:cs typeface="ＭＳ Ｐゴシック" charset="0"/>
+              </a:defRPr>
+            </a:lvl1pPr>
+            <a:lvl2pPr marL="742950" indent="-285750" eaLnBrk="0" hangingPunct="0">
+              <a:defRPr sz="2400">
+                <a:solidFill>
+                  <a:schemeClr val="tx1"/>
+                </a:solidFill>
+                <a:latin typeface="Arial" charset="0"/>
+                <a:ea typeface="ＭＳ Ｐゴシック" charset="0"/>
+              </a:defRPr>
+            </a:lvl2pPr>
+            <a:lvl3pPr marL="1143000" indent="-228600" eaLnBrk="0" hangingPunct="0">
+              <a:defRPr sz="2400">
+                <a:solidFill>
+                  <a:schemeClr val="tx1"/>
+                </a:solidFill>
+                <a:latin typeface="Arial" charset="0"/>
+                <a:ea typeface="ＭＳ Ｐゴシック" charset="0"/>
+              </a:defRPr>
+            </a:lvl3pPr>
+            <a:lvl4pPr marL="1600200" indent="-228600" eaLnBrk="0" hangingPunct="0">
+              <a:defRPr sz="2400">
+                <a:solidFill>
+                  <a:schemeClr val="tx1"/>
+                </a:solidFill>
+                <a:latin typeface="Arial" charset="0"/>
+                <a:ea typeface="ＭＳ Ｐゴシック" charset="0"/>
+              </a:defRPr>
+            </a:lvl4pPr>
+            <a:lvl5pPr marL="2057400" indent="-228600" eaLnBrk="0" hangingPunct="0">
+              <a:defRPr sz="2400">
+                <a:solidFill>
+                  <a:schemeClr val="tx1"/>
+                </a:solidFill>
+                <a:latin typeface="Arial" charset="0"/>
+                <a:ea typeface="ＭＳ Ｐゴシック" charset="0"/>
+              </a:defRPr>
+            </a:lvl5pPr>
+            <a:lvl6pPr marL="2514600" indent="-228600" eaLnBrk="0" fontAlgn="base" hangingPunct="0">
+              <a:spcBef>
+                <a:spcPct val="0"/>
+              </a:spcBef>
+              <a:spcAft>
+                <a:spcPct val="0"/>
+              </a:spcAft>
+              <a:defRPr sz="2400">
+                <a:solidFill>
+                  <a:schemeClr val="tx1"/>
+                </a:solidFill>
+                <a:latin typeface="Arial" charset="0"/>
+                <a:ea typeface="ＭＳ Ｐゴシック" charset="0"/>
+              </a:defRPr>
+            </a:lvl6pPr>
+            <a:lvl7pPr marL="2971800" indent="-228600" eaLnBrk="0" fontAlgn="base" hangingPunct="0">
+              <a:spcBef>
+                <a:spcPct val="0"/>
+              </a:spcBef>
+              <a:spcAft>
+                <a:spcPct val="0"/>
+              </a:spcAft>
+              <a:defRPr sz="2400">
+                <a:solidFill>
+                  <a:schemeClr val="tx1"/>
+                </a:solidFill>
+                <a:latin typeface="Arial" charset="0"/>
+                <a:ea typeface="ＭＳ Ｐゴシック" charset="0"/>
+              </a:defRPr>
+            </a:lvl7pPr>
+            <a:lvl8pPr marL="3429000" indent="-228600" eaLnBrk="0" fontAlgn="base" hangingPunct="0">
+              <a:spcBef>
+                <a:spcPct val="0"/>
+              </a:spcBef>
+              <a:spcAft>
+                <a:spcPct val="0"/>
+              </a:spcAft>
+              <a:defRPr sz="2400">
+                <a:solidFill>
+                  <a:schemeClr val="tx1"/>
+                </a:solidFill>
+                <a:latin typeface="Arial" charset="0"/>
+                <a:ea typeface="ＭＳ Ｐゴシック" charset="0"/>
+              </a:defRPr>
+            </a:lvl8pPr>
+            <a:lvl9pPr marL="3886200" indent="-228600" eaLnBrk="0" fontAlgn="base" hangingPunct="0">
+              <a:spcBef>
+                <a:spcPct val="0"/>
+              </a:spcBef>
+              <a:spcAft>
+                <a:spcPct val="0"/>
+              </a:spcAft>
+              <a:defRPr sz="2400">
+                <a:solidFill>
+                  <a:schemeClr val="tx1"/>
+                </a:solidFill>
+                <a:latin typeface="Arial" charset="0"/>
+                <a:ea typeface="ＭＳ Ｐゴシック" charset="0"/>
+              </a:defRPr>
+            </a:lvl9pPr>
+          </a:lstStyle>
+          <a:p>
+            <a:pPr eaLnBrk="1" hangingPunct="1"/>
+            <a:r>
+              <a:rPr lang="en-AU" sz="1200">
+                <a:solidFill>
+                  <a:schemeClr val="bg1"/>
+                </a:solidFill>
+              </a:rPr>
+              <a:t>Anh Vo    </a:t>
+            </a:r>
+            <a:fld id="{D3CC447B-9CC8-554B-8017-AC56A67C6C86}" type="datetime4">
+              <a:rPr lang="en-AU" sz="1200">
+                <a:solidFill>
+                  <a:schemeClr val="bg1"/>
+                </a:solidFill>
+              </a:rPr>
+              <a:pPr eaLnBrk="1" hangingPunct="1"/>
+              <a:t>May 8, 2020</a:t>
+            </a:fld>
+            <a:endParaRPr lang="en-US" sz="1200">
+              <a:solidFill>
+                <a:schemeClr val="bg1"/>
+              </a:solidFill>
+            </a:endParaRPr>
+          </a:p>
+        </p:txBody>
+      </p:sp>
+      <p:sp>
+        <p:nvSpPr>
+          <p:cNvPr id="23555" name="Footer Placeholder 4"/>
+          <p:cNvSpPr>
+            <a:spLocks noGrp="1"/>
+          </p:cNvSpPr>
+          <p:nvPr>
+            <p:ph type="ftr" sz="quarter" idx="11"/>
+          </p:nvPr>
+        </p:nvSpPr>
+        <p:spPr bwMode="auto">
+          <a:noFill/>
+          <a:extLst>
+            <a:ext uri="{909E8E84-426E-40dd-AFC4-6F175D3DCCD1}">
+              <a14:hiddenFill xmlns:a14="http://schemas.microsoft.com/office/drawing/2010/main">
+                <a:solidFill>
+                  <a:srgbClr val="FFFFFF"/>
+                </a:solidFill>
+              </a14:hiddenFill>
+            </a:ext>
+            <a:ext uri="{91240B29-F687-4f45-9708-019B960494DF}">
+              <a14:hiddenLine xmlns:a14="http://schemas.microsoft.com/office/drawing/2010/main" w="9525">
+                <a:solidFill>
+                  <a:srgbClr val="000000"/>
+                </a:solidFill>
+                <a:miter lim="800000"/>
+                <a:headEnd/>
+                <a:tailEnd/>
+              </a14:hiddenLine>
+            </a:ext>
+          </a:extLst>
+        </p:spPr>
+        <p:txBody>
+          <a:bodyPr wrap="square" numCol="1" anchorCtr="0" compatLnSpc="1">
+            <a:prstTxWarp prst="textNoShape">
+              <a:avLst/>
+            </a:prstTxWarp>
+          </a:bodyPr>
+          <a:lstStyle>
+            <a:lvl1pPr eaLnBrk="0" hangingPunct="0">
+              <a:defRPr sz="2400">
+                <a:solidFill>
+                  <a:schemeClr val="tx1"/>
+                </a:solidFill>
+                <a:latin typeface="Arial" charset="0"/>
+                <a:ea typeface="ＭＳ Ｐゴシック" charset="0"/>
+                <a:cs typeface="ＭＳ Ｐゴシック" charset="0"/>
+              </a:defRPr>
+            </a:lvl1pPr>
+            <a:lvl2pPr marL="742950" indent="-285750" eaLnBrk="0" hangingPunct="0">
+              <a:defRPr sz="2400">
+                <a:solidFill>
+                  <a:schemeClr val="tx1"/>
+                </a:solidFill>
+                <a:latin typeface="Arial" charset="0"/>
+                <a:ea typeface="ＭＳ Ｐゴシック" charset="0"/>
+              </a:defRPr>
+            </a:lvl2pPr>
+            <a:lvl3pPr marL="1143000" indent="-228600" eaLnBrk="0" hangingPunct="0">
+              <a:defRPr sz="2400">
+                <a:solidFill>
+                  <a:schemeClr val="tx1"/>
+                </a:solidFill>
+                <a:latin typeface="Arial" charset="0"/>
+                <a:ea typeface="ＭＳ Ｐゴシック" charset="0"/>
+              </a:defRPr>
+            </a:lvl3pPr>
+            <a:lvl4pPr marL="1600200" indent="-228600" eaLnBrk="0" hangingPunct="0">
+              <a:defRPr sz="2400">
+                <a:solidFill>
+                  <a:schemeClr val="tx1"/>
+                </a:solidFill>
+                <a:latin typeface="Arial" charset="0"/>
+                <a:ea typeface="ＭＳ Ｐゴシック" charset="0"/>
+              </a:defRPr>
+            </a:lvl4pPr>
+            <a:lvl5pPr marL="2057400" indent="-228600" eaLnBrk="0" hangingPunct="0">
+              <a:defRPr sz="2400">
+                <a:solidFill>
+                  <a:schemeClr val="tx1"/>
+                </a:solidFill>
+                <a:latin typeface="Arial" charset="0"/>
+                <a:ea typeface="ＭＳ Ｐゴシック" charset="0"/>
+              </a:defRPr>
+            </a:lvl5pPr>
+            <a:lvl6pPr marL="2514600" indent="-228600" eaLnBrk="0" fontAlgn="base" hangingPunct="0">
+              <a:spcBef>
+                <a:spcPct val="0"/>
+              </a:spcBef>
+              <a:spcAft>
+                <a:spcPct val="0"/>
+              </a:spcAft>
+              <a:defRPr sz="2400">
+                <a:solidFill>
+                  <a:schemeClr val="tx1"/>
+                </a:solidFill>
+                <a:latin typeface="Arial" charset="0"/>
+                <a:ea typeface="ＭＳ Ｐゴシック" charset="0"/>
+              </a:defRPr>
+            </a:lvl6pPr>
+            <a:lvl7pPr marL="2971800" indent="-228600" eaLnBrk="0" fontAlgn="base" hangingPunct="0">
+              <a:spcBef>
+                <a:spcPct val="0"/>
+              </a:spcBef>
+              <a:spcAft>
+                <a:spcPct val="0"/>
+              </a:spcAft>
+              <a:defRPr sz="2400">
+                <a:solidFill>
+                  <a:schemeClr val="tx1"/>
+                </a:solidFill>
+                <a:latin typeface="Arial" charset="0"/>
+                <a:ea typeface="ＭＳ Ｐゴシック" charset="0"/>
+              </a:defRPr>
+            </a:lvl7pPr>
+            <a:lvl8pPr marL="3429000" indent="-228600" eaLnBrk="0" fontAlgn="base" hangingPunct="0">
+              <a:spcBef>
+                <a:spcPct val="0"/>
+              </a:spcBef>
+              <a:spcAft>
+                <a:spcPct val="0"/>
+              </a:spcAft>
+              <a:defRPr sz="2400">
+                <a:solidFill>
+                  <a:schemeClr val="tx1"/>
+                </a:solidFill>
+                <a:latin typeface="Arial" charset="0"/>
+                <a:ea typeface="ＭＳ Ｐゴシック" charset="0"/>
+              </a:defRPr>
+            </a:lvl8pPr>
+            <a:lvl9pPr marL="3886200" indent="-228600" eaLnBrk="0" fontAlgn="base" hangingPunct="0">
+              <a:spcBef>
+                <a:spcPct val="0"/>
+              </a:spcBef>
+              <a:spcAft>
+                <a:spcPct val="0"/>
+              </a:spcAft>
+              <a:defRPr sz="2400">
+                <a:solidFill>
+                  <a:schemeClr val="tx1"/>
+                </a:solidFill>
+                <a:latin typeface="Arial" charset="0"/>
+                <a:ea typeface="ＭＳ Ｐゴシック" charset="0"/>
+              </a:defRPr>
+            </a:lvl9pPr>
+          </a:lstStyle>
+          <a:p>
+            <a:pPr eaLnBrk="1" hangingPunct="1"/>
+            <a:r>
+              <a:rPr lang="en-US" sz="1200">
+                <a:solidFill>
+                  <a:schemeClr val="bg1"/>
+                </a:solidFill>
+              </a:rPr>
+              <a:t>COMP20007.Worshop</a:t>
+            </a:r>
+          </a:p>
+        </p:txBody>
+      </p:sp>
+      <p:sp>
+        <p:nvSpPr>
+          <p:cNvPr id="23556" name="Slide Number Placeholder 5"/>
+          <p:cNvSpPr>
+            <a:spLocks noGrp="1"/>
+          </p:cNvSpPr>
+          <p:nvPr>
+            <p:ph type="sldNum" sz="quarter" idx="12"/>
+          </p:nvPr>
+        </p:nvSpPr>
+        <p:spPr bwMode="auto">
+          <a:noFill/>
+          <a:extLst>
+            <a:ext uri="{909E8E84-426E-40dd-AFC4-6F175D3DCCD1}">
+              <a14:hiddenFill xmlns:a14="http://schemas.microsoft.com/office/drawing/2010/main">
+                <a:solidFill>
+                  <a:srgbClr val="FFFFFF"/>
+                </a:solidFill>
+              </a14:hiddenFill>
+            </a:ext>
+            <a:ext uri="{91240B29-F687-4f45-9708-019B960494DF}">
+              <a14:hiddenLine xmlns:a14="http://schemas.microsoft.com/office/drawing/2010/main" w="9525">
+                <a:solidFill>
+                  <a:srgbClr val="000000"/>
+                </a:solidFill>
+                <a:miter lim="800000"/>
+                <a:headEnd/>
+                <a:tailEnd/>
+              </a14:hiddenLine>
+            </a:ext>
+          </a:extLst>
+        </p:spPr>
+        <p:txBody>
+          <a:bodyPr/>
+          <a:lstStyle>
+            <a:lvl1pPr eaLnBrk="0" hangingPunct="0">
+              <a:defRPr sz="2400">
+                <a:solidFill>
+                  <a:schemeClr val="tx1"/>
+                </a:solidFill>
+                <a:latin typeface="Arial" charset="0"/>
+                <a:ea typeface="ＭＳ Ｐゴシック" charset="0"/>
+                <a:cs typeface="ＭＳ Ｐゴシック" charset="0"/>
+              </a:defRPr>
+            </a:lvl1pPr>
+            <a:lvl2pPr marL="742950" indent="-285750" eaLnBrk="0" hangingPunct="0">
+              <a:defRPr sz="2400">
+                <a:solidFill>
+                  <a:schemeClr val="tx1"/>
+                </a:solidFill>
+                <a:latin typeface="Arial" charset="0"/>
+                <a:ea typeface="ＭＳ Ｐゴシック" charset="0"/>
+              </a:defRPr>
+            </a:lvl2pPr>
+            <a:lvl3pPr marL="1143000" indent="-228600" eaLnBrk="0" hangingPunct="0">
+              <a:defRPr sz="2400">
+                <a:solidFill>
+                  <a:schemeClr val="tx1"/>
+                </a:solidFill>
+                <a:latin typeface="Arial" charset="0"/>
+                <a:ea typeface="ＭＳ Ｐゴシック" charset="0"/>
+              </a:defRPr>
+            </a:lvl3pPr>
+            <a:lvl4pPr marL="1600200" indent="-228600" eaLnBrk="0" hangingPunct="0">
+              <a:defRPr sz="2400">
+                <a:solidFill>
+                  <a:schemeClr val="tx1"/>
+                </a:solidFill>
+                <a:latin typeface="Arial" charset="0"/>
+                <a:ea typeface="ＭＳ Ｐゴシック" charset="0"/>
+              </a:defRPr>
+            </a:lvl4pPr>
+            <a:lvl5pPr marL="2057400" indent="-228600" eaLnBrk="0" hangingPunct="0">
+              <a:defRPr sz="2400">
+                <a:solidFill>
+                  <a:schemeClr val="tx1"/>
+                </a:solidFill>
+                <a:latin typeface="Arial" charset="0"/>
+                <a:ea typeface="ＭＳ Ｐゴシック" charset="0"/>
+              </a:defRPr>
+            </a:lvl5pPr>
+            <a:lvl6pPr marL="2514600" indent="-228600" eaLnBrk="0" fontAlgn="base" hangingPunct="0">
+              <a:spcBef>
+                <a:spcPct val="0"/>
+              </a:spcBef>
+              <a:spcAft>
+                <a:spcPct val="0"/>
+              </a:spcAft>
+              <a:defRPr sz="2400">
+                <a:solidFill>
+                  <a:schemeClr val="tx1"/>
+                </a:solidFill>
+                <a:latin typeface="Arial" charset="0"/>
+                <a:ea typeface="ＭＳ Ｐゴシック" charset="0"/>
+              </a:defRPr>
+            </a:lvl6pPr>
+            <a:lvl7pPr marL="2971800" indent="-228600" eaLnBrk="0" fontAlgn="base" hangingPunct="0">
+              <a:spcBef>
+                <a:spcPct val="0"/>
+              </a:spcBef>
+              <a:spcAft>
+                <a:spcPct val="0"/>
+              </a:spcAft>
+              <a:defRPr sz="2400">
+                <a:solidFill>
+                  <a:schemeClr val="tx1"/>
+                </a:solidFill>
+                <a:latin typeface="Arial" charset="0"/>
+                <a:ea typeface="ＭＳ Ｐゴシック" charset="0"/>
+              </a:defRPr>
+            </a:lvl7pPr>
+            <a:lvl8pPr marL="3429000" indent="-228600" eaLnBrk="0" fontAlgn="base" hangingPunct="0">
+              <a:spcBef>
+                <a:spcPct val="0"/>
+              </a:spcBef>
+              <a:spcAft>
+                <a:spcPct val="0"/>
+              </a:spcAft>
+              <a:defRPr sz="2400">
+                <a:solidFill>
+                  <a:schemeClr val="tx1"/>
+                </a:solidFill>
+                <a:latin typeface="Arial" charset="0"/>
+                <a:ea typeface="ＭＳ Ｐゴシック" charset="0"/>
+              </a:defRPr>
+            </a:lvl8pPr>
+            <a:lvl9pPr marL="3886200" indent="-228600" eaLnBrk="0" fontAlgn="base" hangingPunct="0">
+              <a:spcBef>
+                <a:spcPct val="0"/>
+              </a:spcBef>
+              <a:spcAft>
+                <a:spcPct val="0"/>
+              </a:spcAft>
+              <a:defRPr sz="2400">
+                <a:solidFill>
+                  <a:schemeClr val="tx1"/>
+                </a:solidFill>
+                <a:latin typeface="Arial" charset="0"/>
+                <a:ea typeface="ＭＳ Ｐゴシック" charset="0"/>
+              </a:defRPr>
+            </a:lvl9pPr>
+          </a:lstStyle>
+          <a:p>
+            <a:pPr eaLnBrk="1" hangingPunct="1"/>
+            <a:fld id="{D5DB04B4-7693-2549-A1DA-7CDA0B129718}" type="slidenum">
+              <a:rPr lang="en-US" sz="3600">
+                <a:solidFill>
+                  <a:schemeClr val="bg1"/>
+                </a:solidFill>
+              </a:rPr>
+              <a:pPr eaLnBrk="1" hangingPunct="1"/>
+              <a:t>19</a:t>
+            </a:fld>
+            <a:endParaRPr lang="en-US" sz="3600">
+              <a:solidFill>
+                <a:schemeClr val="bg1"/>
+              </a:solidFill>
+            </a:endParaRPr>
+          </a:p>
+        </p:txBody>
+      </p:sp>
+      <p:pic>
+        <p:nvPicPr>
+          <p:cNvPr id="23557" name="Picture 2"/>
+          <p:cNvPicPr>
+            <a:picLocks noChangeAspect="1"/>
+          </p:cNvPicPr>
+          <p:nvPr/>
+        </p:nvPicPr>
+        <p:blipFill>
+          <a:blip r:embed="rId2">
+            <a:extLst>
+              <a:ext uri="{28A0092B-C50C-407E-A947-70E740481C1C}">
+                <a14:useLocalDpi xmlns:a14="http://schemas.microsoft.com/office/drawing/2010/main" val="0"/>
+              </a:ext>
+            </a:extLst>
+          </a:blip>
+          <a:srcRect/>
+          <a:stretch>
+            <a:fillRect/>
+          </a:stretch>
+        </p:blipFill>
+        <p:spPr bwMode="auto">
+          <a:xfrm>
+            <a:off x="0" y="692150"/>
+            <a:ext cx="4089400" cy="2305050"/>
+          </a:xfrm>
+          <a:prstGeom prst="rect">
+            <a:avLst/>
+          </a:prstGeom>
+          <a:noFill/>
+          <a:ln>
+            <a:noFill/>
+          </a:ln>
+          <a:extLst>
+            <a:ext uri="{909E8E84-426E-40dd-AFC4-6F175D3DCCD1}">
+              <a14:hiddenFill xmlns:a14="http://schemas.microsoft.com/office/drawing/2010/main">
+                <a:solidFill>
+                  <a:srgbClr val="FFFFFF"/>
+                </a:solidFill>
+              </a14:hiddenFill>
+            </a:ext>
+            <a:ext uri="{91240B29-F687-4f45-9708-019B960494DF}">
+              <a14:hiddenLine xmlns:a14="http://schemas.microsoft.com/office/drawing/2010/main" w="9525">
+                <a:solidFill>
+                  <a:srgbClr val="000000"/>
+                </a:solidFill>
+                <a:miter lim="800000"/>
+                <a:headEnd/>
+                <a:tailEnd/>
+              </a14:hiddenLine>
+            </a:ext>
+          </a:extLst>
+        </p:spPr>
+      </p:pic>
+      <p:sp>
+        <p:nvSpPr>
+          <p:cNvPr id="23558" name="TextBox 9"/>
+          <p:cNvSpPr txBox="1">
+            <a:spLocks noChangeArrowheads="1"/>
+          </p:cNvSpPr>
+          <p:nvPr/>
+        </p:nvSpPr>
+        <p:spPr bwMode="auto">
+          <a:xfrm>
+            <a:off x="0" y="3213100"/>
+            <a:ext cx="4478338" cy="3170238"/>
+          </a:xfrm>
+          <a:prstGeom prst="rect">
+            <a:avLst/>
+          </a:prstGeom>
+          <a:noFill/>
+          <a:ln>
+            <a:noFill/>
+          </a:ln>
+          <a:extLst>
+            <a:ext uri="{909E8E84-426E-40dd-AFC4-6F175D3DCCD1}">
+              <a14:hiddenFill xmlns:a14="http://schemas.microsoft.com/office/drawing/2010/main">
+                <a:solidFill>
+                  <a:srgbClr val="FFFFFF"/>
+                </a:solidFill>
+              </a14:hiddenFill>
+            </a:ext>
+            <a:ext uri="{91240B29-F687-4f45-9708-019B960494DF}">
+              <a14:hiddenLine xmlns:a14="http://schemas.microsoft.com/office/drawing/2010/main" w="9525">
+                <a:solidFill>
+                  <a:srgbClr val="000000"/>
+                </a:solidFill>
+                <a:miter lim="800000"/>
+                <a:headEnd/>
+                <a:tailEnd/>
+              </a14:hiddenLine>
+            </a:ext>
+          </a:extLst>
+        </p:spPr>
+        <p:txBody>
+          <a:bodyPr wrap="none">
+            <a:spAutoFit/>
+          </a:bodyPr>
+          <a:lstStyle>
+            <a:lvl1pPr eaLnBrk="0" hangingPunct="0">
+              <a:defRPr sz="2400">
+                <a:solidFill>
+                  <a:schemeClr val="tx1"/>
+                </a:solidFill>
+                <a:latin typeface="Arial" charset="0"/>
+                <a:ea typeface="ＭＳ Ｐゴシック" charset="0"/>
+                <a:cs typeface="ＭＳ Ｐゴシック" charset="0"/>
+              </a:defRPr>
+            </a:lvl1pPr>
+            <a:lvl2pPr marL="742950" indent="-285750" eaLnBrk="0" hangingPunct="0">
+              <a:defRPr sz="2400">
+                <a:solidFill>
+                  <a:schemeClr val="tx1"/>
+                </a:solidFill>
+                <a:latin typeface="Arial" charset="0"/>
+                <a:ea typeface="ＭＳ Ｐゴシック" charset="0"/>
+              </a:defRPr>
+            </a:lvl2pPr>
+            <a:lvl3pPr marL="1143000" indent="-228600" eaLnBrk="0" hangingPunct="0">
+              <a:defRPr sz="2400">
+                <a:solidFill>
+                  <a:schemeClr val="tx1"/>
+                </a:solidFill>
+                <a:latin typeface="Arial" charset="0"/>
+                <a:ea typeface="ＭＳ Ｐゴシック" charset="0"/>
+              </a:defRPr>
+            </a:lvl3pPr>
+            <a:lvl4pPr marL="1600200" indent="-228600" eaLnBrk="0" hangingPunct="0">
+              <a:defRPr sz="2400">
+                <a:solidFill>
+                  <a:schemeClr val="tx1"/>
+                </a:solidFill>
+                <a:latin typeface="Arial" charset="0"/>
+                <a:ea typeface="ＭＳ Ｐゴシック" charset="0"/>
+              </a:defRPr>
+            </a:lvl4pPr>
+            <a:lvl5pPr marL="2057400" indent="-228600" eaLnBrk="0" hangingPunct="0">
+              <a:defRPr sz="2400">
+                <a:solidFill>
+                  <a:schemeClr val="tx1"/>
+                </a:solidFill>
+                <a:latin typeface="Arial" charset="0"/>
+                <a:ea typeface="ＭＳ Ｐゴシック" charset="0"/>
+              </a:defRPr>
+            </a:lvl5pPr>
+            <a:lvl6pPr marL="2514600" indent="-228600" eaLnBrk="0" fontAlgn="base" hangingPunct="0">
+              <a:spcBef>
+                <a:spcPct val="0"/>
+              </a:spcBef>
+              <a:spcAft>
+                <a:spcPct val="0"/>
+              </a:spcAft>
+              <a:defRPr sz="2400">
+                <a:solidFill>
+                  <a:schemeClr val="tx1"/>
+                </a:solidFill>
+                <a:latin typeface="Arial" charset="0"/>
+                <a:ea typeface="ＭＳ Ｐゴシック" charset="0"/>
+              </a:defRPr>
+            </a:lvl6pPr>
+            <a:lvl7pPr marL="2971800" indent="-228600" eaLnBrk="0" fontAlgn="base" hangingPunct="0">
+              <a:spcBef>
+                <a:spcPct val="0"/>
+              </a:spcBef>
+              <a:spcAft>
+                <a:spcPct val="0"/>
+              </a:spcAft>
+              <a:defRPr sz="2400">
+                <a:solidFill>
+                  <a:schemeClr val="tx1"/>
+                </a:solidFill>
+                <a:latin typeface="Arial" charset="0"/>
+                <a:ea typeface="ＭＳ Ｐゴシック" charset="0"/>
+              </a:defRPr>
+            </a:lvl7pPr>
+            <a:lvl8pPr marL="3429000" indent="-228600" eaLnBrk="0" fontAlgn="base" hangingPunct="0">
+              <a:spcBef>
+                <a:spcPct val="0"/>
+              </a:spcBef>
+              <a:spcAft>
+                <a:spcPct val="0"/>
+              </a:spcAft>
+              <a:defRPr sz="2400">
+                <a:solidFill>
+                  <a:schemeClr val="tx1"/>
+                </a:solidFill>
+                <a:latin typeface="Arial" charset="0"/>
+                <a:ea typeface="ＭＳ Ｐゴシック" charset="0"/>
+              </a:defRPr>
+            </a:lvl8pPr>
+            <a:lvl9pPr marL="3886200" indent="-228600" eaLnBrk="0" fontAlgn="base" hangingPunct="0">
+              <a:spcBef>
+                <a:spcPct val="0"/>
+              </a:spcBef>
+              <a:spcAft>
+                <a:spcPct val="0"/>
+              </a:spcAft>
+              <a:defRPr sz="2400">
+                <a:solidFill>
+                  <a:schemeClr val="tx1"/>
+                </a:solidFill>
+                <a:latin typeface="Arial" charset="0"/>
+                <a:ea typeface="ＭＳ Ｐゴシック" charset="0"/>
+              </a:defRPr>
+            </a:lvl9pPr>
+          </a:lstStyle>
+          <a:p>
+            <a:pPr eaLnBrk="1" hangingPunct="1"/>
+            <a:r>
+              <a:rPr lang="en-US" sz="1800">
+                <a:solidFill>
+                  <a:srgbClr val="000090"/>
+                </a:solidFill>
+                <a:latin typeface="Courier" charset="0"/>
+                <a:cs typeface="Courier" charset="0"/>
+              </a:rPr>
+              <a:t>function BottomUpMS(A[0..n-1])</a:t>
+            </a:r>
+          </a:p>
+          <a:p>
+            <a:pPr eaLnBrk="1" hangingPunct="1"/>
+            <a:r>
+              <a:rPr lang="en-US" sz="1800">
+                <a:solidFill>
+                  <a:srgbClr val="000090"/>
+                </a:solidFill>
+                <a:latin typeface="Courier" charset="0"/>
+                <a:cs typeface="Courier" charset="0"/>
+              </a:rPr>
+              <a:t>  create_empty_queue</a:t>
+            </a:r>
+          </a:p>
+          <a:p>
+            <a:pPr eaLnBrk="1" hangingPunct="1"/>
+            <a:r>
+              <a:rPr lang="en-US" sz="1800">
+                <a:solidFill>
+                  <a:srgbClr val="000090"/>
+                </a:solidFill>
+                <a:latin typeface="Courier" charset="0"/>
+                <a:cs typeface="Courier" charset="0"/>
+              </a:rPr>
+              <a:t>  enqueue singleton array A[0],</a:t>
+            </a:r>
+          </a:p>
+          <a:p>
+            <a:pPr eaLnBrk="1" hangingPunct="1"/>
+            <a:r>
+              <a:rPr lang="en-US" sz="1800">
+                <a:solidFill>
+                  <a:srgbClr val="000090"/>
+                </a:solidFill>
+                <a:latin typeface="Courier" charset="0"/>
+                <a:cs typeface="Courier" charset="0"/>
+              </a:rPr>
+              <a:t>    A[1],..., A[n-1] into Q</a:t>
+            </a:r>
+          </a:p>
+          <a:p>
+            <a:pPr eaLnBrk="1" hangingPunct="1"/>
+            <a:r>
+              <a:rPr lang="en-US" sz="1800">
+                <a:solidFill>
+                  <a:srgbClr val="000090"/>
+                </a:solidFill>
+                <a:latin typeface="Courier" charset="0"/>
+                <a:cs typeface="Courier" charset="0"/>
+              </a:rPr>
+              <a:t>  while queue.size&gt;1 do</a:t>
+            </a:r>
+          </a:p>
+          <a:p>
+            <a:pPr eaLnBrk="1" hangingPunct="1"/>
+            <a:r>
+              <a:rPr lang="en-US" sz="1800">
+                <a:solidFill>
+                  <a:srgbClr val="000090"/>
+                </a:solidFill>
+                <a:latin typeface="Courier" charset="0"/>
+                <a:cs typeface="Courier" charset="0"/>
+              </a:rPr>
+              <a:t>    dequeue arrays A and B</a:t>
+            </a:r>
+          </a:p>
+          <a:p>
+            <a:pPr eaLnBrk="1" hangingPunct="1"/>
+            <a:r>
+              <a:rPr lang="en-US" sz="1800">
+                <a:solidFill>
+                  <a:srgbClr val="000090"/>
+                </a:solidFill>
+                <a:latin typeface="Courier" charset="0"/>
+                <a:cs typeface="Courier" charset="0"/>
+              </a:rPr>
+              <a:t>    merge A and B to C</a:t>
+            </a:r>
+          </a:p>
+          <a:p>
+            <a:pPr eaLnBrk="1" hangingPunct="1"/>
+            <a:r>
+              <a:rPr lang="en-US" sz="1800">
+                <a:solidFill>
+                  <a:srgbClr val="000090"/>
+                </a:solidFill>
+                <a:latin typeface="Courier" charset="0"/>
+                <a:cs typeface="Courier" charset="0"/>
+              </a:rPr>
+              <a:t>    enqueue C </a:t>
+            </a:r>
+          </a:p>
+          <a:p>
+            <a:pPr eaLnBrk="1" hangingPunct="1"/>
+            <a:r>
+              <a:rPr lang="en-US" sz="1800">
+                <a:solidFill>
+                  <a:srgbClr val="000090"/>
+                </a:solidFill>
+                <a:latin typeface="Courier" charset="0"/>
+                <a:cs typeface="Courier" charset="0"/>
+              </a:rPr>
+              <a:t>  dequeue A </a:t>
+            </a:r>
+          </a:p>
+          <a:p>
+            <a:pPr eaLnBrk="1" hangingPunct="1"/>
+            <a:endParaRPr lang="en-US" sz="1800">
+              <a:latin typeface="Courier" charset="0"/>
+              <a:cs typeface="Courier" charset="0"/>
+            </a:endParaRPr>
+          </a:p>
+          <a:p>
+            <a:pPr eaLnBrk="1" hangingPunct="1"/>
+            <a:r>
+              <a:rPr lang="en-US" sz="2000"/>
+              <a:t>    </a:t>
+            </a:r>
+          </a:p>
+        </p:txBody>
+      </p:sp>
+      <p:sp>
+        <p:nvSpPr>
+          <p:cNvPr id="23559" name="TextBox 6"/>
+          <p:cNvSpPr txBox="1">
+            <a:spLocks noChangeArrowheads="1"/>
+          </p:cNvSpPr>
+          <p:nvPr/>
+        </p:nvSpPr>
+        <p:spPr bwMode="auto">
+          <a:xfrm>
+            <a:off x="4446588" y="1585913"/>
+            <a:ext cx="4589462" cy="2093912"/>
+          </a:xfrm>
+          <a:prstGeom prst="rect">
+            <a:avLst/>
+          </a:prstGeom>
+          <a:noFill/>
+          <a:ln>
+            <a:noFill/>
+          </a:ln>
+          <a:extLst>
+            <a:ext uri="{909E8E84-426E-40dd-AFC4-6F175D3DCCD1}">
+              <a14:hiddenFill xmlns:a14="http://schemas.microsoft.com/office/drawing/2010/main">
+                <a:solidFill>
+                  <a:srgbClr val="FFFFFF"/>
+                </a:solidFill>
+              </a14:hiddenFill>
+            </a:ext>
+            <a:ext uri="{91240B29-F687-4f45-9708-019B960494DF}">
+              <a14:hiddenLine xmlns:a14="http://schemas.microsoft.com/office/drawing/2010/main" w="9525">
+                <a:solidFill>
+                  <a:srgbClr val="000000"/>
+                </a:solidFill>
+                <a:miter lim="800000"/>
+                <a:headEnd/>
+                <a:tailEnd/>
+              </a14:hiddenLine>
+            </a:ext>
+          </a:extLst>
+        </p:spPr>
+        <p:txBody>
+          <a:bodyPr>
+            <a:spAutoFit/>
+          </a:bodyPr>
+          <a:lstStyle>
+            <a:lvl1pPr eaLnBrk="0" hangingPunct="0">
+              <a:defRPr sz="2400">
+                <a:solidFill>
+                  <a:schemeClr val="tx1"/>
+                </a:solidFill>
+                <a:latin typeface="Arial" charset="0"/>
+                <a:ea typeface="ＭＳ Ｐゴシック" charset="0"/>
+                <a:cs typeface="ＭＳ Ｐゴシック" charset="0"/>
+              </a:defRPr>
+            </a:lvl1pPr>
+            <a:lvl2pPr marL="742950" indent="-285750" eaLnBrk="0" hangingPunct="0">
+              <a:defRPr sz="2400">
+                <a:solidFill>
+                  <a:schemeClr val="tx1"/>
+                </a:solidFill>
+                <a:latin typeface="Arial" charset="0"/>
+                <a:ea typeface="ＭＳ Ｐゴシック" charset="0"/>
+              </a:defRPr>
+            </a:lvl2pPr>
+            <a:lvl3pPr marL="1143000" indent="-228600" eaLnBrk="0" hangingPunct="0">
+              <a:defRPr sz="2400">
+                <a:solidFill>
+                  <a:schemeClr val="tx1"/>
+                </a:solidFill>
+                <a:latin typeface="Arial" charset="0"/>
+                <a:ea typeface="ＭＳ Ｐゴシック" charset="0"/>
+              </a:defRPr>
+            </a:lvl3pPr>
+            <a:lvl4pPr marL="1600200" indent="-228600" eaLnBrk="0" hangingPunct="0">
+              <a:defRPr sz="2400">
+                <a:solidFill>
+                  <a:schemeClr val="tx1"/>
+                </a:solidFill>
+                <a:latin typeface="Arial" charset="0"/>
+                <a:ea typeface="ＭＳ Ｐゴシック" charset="0"/>
+              </a:defRPr>
+            </a:lvl4pPr>
+            <a:lvl5pPr marL="2057400" indent="-228600" eaLnBrk="0" hangingPunct="0">
+              <a:defRPr sz="2400">
+                <a:solidFill>
+                  <a:schemeClr val="tx1"/>
+                </a:solidFill>
+                <a:latin typeface="Arial" charset="0"/>
+                <a:ea typeface="ＭＳ Ｐゴシック" charset="0"/>
+              </a:defRPr>
+            </a:lvl5pPr>
+            <a:lvl6pPr marL="2514600" indent="-228600" eaLnBrk="0" fontAlgn="base" hangingPunct="0">
+              <a:spcBef>
+                <a:spcPct val="0"/>
+              </a:spcBef>
+              <a:spcAft>
+                <a:spcPct val="0"/>
+              </a:spcAft>
+              <a:defRPr sz="2400">
+                <a:solidFill>
+                  <a:schemeClr val="tx1"/>
+                </a:solidFill>
+                <a:latin typeface="Arial" charset="0"/>
+                <a:ea typeface="ＭＳ Ｐゴシック" charset="0"/>
+              </a:defRPr>
+            </a:lvl6pPr>
+            <a:lvl7pPr marL="2971800" indent="-228600" eaLnBrk="0" fontAlgn="base" hangingPunct="0">
+              <a:spcBef>
+                <a:spcPct val="0"/>
+              </a:spcBef>
+              <a:spcAft>
+                <a:spcPct val="0"/>
+              </a:spcAft>
+              <a:defRPr sz="2400">
+                <a:solidFill>
+                  <a:schemeClr val="tx1"/>
+                </a:solidFill>
+                <a:latin typeface="Arial" charset="0"/>
+                <a:ea typeface="ＭＳ Ｐゴシック" charset="0"/>
+              </a:defRPr>
+            </a:lvl7pPr>
+            <a:lvl8pPr marL="3429000" indent="-228600" eaLnBrk="0" fontAlgn="base" hangingPunct="0">
+              <a:spcBef>
+                <a:spcPct val="0"/>
+              </a:spcBef>
+              <a:spcAft>
+                <a:spcPct val="0"/>
+              </a:spcAft>
+              <a:defRPr sz="2400">
+                <a:solidFill>
+                  <a:schemeClr val="tx1"/>
+                </a:solidFill>
+                <a:latin typeface="Arial" charset="0"/>
+                <a:ea typeface="ＭＳ Ｐゴシック" charset="0"/>
+              </a:defRPr>
+            </a:lvl8pPr>
+            <a:lvl9pPr marL="3886200" indent="-228600" eaLnBrk="0" fontAlgn="base" hangingPunct="0">
+              <a:spcBef>
+                <a:spcPct val="0"/>
+              </a:spcBef>
+              <a:spcAft>
+                <a:spcPct val="0"/>
+              </a:spcAft>
+              <a:defRPr sz="2400">
+                <a:solidFill>
+                  <a:schemeClr val="tx1"/>
+                </a:solidFill>
+                <a:latin typeface="Arial" charset="0"/>
+                <a:ea typeface="ＭＳ Ｐゴシック" charset="0"/>
+              </a:defRPr>
+            </a:lvl9pPr>
+          </a:lstStyle>
+          <a:p>
+            <a:pPr eaLnBrk="1" hangingPunct="1"/>
+            <a:r>
+              <a:rPr lang="en-US" sz="2000"/>
+              <a:t>Exercise: run bottum-up:</a:t>
+            </a:r>
+          </a:p>
+          <a:p>
+            <a:pPr eaLnBrk="1" hangingPunct="1"/>
+            <a:r>
+              <a:rPr lang="en-US" sz="1800">
+                <a:latin typeface="Courier" charset="0"/>
+                <a:cs typeface="Courier" charset="0"/>
+              </a:rPr>
+              <a:t>  ANALYSIS</a:t>
+            </a:r>
+          </a:p>
+          <a:p>
+            <a:pPr eaLnBrk="1" hangingPunct="1"/>
+            <a:r>
+              <a:rPr lang="en-US" sz="1800">
+                <a:latin typeface="Courier" charset="0"/>
+                <a:cs typeface="Courier" charset="0"/>
+              </a:rPr>
+              <a:t>[A] [N] [A] [L] [Y] [S] [I] [S]</a:t>
+            </a:r>
+          </a:p>
+          <a:p>
+            <a:pPr eaLnBrk="1" hangingPunct="1"/>
+            <a:endParaRPr lang="en-US" sz="1800">
+              <a:latin typeface="Courier" charset="0"/>
+              <a:cs typeface="Courier" charset="0"/>
+            </a:endParaRPr>
+          </a:p>
+          <a:p>
+            <a:pPr eaLnBrk="1" hangingPunct="1"/>
+            <a:endParaRPr lang="en-US" sz="1800">
+              <a:latin typeface="Courier" charset="0"/>
+              <a:cs typeface="Courier" charset="0"/>
+            </a:endParaRPr>
+          </a:p>
+          <a:p>
+            <a:pPr eaLnBrk="1" hangingPunct="1"/>
+            <a:endParaRPr lang="en-US" sz="1800">
+              <a:latin typeface="Courier" charset="0"/>
+              <a:cs typeface="Courier" charset="0"/>
+            </a:endParaRPr>
+          </a:p>
+          <a:p>
+            <a:pPr eaLnBrk="1" hangingPunct="1"/>
+            <a:endParaRPr lang="en-US" sz="2000"/>
+          </a:p>
+        </p:txBody>
+      </p:sp>
+    </p:spTree>
+  </p:cSld>
+  <p:clrMapOvr>
+    <a:masterClrMapping/>
+  </p:clrMapOvr>
+</p:sld>
+</file>
+
 <file path=ppt/slides/slide2.xml><?xml version="1.0" encoding="utf-8"?>
 <p:sld xmlns:a="http://schemas.openxmlformats.org/drawingml/2006/main" xmlns:r="http://schemas.openxmlformats.org/officeDocument/2006/relationships" xmlns:p="http://schemas.openxmlformats.org/presentationml/2006/main">
   <p:cSld>
@@ -17664,7 +18039,7 @@
           <a:graphicData uri="http://schemas.openxmlformats.org/presentationml/2006/ole">
             <mc:AlternateContent xmlns:mc="http://schemas.openxmlformats.org/markup-compatibility/2006">
               <mc:Choice xmlns:v="urn:schemas-microsoft-com:vml" Requires="v">
-                <p:oleObj spid="_x0000_s1032" name="Equation" r:id="rId3" imgW="114300" imgH="165100" progId="Equation.3">
+                <p:oleObj spid="_x0000_s1037" name="Equation" r:id="rId3" imgW="114300" imgH="165100" progId="Equation.3">
                   <p:embed/>
                 </p:oleObj>
               </mc:Choice>
@@ -18021,12 +18396,12 @@
           <a:graphicData uri="http://schemas.openxmlformats.org/presentationml/2006/ole">
             <mc:AlternateContent xmlns:mc="http://schemas.openxmlformats.org/markup-compatibility/2006">
               <mc:Choice xmlns:v="urn:schemas-microsoft-com:vml" Requires="v">
-                <p:oleObj spid="_x0000_s1033" name="Equation" r:id="rId7" imgW="1397000" imgH="698500" progId="Equation.3">
+                <p:oleObj spid="_x0000_s1038" name="Equation" r:id="rId6" imgW="1397000" imgH="698500" progId="Equation.3">
                   <p:embed/>
                 </p:oleObj>
               </mc:Choice>
               <mc:Fallback>
-                <p:oleObj name="Equation" r:id="rId7" imgW="1397000" imgH="698500" progId="Equation.3">
+                <p:oleObj name="Equation" r:id="rId6" imgW="1397000" imgH="698500" progId="Equation.3">
                   <p:embed/>
                   <p:pic>
                     <p:nvPicPr>
@@ -18037,7 +18412,7 @@
                       <p:nvPr/>
                     </p:nvPicPr>
                     <p:blipFill>
-                      <a:blip r:embed="rId8">
+                      <a:blip r:embed="rId7">
                         <a:extLst>
                           <a:ext uri="{28A0092B-C50C-407E-A947-70E740481C1C}">
                             <a14:useLocalDpi xmlns:a14="http://schemas.microsoft.com/office/drawing/2010/main" val="0"/>
@@ -18127,1104 +18502,6 @@
         <p:spPr>
           <a:xfrm>
             <a:off x="265113" y="107951"/>
-            <a:ext cx="8623300" cy="440729"/>
-          </a:xfrm>
-        </p:spPr>
-        <p:txBody>
-          <a:bodyPr/>
-          <a:lstStyle/>
-          <a:p>
-            <a:pPr>
-              <a:defRPr/>
-            </a:pPr>
-            <a:r>
-              <a:rPr lang="en-US" sz="2400" dirty="0"/>
-              <a:t>T3: </a:t>
-            </a:r>
-            <a:r>
-              <a:rPr lang="en-US" sz="2400" dirty="0" err="1" smtClean="0"/>
-              <a:t>Mergesort</a:t>
-            </a:r>
-            <a:r>
-              <a:rPr lang="en-US" sz="2400" dirty="0" smtClean="0"/>
-              <a:t>: Top-Down &amp; Bottom-Up Algorithms</a:t>
-            </a:r>
-            <a:endParaRPr lang="en-US" sz="2400" dirty="0"/>
-          </a:p>
-        </p:txBody>
-      </p:sp>
-      <p:sp>
-        <p:nvSpPr>
-          <p:cNvPr id="23554" name="Date Placeholder 3"/>
-          <p:cNvSpPr>
-            <a:spLocks noGrp="1"/>
-          </p:cNvSpPr>
-          <p:nvPr>
-            <p:ph type="dt" sz="quarter" idx="10"/>
-          </p:nvPr>
-        </p:nvSpPr>
-        <p:spPr bwMode="auto">
-          <a:noFill/>
-          <a:extLst>
-            <a:ext uri="{909E8E84-426E-40dd-AFC4-6F175D3DCCD1}">
-              <a14:hiddenFill xmlns:a14="http://schemas.microsoft.com/office/drawing/2010/main">
-                <a:solidFill>
-                  <a:srgbClr val="FFFFFF"/>
-                </a:solidFill>
-              </a14:hiddenFill>
-            </a:ext>
-            <a:ext uri="{91240B29-F687-4f45-9708-019B960494DF}">
-              <a14:hiddenLine xmlns:a14="http://schemas.microsoft.com/office/drawing/2010/main" w="9525">
-                <a:solidFill>
-                  <a:srgbClr val="000000"/>
-                </a:solidFill>
-                <a:miter lim="800000"/>
-                <a:headEnd/>
-                <a:tailEnd/>
-              </a14:hiddenLine>
-            </a:ext>
-          </a:extLst>
-        </p:spPr>
-        <p:txBody>
-          <a:bodyPr/>
-          <a:lstStyle>
-            <a:lvl1pPr eaLnBrk="0" hangingPunct="0">
-              <a:defRPr sz="2400">
-                <a:solidFill>
-                  <a:schemeClr val="tx1"/>
-                </a:solidFill>
-                <a:latin typeface="Arial" charset="0"/>
-                <a:ea typeface="ＭＳ Ｐゴシック" charset="0"/>
-                <a:cs typeface="ＭＳ Ｐゴシック" charset="0"/>
-              </a:defRPr>
-            </a:lvl1pPr>
-            <a:lvl2pPr marL="742950" indent="-285750" eaLnBrk="0" hangingPunct="0">
-              <a:defRPr sz="2400">
-                <a:solidFill>
-                  <a:schemeClr val="tx1"/>
-                </a:solidFill>
-                <a:latin typeface="Arial" charset="0"/>
-                <a:ea typeface="ＭＳ Ｐゴシック" charset="0"/>
-              </a:defRPr>
-            </a:lvl2pPr>
-            <a:lvl3pPr marL="1143000" indent="-228600" eaLnBrk="0" hangingPunct="0">
-              <a:defRPr sz="2400">
-                <a:solidFill>
-                  <a:schemeClr val="tx1"/>
-                </a:solidFill>
-                <a:latin typeface="Arial" charset="0"/>
-                <a:ea typeface="ＭＳ Ｐゴシック" charset="0"/>
-              </a:defRPr>
-            </a:lvl3pPr>
-            <a:lvl4pPr marL="1600200" indent="-228600" eaLnBrk="0" hangingPunct="0">
-              <a:defRPr sz="2400">
-                <a:solidFill>
-                  <a:schemeClr val="tx1"/>
-                </a:solidFill>
-                <a:latin typeface="Arial" charset="0"/>
-                <a:ea typeface="ＭＳ Ｐゴシック" charset="0"/>
-              </a:defRPr>
-            </a:lvl4pPr>
-            <a:lvl5pPr marL="2057400" indent="-228600" eaLnBrk="0" hangingPunct="0">
-              <a:defRPr sz="2400">
-                <a:solidFill>
-                  <a:schemeClr val="tx1"/>
-                </a:solidFill>
-                <a:latin typeface="Arial" charset="0"/>
-                <a:ea typeface="ＭＳ Ｐゴシック" charset="0"/>
-              </a:defRPr>
-            </a:lvl5pPr>
-            <a:lvl6pPr marL="2514600" indent="-228600" eaLnBrk="0" fontAlgn="base" hangingPunct="0">
-              <a:spcBef>
-                <a:spcPct val="0"/>
-              </a:spcBef>
-              <a:spcAft>
-                <a:spcPct val="0"/>
-              </a:spcAft>
-              <a:defRPr sz="2400">
-                <a:solidFill>
-                  <a:schemeClr val="tx1"/>
-                </a:solidFill>
-                <a:latin typeface="Arial" charset="0"/>
-                <a:ea typeface="ＭＳ Ｐゴシック" charset="0"/>
-              </a:defRPr>
-            </a:lvl6pPr>
-            <a:lvl7pPr marL="2971800" indent="-228600" eaLnBrk="0" fontAlgn="base" hangingPunct="0">
-              <a:spcBef>
-                <a:spcPct val="0"/>
-              </a:spcBef>
-              <a:spcAft>
-                <a:spcPct val="0"/>
-              </a:spcAft>
-              <a:defRPr sz="2400">
-                <a:solidFill>
-                  <a:schemeClr val="tx1"/>
-                </a:solidFill>
-                <a:latin typeface="Arial" charset="0"/>
-                <a:ea typeface="ＭＳ Ｐゴシック" charset="0"/>
-              </a:defRPr>
-            </a:lvl7pPr>
-            <a:lvl8pPr marL="3429000" indent="-228600" eaLnBrk="0" fontAlgn="base" hangingPunct="0">
-              <a:spcBef>
-                <a:spcPct val="0"/>
-              </a:spcBef>
-              <a:spcAft>
-                <a:spcPct val="0"/>
-              </a:spcAft>
-              <a:defRPr sz="2400">
-                <a:solidFill>
-                  <a:schemeClr val="tx1"/>
-                </a:solidFill>
-                <a:latin typeface="Arial" charset="0"/>
-                <a:ea typeface="ＭＳ Ｐゴシック" charset="0"/>
-              </a:defRPr>
-            </a:lvl8pPr>
-            <a:lvl9pPr marL="3886200" indent="-228600" eaLnBrk="0" fontAlgn="base" hangingPunct="0">
-              <a:spcBef>
-                <a:spcPct val="0"/>
-              </a:spcBef>
-              <a:spcAft>
-                <a:spcPct val="0"/>
-              </a:spcAft>
-              <a:defRPr sz="2400">
-                <a:solidFill>
-                  <a:schemeClr val="tx1"/>
-                </a:solidFill>
-                <a:latin typeface="Arial" charset="0"/>
-                <a:ea typeface="ＭＳ Ｐゴシック" charset="0"/>
-              </a:defRPr>
-            </a:lvl9pPr>
-          </a:lstStyle>
-          <a:p>
-            <a:pPr eaLnBrk="1" hangingPunct="1"/>
-            <a:r>
-              <a:rPr lang="en-AU" sz="1200">
-                <a:solidFill>
-                  <a:schemeClr val="bg1"/>
-                </a:solidFill>
-              </a:rPr>
-              <a:t>Anh Vo    </a:t>
-            </a:r>
-            <a:fld id="{D3CC447B-9CC8-554B-8017-AC56A67C6C86}" type="datetime4">
-              <a:rPr lang="en-AU" sz="1200">
-                <a:solidFill>
-                  <a:schemeClr val="bg1"/>
-                </a:solidFill>
-              </a:rPr>
-              <a:pPr eaLnBrk="1" hangingPunct="1"/>
-              <a:t>May 6, 2020</a:t>
-            </a:fld>
-            <a:endParaRPr lang="en-US" sz="1200">
-              <a:solidFill>
-                <a:schemeClr val="bg1"/>
-              </a:solidFill>
-            </a:endParaRPr>
-          </a:p>
-        </p:txBody>
-      </p:sp>
-      <p:sp>
-        <p:nvSpPr>
-          <p:cNvPr id="23555" name="Footer Placeholder 4"/>
-          <p:cNvSpPr>
-            <a:spLocks noGrp="1"/>
-          </p:cNvSpPr>
-          <p:nvPr>
-            <p:ph type="ftr" sz="quarter" idx="11"/>
-          </p:nvPr>
-        </p:nvSpPr>
-        <p:spPr bwMode="auto">
-          <a:noFill/>
-          <a:extLst>
-            <a:ext uri="{909E8E84-426E-40dd-AFC4-6F175D3DCCD1}">
-              <a14:hiddenFill xmlns:a14="http://schemas.microsoft.com/office/drawing/2010/main">
-                <a:solidFill>
-                  <a:srgbClr val="FFFFFF"/>
-                </a:solidFill>
-              </a14:hiddenFill>
-            </a:ext>
-            <a:ext uri="{91240B29-F687-4f45-9708-019B960494DF}">
-              <a14:hiddenLine xmlns:a14="http://schemas.microsoft.com/office/drawing/2010/main" w="9525">
-                <a:solidFill>
-                  <a:srgbClr val="000000"/>
-                </a:solidFill>
-                <a:miter lim="800000"/>
-                <a:headEnd/>
-                <a:tailEnd/>
-              </a14:hiddenLine>
-            </a:ext>
-          </a:extLst>
-        </p:spPr>
-        <p:txBody>
-          <a:bodyPr wrap="square" numCol="1" anchorCtr="0" compatLnSpc="1">
-            <a:prstTxWarp prst="textNoShape">
-              <a:avLst/>
-            </a:prstTxWarp>
-          </a:bodyPr>
-          <a:lstStyle>
-            <a:lvl1pPr eaLnBrk="0" hangingPunct="0">
-              <a:defRPr sz="2400">
-                <a:solidFill>
-                  <a:schemeClr val="tx1"/>
-                </a:solidFill>
-                <a:latin typeface="Arial" charset="0"/>
-                <a:ea typeface="ＭＳ Ｐゴシック" charset="0"/>
-                <a:cs typeface="ＭＳ Ｐゴシック" charset="0"/>
-              </a:defRPr>
-            </a:lvl1pPr>
-            <a:lvl2pPr marL="742950" indent="-285750" eaLnBrk="0" hangingPunct="0">
-              <a:defRPr sz="2400">
-                <a:solidFill>
-                  <a:schemeClr val="tx1"/>
-                </a:solidFill>
-                <a:latin typeface="Arial" charset="0"/>
-                <a:ea typeface="ＭＳ Ｐゴシック" charset="0"/>
-              </a:defRPr>
-            </a:lvl2pPr>
-            <a:lvl3pPr marL="1143000" indent="-228600" eaLnBrk="0" hangingPunct="0">
-              <a:defRPr sz="2400">
-                <a:solidFill>
-                  <a:schemeClr val="tx1"/>
-                </a:solidFill>
-                <a:latin typeface="Arial" charset="0"/>
-                <a:ea typeface="ＭＳ Ｐゴシック" charset="0"/>
-              </a:defRPr>
-            </a:lvl3pPr>
-            <a:lvl4pPr marL="1600200" indent="-228600" eaLnBrk="0" hangingPunct="0">
-              <a:defRPr sz="2400">
-                <a:solidFill>
-                  <a:schemeClr val="tx1"/>
-                </a:solidFill>
-                <a:latin typeface="Arial" charset="0"/>
-                <a:ea typeface="ＭＳ Ｐゴシック" charset="0"/>
-              </a:defRPr>
-            </a:lvl4pPr>
-            <a:lvl5pPr marL="2057400" indent="-228600" eaLnBrk="0" hangingPunct="0">
-              <a:defRPr sz="2400">
-                <a:solidFill>
-                  <a:schemeClr val="tx1"/>
-                </a:solidFill>
-                <a:latin typeface="Arial" charset="0"/>
-                <a:ea typeface="ＭＳ Ｐゴシック" charset="0"/>
-              </a:defRPr>
-            </a:lvl5pPr>
-            <a:lvl6pPr marL="2514600" indent="-228600" eaLnBrk="0" fontAlgn="base" hangingPunct="0">
-              <a:spcBef>
-                <a:spcPct val="0"/>
-              </a:spcBef>
-              <a:spcAft>
-                <a:spcPct val="0"/>
-              </a:spcAft>
-              <a:defRPr sz="2400">
-                <a:solidFill>
-                  <a:schemeClr val="tx1"/>
-                </a:solidFill>
-                <a:latin typeface="Arial" charset="0"/>
-                <a:ea typeface="ＭＳ Ｐゴシック" charset="0"/>
-              </a:defRPr>
-            </a:lvl6pPr>
-            <a:lvl7pPr marL="2971800" indent="-228600" eaLnBrk="0" fontAlgn="base" hangingPunct="0">
-              <a:spcBef>
-                <a:spcPct val="0"/>
-              </a:spcBef>
-              <a:spcAft>
-                <a:spcPct val="0"/>
-              </a:spcAft>
-              <a:defRPr sz="2400">
-                <a:solidFill>
-                  <a:schemeClr val="tx1"/>
-                </a:solidFill>
-                <a:latin typeface="Arial" charset="0"/>
-                <a:ea typeface="ＭＳ Ｐゴシック" charset="0"/>
-              </a:defRPr>
-            </a:lvl7pPr>
-            <a:lvl8pPr marL="3429000" indent="-228600" eaLnBrk="0" fontAlgn="base" hangingPunct="0">
-              <a:spcBef>
-                <a:spcPct val="0"/>
-              </a:spcBef>
-              <a:spcAft>
-                <a:spcPct val="0"/>
-              </a:spcAft>
-              <a:defRPr sz="2400">
-                <a:solidFill>
-                  <a:schemeClr val="tx1"/>
-                </a:solidFill>
-                <a:latin typeface="Arial" charset="0"/>
-                <a:ea typeface="ＭＳ Ｐゴシック" charset="0"/>
-              </a:defRPr>
-            </a:lvl8pPr>
-            <a:lvl9pPr marL="3886200" indent="-228600" eaLnBrk="0" fontAlgn="base" hangingPunct="0">
-              <a:spcBef>
-                <a:spcPct val="0"/>
-              </a:spcBef>
-              <a:spcAft>
-                <a:spcPct val="0"/>
-              </a:spcAft>
-              <a:defRPr sz="2400">
-                <a:solidFill>
-                  <a:schemeClr val="tx1"/>
-                </a:solidFill>
-                <a:latin typeface="Arial" charset="0"/>
-                <a:ea typeface="ＭＳ Ｐゴシック" charset="0"/>
-              </a:defRPr>
-            </a:lvl9pPr>
-          </a:lstStyle>
-          <a:p>
-            <a:pPr eaLnBrk="1" hangingPunct="1"/>
-            <a:r>
-              <a:rPr lang="en-US" sz="1200">
-                <a:solidFill>
-                  <a:schemeClr val="bg1"/>
-                </a:solidFill>
-              </a:rPr>
-              <a:t>COMP20007.Worshop</a:t>
-            </a:r>
-          </a:p>
-        </p:txBody>
-      </p:sp>
-      <p:sp>
-        <p:nvSpPr>
-          <p:cNvPr id="23556" name="Slide Number Placeholder 5"/>
-          <p:cNvSpPr>
-            <a:spLocks noGrp="1"/>
-          </p:cNvSpPr>
-          <p:nvPr>
-            <p:ph type="sldNum" sz="quarter" idx="12"/>
-          </p:nvPr>
-        </p:nvSpPr>
-        <p:spPr bwMode="auto">
-          <a:noFill/>
-          <a:extLst>
-            <a:ext uri="{909E8E84-426E-40dd-AFC4-6F175D3DCCD1}">
-              <a14:hiddenFill xmlns:a14="http://schemas.microsoft.com/office/drawing/2010/main">
-                <a:solidFill>
-                  <a:srgbClr val="FFFFFF"/>
-                </a:solidFill>
-              </a14:hiddenFill>
-            </a:ext>
-            <a:ext uri="{91240B29-F687-4f45-9708-019B960494DF}">
-              <a14:hiddenLine xmlns:a14="http://schemas.microsoft.com/office/drawing/2010/main" w="9525">
-                <a:solidFill>
-                  <a:srgbClr val="000000"/>
-                </a:solidFill>
-                <a:miter lim="800000"/>
-                <a:headEnd/>
-                <a:tailEnd/>
-              </a14:hiddenLine>
-            </a:ext>
-          </a:extLst>
-        </p:spPr>
-        <p:txBody>
-          <a:bodyPr/>
-          <a:lstStyle>
-            <a:lvl1pPr eaLnBrk="0" hangingPunct="0">
-              <a:defRPr sz="2400">
-                <a:solidFill>
-                  <a:schemeClr val="tx1"/>
-                </a:solidFill>
-                <a:latin typeface="Arial" charset="0"/>
-                <a:ea typeface="ＭＳ Ｐゴシック" charset="0"/>
-                <a:cs typeface="ＭＳ Ｐゴシック" charset="0"/>
-              </a:defRPr>
-            </a:lvl1pPr>
-            <a:lvl2pPr marL="742950" indent="-285750" eaLnBrk="0" hangingPunct="0">
-              <a:defRPr sz="2400">
-                <a:solidFill>
-                  <a:schemeClr val="tx1"/>
-                </a:solidFill>
-                <a:latin typeface="Arial" charset="0"/>
-                <a:ea typeface="ＭＳ Ｐゴシック" charset="0"/>
-              </a:defRPr>
-            </a:lvl2pPr>
-            <a:lvl3pPr marL="1143000" indent="-228600" eaLnBrk="0" hangingPunct="0">
-              <a:defRPr sz="2400">
-                <a:solidFill>
-                  <a:schemeClr val="tx1"/>
-                </a:solidFill>
-                <a:latin typeface="Arial" charset="0"/>
-                <a:ea typeface="ＭＳ Ｐゴシック" charset="0"/>
-              </a:defRPr>
-            </a:lvl3pPr>
-            <a:lvl4pPr marL="1600200" indent="-228600" eaLnBrk="0" hangingPunct="0">
-              <a:defRPr sz="2400">
-                <a:solidFill>
-                  <a:schemeClr val="tx1"/>
-                </a:solidFill>
-                <a:latin typeface="Arial" charset="0"/>
-                <a:ea typeface="ＭＳ Ｐゴシック" charset="0"/>
-              </a:defRPr>
-            </a:lvl4pPr>
-            <a:lvl5pPr marL="2057400" indent="-228600" eaLnBrk="0" hangingPunct="0">
-              <a:defRPr sz="2400">
-                <a:solidFill>
-                  <a:schemeClr val="tx1"/>
-                </a:solidFill>
-                <a:latin typeface="Arial" charset="0"/>
-                <a:ea typeface="ＭＳ Ｐゴシック" charset="0"/>
-              </a:defRPr>
-            </a:lvl5pPr>
-            <a:lvl6pPr marL="2514600" indent="-228600" eaLnBrk="0" fontAlgn="base" hangingPunct="0">
-              <a:spcBef>
-                <a:spcPct val="0"/>
-              </a:spcBef>
-              <a:spcAft>
-                <a:spcPct val="0"/>
-              </a:spcAft>
-              <a:defRPr sz="2400">
-                <a:solidFill>
-                  <a:schemeClr val="tx1"/>
-                </a:solidFill>
-                <a:latin typeface="Arial" charset="0"/>
-                <a:ea typeface="ＭＳ Ｐゴシック" charset="0"/>
-              </a:defRPr>
-            </a:lvl6pPr>
-            <a:lvl7pPr marL="2971800" indent="-228600" eaLnBrk="0" fontAlgn="base" hangingPunct="0">
-              <a:spcBef>
-                <a:spcPct val="0"/>
-              </a:spcBef>
-              <a:spcAft>
-                <a:spcPct val="0"/>
-              </a:spcAft>
-              <a:defRPr sz="2400">
-                <a:solidFill>
-                  <a:schemeClr val="tx1"/>
-                </a:solidFill>
-                <a:latin typeface="Arial" charset="0"/>
-                <a:ea typeface="ＭＳ Ｐゴシック" charset="0"/>
-              </a:defRPr>
-            </a:lvl7pPr>
-            <a:lvl8pPr marL="3429000" indent="-228600" eaLnBrk="0" fontAlgn="base" hangingPunct="0">
-              <a:spcBef>
-                <a:spcPct val="0"/>
-              </a:spcBef>
-              <a:spcAft>
-                <a:spcPct val="0"/>
-              </a:spcAft>
-              <a:defRPr sz="2400">
-                <a:solidFill>
-                  <a:schemeClr val="tx1"/>
-                </a:solidFill>
-                <a:latin typeface="Arial" charset="0"/>
-                <a:ea typeface="ＭＳ Ｐゴシック" charset="0"/>
-              </a:defRPr>
-            </a:lvl8pPr>
-            <a:lvl9pPr marL="3886200" indent="-228600" eaLnBrk="0" fontAlgn="base" hangingPunct="0">
-              <a:spcBef>
-                <a:spcPct val="0"/>
-              </a:spcBef>
-              <a:spcAft>
-                <a:spcPct val="0"/>
-              </a:spcAft>
-              <a:defRPr sz="2400">
-                <a:solidFill>
-                  <a:schemeClr val="tx1"/>
-                </a:solidFill>
-                <a:latin typeface="Arial" charset="0"/>
-                <a:ea typeface="ＭＳ Ｐゴシック" charset="0"/>
-              </a:defRPr>
-            </a:lvl9pPr>
-          </a:lstStyle>
-          <a:p>
-            <a:pPr eaLnBrk="1" hangingPunct="1"/>
-            <a:fld id="{D5DB04B4-7693-2549-A1DA-7CDA0B129718}" type="slidenum">
-              <a:rPr lang="en-US" sz="3600">
-                <a:solidFill>
-                  <a:schemeClr val="bg1"/>
-                </a:solidFill>
-              </a:rPr>
-              <a:pPr eaLnBrk="1" hangingPunct="1"/>
-              <a:t>20</a:t>
-            </a:fld>
-            <a:endParaRPr lang="en-US" sz="3600">
-              <a:solidFill>
-                <a:schemeClr val="bg1"/>
-              </a:solidFill>
-            </a:endParaRPr>
-          </a:p>
-        </p:txBody>
-      </p:sp>
-      <p:pic>
-        <p:nvPicPr>
-          <p:cNvPr id="23557" name="Picture 2"/>
-          <p:cNvPicPr>
-            <a:picLocks noChangeAspect="1"/>
-          </p:cNvPicPr>
-          <p:nvPr/>
-        </p:nvPicPr>
-        <p:blipFill>
-          <a:blip r:embed="rId2">
-            <a:extLst>
-              <a:ext uri="{28A0092B-C50C-407E-A947-70E740481C1C}">
-                <a14:useLocalDpi xmlns:a14="http://schemas.microsoft.com/office/drawing/2010/main" val="0"/>
-              </a:ext>
-            </a:extLst>
-          </a:blip>
-          <a:srcRect/>
-          <a:stretch>
-            <a:fillRect/>
-          </a:stretch>
-        </p:blipFill>
-        <p:spPr bwMode="auto">
-          <a:xfrm>
-            <a:off x="0" y="692150"/>
-            <a:ext cx="4089400" cy="2305050"/>
-          </a:xfrm>
-          <a:prstGeom prst="rect">
-            <a:avLst/>
-          </a:prstGeom>
-          <a:noFill/>
-          <a:ln>
-            <a:noFill/>
-          </a:ln>
-          <a:extLst>
-            <a:ext uri="{909E8E84-426E-40dd-AFC4-6F175D3DCCD1}">
-              <a14:hiddenFill xmlns:a14="http://schemas.microsoft.com/office/drawing/2010/main">
-                <a:solidFill>
-                  <a:srgbClr val="FFFFFF"/>
-                </a:solidFill>
-              </a14:hiddenFill>
-            </a:ext>
-            <a:ext uri="{91240B29-F687-4f45-9708-019B960494DF}">
-              <a14:hiddenLine xmlns:a14="http://schemas.microsoft.com/office/drawing/2010/main" w="9525">
-                <a:solidFill>
-                  <a:srgbClr val="000000"/>
-                </a:solidFill>
-                <a:miter lim="800000"/>
-                <a:headEnd/>
-                <a:tailEnd/>
-              </a14:hiddenLine>
-            </a:ext>
-          </a:extLst>
-        </p:spPr>
-      </p:pic>
-      <p:sp>
-        <p:nvSpPr>
-          <p:cNvPr id="23558" name="TextBox 9"/>
-          <p:cNvSpPr txBox="1">
-            <a:spLocks noChangeArrowheads="1"/>
-          </p:cNvSpPr>
-          <p:nvPr/>
-        </p:nvSpPr>
-        <p:spPr bwMode="auto">
-          <a:xfrm>
-            <a:off x="0" y="3213100"/>
-            <a:ext cx="4478338" cy="3170238"/>
-          </a:xfrm>
-          <a:prstGeom prst="rect">
-            <a:avLst/>
-          </a:prstGeom>
-          <a:noFill/>
-          <a:ln>
-            <a:noFill/>
-          </a:ln>
-          <a:extLst>
-            <a:ext uri="{909E8E84-426E-40dd-AFC4-6F175D3DCCD1}">
-              <a14:hiddenFill xmlns:a14="http://schemas.microsoft.com/office/drawing/2010/main">
-                <a:solidFill>
-                  <a:srgbClr val="FFFFFF"/>
-                </a:solidFill>
-              </a14:hiddenFill>
-            </a:ext>
-            <a:ext uri="{91240B29-F687-4f45-9708-019B960494DF}">
-              <a14:hiddenLine xmlns:a14="http://schemas.microsoft.com/office/drawing/2010/main" w="9525">
-                <a:solidFill>
-                  <a:srgbClr val="000000"/>
-                </a:solidFill>
-                <a:miter lim="800000"/>
-                <a:headEnd/>
-                <a:tailEnd/>
-              </a14:hiddenLine>
-            </a:ext>
-          </a:extLst>
-        </p:spPr>
-        <p:txBody>
-          <a:bodyPr wrap="none">
-            <a:spAutoFit/>
-          </a:bodyPr>
-          <a:lstStyle>
-            <a:lvl1pPr eaLnBrk="0" hangingPunct="0">
-              <a:defRPr sz="2400">
-                <a:solidFill>
-                  <a:schemeClr val="tx1"/>
-                </a:solidFill>
-                <a:latin typeface="Arial" charset="0"/>
-                <a:ea typeface="ＭＳ Ｐゴシック" charset="0"/>
-                <a:cs typeface="ＭＳ Ｐゴシック" charset="0"/>
-              </a:defRPr>
-            </a:lvl1pPr>
-            <a:lvl2pPr marL="742950" indent="-285750" eaLnBrk="0" hangingPunct="0">
-              <a:defRPr sz="2400">
-                <a:solidFill>
-                  <a:schemeClr val="tx1"/>
-                </a:solidFill>
-                <a:latin typeface="Arial" charset="0"/>
-                <a:ea typeface="ＭＳ Ｐゴシック" charset="0"/>
-              </a:defRPr>
-            </a:lvl2pPr>
-            <a:lvl3pPr marL="1143000" indent="-228600" eaLnBrk="0" hangingPunct="0">
-              <a:defRPr sz="2400">
-                <a:solidFill>
-                  <a:schemeClr val="tx1"/>
-                </a:solidFill>
-                <a:latin typeface="Arial" charset="0"/>
-                <a:ea typeface="ＭＳ Ｐゴシック" charset="0"/>
-              </a:defRPr>
-            </a:lvl3pPr>
-            <a:lvl4pPr marL="1600200" indent="-228600" eaLnBrk="0" hangingPunct="0">
-              <a:defRPr sz="2400">
-                <a:solidFill>
-                  <a:schemeClr val="tx1"/>
-                </a:solidFill>
-                <a:latin typeface="Arial" charset="0"/>
-                <a:ea typeface="ＭＳ Ｐゴシック" charset="0"/>
-              </a:defRPr>
-            </a:lvl4pPr>
-            <a:lvl5pPr marL="2057400" indent="-228600" eaLnBrk="0" hangingPunct="0">
-              <a:defRPr sz="2400">
-                <a:solidFill>
-                  <a:schemeClr val="tx1"/>
-                </a:solidFill>
-                <a:latin typeface="Arial" charset="0"/>
-                <a:ea typeface="ＭＳ Ｐゴシック" charset="0"/>
-              </a:defRPr>
-            </a:lvl5pPr>
-            <a:lvl6pPr marL="2514600" indent="-228600" eaLnBrk="0" fontAlgn="base" hangingPunct="0">
-              <a:spcBef>
-                <a:spcPct val="0"/>
-              </a:spcBef>
-              <a:spcAft>
-                <a:spcPct val="0"/>
-              </a:spcAft>
-              <a:defRPr sz="2400">
-                <a:solidFill>
-                  <a:schemeClr val="tx1"/>
-                </a:solidFill>
-                <a:latin typeface="Arial" charset="0"/>
-                <a:ea typeface="ＭＳ Ｐゴシック" charset="0"/>
-              </a:defRPr>
-            </a:lvl6pPr>
-            <a:lvl7pPr marL="2971800" indent="-228600" eaLnBrk="0" fontAlgn="base" hangingPunct="0">
-              <a:spcBef>
-                <a:spcPct val="0"/>
-              </a:spcBef>
-              <a:spcAft>
-                <a:spcPct val="0"/>
-              </a:spcAft>
-              <a:defRPr sz="2400">
-                <a:solidFill>
-                  <a:schemeClr val="tx1"/>
-                </a:solidFill>
-                <a:latin typeface="Arial" charset="0"/>
-                <a:ea typeface="ＭＳ Ｐゴシック" charset="0"/>
-              </a:defRPr>
-            </a:lvl7pPr>
-            <a:lvl8pPr marL="3429000" indent="-228600" eaLnBrk="0" fontAlgn="base" hangingPunct="0">
-              <a:spcBef>
-                <a:spcPct val="0"/>
-              </a:spcBef>
-              <a:spcAft>
-                <a:spcPct val="0"/>
-              </a:spcAft>
-              <a:defRPr sz="2400">
-                <a:solidFill>
-                  <a:schemeClr val="tx1"/>
-                </a:solidFill>
-                <a:latin typeface="Arial" charset="0"/>
-                <a:ea typeface="ＭＳ Ｐゴシック" charset="0"/>
-              </a:defRPr>
-            </a:lvl8pPr>
-            <a:lvl9pPr marL="3886200" indent="-228600" eaLnBrk="0" fontAlgn="base" hangingPunct="0">
-              <a:spcBef>
-                <a:spcPct val="0"/>
-              </a:spcBef>
-              <a:spcAft>
-                <a:spcPct val="0"/>
-              </a:spcAft>
-              <a:defRPr sz="2400">
-                <a:solidFill>
-                  <a:schemeClr val="tx1"/>
-                </a:solidFill>
-                <a:latin typeface="Arial" charset="0"/>
-                <a:ea typeface="ＭＳ Ｐゴシック" charset="0"/>
-              </a:defRPr>
-            </a:lvl9pPr>
-          </a:lstStyle>
-          <a:p>
-            <a:pPr eaLnBrk="1" hangingPunct="1"/>
-            <a:r>
-              <a:rPr lang="en-US" sz="1800">
-                <a:solidFill>
-                  <a:srgbClr val="000090"/>
-                </a:solidFill>
-                <a:latin typeface="Courier" charset="0"/>
-                <a:cs typeface="Courier" charset="0"/>
-              </a:rPr>
-              <a:t>function BottomUpMS(A[0..n-1])</a:t>
-            </a:r>
-          </a:p>
-          <a:p>
-            <a:pPr eaLnBrk="1" hangingPunct="1"/>
-            <a:r>
-              <a:rPr lang="en-US" sz="1800">
-                <a:solidFill>
-                  <a:srgbClr val="000090"/>
-                </a:solidFill>
-                <a:latin typeface="Courier" charset="0"/>
-                <a:cs typeface="Courier" charset="0"/>
-              </a:rPr>
-              <a:t>  create_empty_queue</a:t>
-            </a:r>
-          </a:p>
-          <a:p>
-            <a:pPr eaLnBrk="1" hangingPunct="1"/>
-            <a:r>
-              <a:rPr lang="en-US" sz="1800">
-                <a:solidFill>
-                  <a:srgbClr val="000090"/>
-                </a:solidFill>
-                <a:latin typeface="Courier" charset="0"/>
-                <a:cs typeface="Courier" charset="0"/>
-              </a:rPr>
-              <a:t>  enqueue singleton array A[0],</a:t>
-            </a:r>
-          </a:p>
-          <a:p>
-            <a:pPr eaLnBrk="1" hangingPunct="1"/>
-            <a:r>
-              <a:rPr lang="en-US" sz="1800">
-                <a:solidFill>
-                  <a:srgbClr val="000090"/>
-                </a:solidFill>
-                <a:latin typeface="Courier" charset="0"/>
-                <a:cs typeface="Courier" charset="0"/>
-              </a:rPr>
-              <a:t>    A[1],..., A[n-1] into Q</a:t>
-            </a:r>
-          </a:p>
-          <a:p>
-            <a:pPr eaLnBrk="1" hangingPunct="1"/>
-            <a:r>
-              <a:rPr lang="en-US" sz="1800">
-                <a:solidFill>
-                  <a:srgbClr val="000090"/>
-                </a:solidFill>
-                <a:latin typeface="Courier" charset="0"/>
-                <a:cs typeface="Courier" charset="0"/>
-              </a:rPr>
-              <a:t>  while queue.size&gt;1 do</a:t>
-            </a:r>
-          </a:p>
-          <a:p>
-            <a:pPr eaLnBrk="1" hangingPunct="1"/>
-            <a:r>
-              <a:rPr lang="en-US" sz="1800">
-                <a:solidFill>
-                  <a:srgbClr val="000090"/>
-                </a:solidFill>
-                <a:latin typeface="Courier" charset="0"/>
-                <a:cs typeface="Courier" charset="0"/>
-              </a:rPr>
-              <a:t>    dequeue arrays A and B</a:t>
-            </a:r>
-          </a:p>
-          <a:p>
-            <a:pPr eaLnBrk="1" hangingPunct="1"/>
-            <a:r>
-              <a:rPr lang="en-US" sz="1800">
-                <a:solidFill>
-                  <a:srgbClr val="000090"/>
-                </a:solidFill>
-                <a:latin typeface="Courier" charset="0"/>
-                <a:cs typeface="Courier" charset="0"/>
-              </a:rPr>
-              <a:t>    merge A and B to C</a:t>
-            </a:r>
-          </a:p>
-          <a:p>
-            <a:pPr eaLnBrk="1" hangingPunct="1"/>
-            <a:r>
-              <a:rPr lang="en-US" sz="1800">
-                <a:solidFill>
-                  <a:srgbClr val="000090"/>
-                </a:solidFill>
-                <a:latin typeface="Courier" charset="0"/>
-                <a:cs typeface="Courier" charset="0"/>
-              </a:rPr>
-              <a:t>    enqueue C </a:t>
-            </a:r>
-          </a:p>
-          <a:p>
-            <a:pPr eaLnBrk="1" hangingPunct="1"/>
-            <a:r>
-              <a:rPr lang="en-US" sz="1800">
-                <a:solidFill>
-                  <a:srgbClr val="000090"/>
-                </a:solidFill>
-                <a:latin typeface="Courier" charset="0"/>
-                <a:cs typeface="Courier" charset="0"/>
-              </a:rPr>
-              <a:t>  dequeue A </a:t>
-            </a:r>
-          </a:p>
-          <a:p>
-            <a:pPr eaLnBrk="1" hangingPunct="1"/>
-            <a:endParaRPr lang="en-US" sz="1800">
-              <a:latin typeface="Courier" charset="0"/>
-              <a:cs typeface="Courier" charset="0"/>
-            </a:endParaRPr>
-          </a:p>
-          <a:p>
-            <a:pPr eaLnBrk="1" hangingPunct="1"/>
-            <a:r>
-              <a:rPr lang="en-US" sz="2000"/>
-              <a:t>    </a:t>
-            </a:r>
-          </a:p>
-        </p:txBody>
-      </p:sp>
-      <p:sp>
-        <p:nvSpPr>
-          <p:cNvPr id="23559" name="TextBox 6"/>
-          <p:cNvSpPr txBox="1">
-            <a:spLocks noChangeArrowheads="1"/>
-          </p:cNvSpPr>
-          <p:nvPr/>
-        </p:nvSpPr>
-        <p:spPr bwMode="auto">
-          <a:xfrm>
-            <a:off x="4446588" y="1585913"/>
-            <a:ext cx="4589462" cy="2093912"/>
-          </a:xfrm>
-          <a:prstGeom prst="rect">
-            <a:avLst/>
-          </a:prstGeom>
-          <a:noFill/>
-          <a:ln>
-            <a:noFill/>
-          </a:ln>
-          <a:extLst>
-            <a:ext uri="{909E8E84-426E-40dd-AFC4-6F175D3DCCD1}">
-              <a14:hiddenFill xmlns:a14="http://schemas.microsoft.com/office/drawing/2010/main">
-                <a:solidFill>
-                  <a:srgbClr val="FFFFFF"/>
-                </a:solidFill>
-              </a14:hiddenFill>
-            </a:ext>
-            <a:ext uri="{91240B29-F687-4f45-9708-019B960494DF}">
-              <a14:hiddenLine xmlns:a14="http://schemas.microsoft.com/office/drawing/2010/main" w="9525">
-                <a:solidFill>
-                  <a:srgbClr val="000000"/>
-                </a:solidFill>
-                <a:miter lim="800000"/>
-                <a:headEnd/>
-                <a:tailEnd/>
-              </a14:hiddenLine>
-            </a:ext>
-          </a:extLst>
-        </p:spPr>
-        <p:txBody>
-          <a:bodyPr>
-            <a:spAutoFit/>
-          </a:bodyPr>
-          <a:lstStyle>
-            <a:lvl1pPr eaLnBrk="0" hangingPunct="0">
-              <a:defRPr sz="2400">
-                <a:solidFill>
-                  <a:schemeClr val="tx1"/>
-                </a:solidFill>
-                <a:latin typeface="Arial" charset="0"/>
-                <a:ea typeface="ＭＳ Ｐゴシック" charset="0"/>
-                <a:cs typeface="ＭＳ Ｐゴシック" charset="0"/>
-              </a:defRPr>
-            </a:lvl1pPr>
-            <a:lvl2pPr marL="742950" indent="-285750" eaLnBrk="0" hangingPunct="0">
-              <a:defRPr sz="2400">
-                <a:solidFill>
-                  <a:schemeClr val="tx1"/>
-                </a:solidFill>
-                <a:latin typeface="Arial" charset="0"/>
-                <a:ea typeface="ＭＳ Ｐゴシック" charset="0"/>
-              </a:defRPr>
-            </a:lvl2pPr>
-            <a:lvl3pPr marL="1143000" indent="-228600" eaLnBrk="0" hangingPunct="0">
-              <a:defRPr sz="2400">
-                <a:solidFill>
-                  <a:schemeClr val="tx1"/>
-                </a:solidFill>
-                <a:latin typeface="Arial" charset="0"/>
-                <a:ea typeface="ＭＳ Ｐゴシック" charset="0"/>
-              </a:defRPr>
-            </a:lvl3pPr>
-            <a:lvl4pPr marL="1600200" indent="-228600" eaLnBrk="0" hangingPunct="0">
-              <a:defRPr sz="2400">
-                <a:solidFill>
-                  <a:schemeClr val="tx1"/>
-                </a:solidFill>
-                <a:latin typeface="Arial" charset="0"/>
-                <a:ea typeface="ＭＳ Ｐゴシック" charset="0"/>
-              </a:defRPr>
-            </a:lvl4pPr>
-            <a:lvl5pPr marL="2057400" indent="-228600" eaLnBrk="0" hangingPunct="0">
-              <a:defRPr sz="2400">
-                <a:solidFill>
-                  <a:schemeClr val="tx1"/>
-                </a:solidFill>
-                <a:latin typeface="Arial" charset="0"/>
-                <a:ea typeface="ＭＳ Ｐゴシック" charset="0"/>
-              </a:defRPr>
-            </a:lvl5pPr>
-            <a:lvl6pPr marL="2514600" indent="-228600" eaLnBrk="0" fontAlgn="base" hangingPunct="0">
-              <a:spcBef>
-                <a:spcPct val="0"/>
-              </a:spcBef>
-              <a:spcAft>
-                <a:spcPct val="0"/>
-              </a:spcAft>
-              <a:defRPr sz="2400">
-                <a:solidFill>
-                  <a:schemeClr val="tx1"/>
-                </a:solidFill>
-                <a:latin typeface="Arial" charset="0"/>
-                <a:ea typeface="ＭＳ Ｐゴシック" charset="0"/>
-              </a:defRPr>
-            </a:lvl6pPr>
-            <a:lvl7pPr marL="2971800" indent="-228600" eaLnBrk="0" fontAlgn="base" hangingPunct="0">
-              <a:spcBef>
-                <a:spcPct val="0"/>
-              </a:spcBef>
-              <a:spcAft>
-                <a:spcPct val="0"/>
-              </a:spcAft>
-              <a:defRPr sz="2400">
-                <a:solidFill>
-                  <a:schemeClr val="tx1"/>
-                </a:solidFill>
-                <a:latin typeface="Arial" charset="0"/>
-                <a:ea typeface="ＭＳ Ｐゴシック" charset="0"/>
-              </a:defRPr>
-            </a:lvl7pPr>
-            <a:lvl8pPr marL="3429000" indent="-228600" eaLnBrk="0" fontAlgn="base" hangingPunct="0">
-              <a:spcBef>
-                <a:spcPct val="0"/>
-              </a:spcBef>
-              <a:spcAft>
-                <a:spcPct val="0"/>
-              </a:spcAft>
-              <a:defRPr sz="2400">
-                <a:solidFill>
-                  <a:schemeClr val="tx1"/>
-                </a:solidFill>
-                <a:latin typeface="Arial" charset="0"/>
-                <a:ea typeface="ＭＳ Ｐゴシック" charset="0"/>
-              </a:defRPr>
-            </a:lvl8pPr>
-            <a:lvl9pPr marL="3886200" indent="-228600" eaLnBrk="0" fontAlgn="base" hangingPunct="0">
-              <a:spcBef>
-                <a:spcPct val="0"/>
-              </a:spcBef>
-              <a:spcAft>
-                <a:spcPct val="0"/>
-              </a:spcAft>
-              <a:defRPr sz="2400">
-                <a:solidFill>
-                  <a:schemeClr val="tx1"/>
-                </a:solidFill>
-                <a:latin typeface="Arial" charset="0"/>
-                <a:ea typeface="ＭＳ Ｐゴシック" charset="0"/>
-              </a:defRPr>
-            </a:lvl9pPr>
-          </a:lstStyle>
-          <a:p>
-            <a:pPr eaLnBrk="1" hangingPunct="1"/>
-            <a:r>
-              <a:rPr lang="en-US" sz="2000"/>
-              <a:t>Exercise: run bottum-up:</a:t>
-            </a:r>
-          </a:p>
-          <a:p>
-            <a:pPr eaLnBrk="1" hangingPunct="1"/>
-            <a:r>
-              <a:rPr lang="en-US" sz="1800">
-                <a:latin typeface="Courier" charset="0"/>
-                <a:cs typeface="Courier" charset="0"/>
-              </a:rPr>
-              <a:t>  ANALYSIS</a:t>
-            </a:r>
-          </a:p>
-          <a:p>
-            <a:pPr eaLnBrk="1" hangingPunct="1"/>
-            <a:r>
-              <a:rPr lang="en-US" sz="1800">
-                <a:latin typeface="Courier" charset="0"/>
-                <a:cs typeface="Courier" charset="0"/>
-              </a:rPr>
-              <a:t>[A] [N] [A] [L] [Y] [S] [I] [S]</a:t>
-            </a:r>
-          </a:p>
-          <a:p>
-            <a:pPr eaLnBrk="1" hangingPunct="1"/>
-            <a:endParaRPr lang="en-US" sz="1800">
-              <a:latin typeface="Courier" charset="0"/>
-              <a:cs typeface="Courier" charset="0"/>
-            </a:endParaRPr>
-          </a:p>
-          <a:p>
-            <a:pPr eaLnBrk="1" hangingPunct="1"/>
-            <a:endParaRPr lang="en-US" sz="1800">
-              <a:latin typeface="Courier" charset="0"/>
-              <a:cs typeface="Courier" charset="0"/>
-            </a:endParaRPr>
-          </a:p>
-          <a:p>
-            <a:pPr eaLnBrk="1" hangingPunct="1"/>
-            <a:endParaRPr lang="en-US" sz="1800">
-              <a:latin typeface="Courier" charset="0"/>
-              <a:cs typeface="Courier" charset="0"/>
-            </a:endParaRPr>
-          </a:p>
-          <a:p>
-            <a:pPr eaLnBrk="1" hangingPunct="1"/>
-            <a:endParaRPr lang="en-US" sz="2000"/>
-          </a:p>
-        </p:txBody>
-      </p:sp>
-    </p:spTree>
-  </p:cSld>
-  <p:clrMapOvr>
-    <a:masterClrMapping/>
-  </p:clrMapOvr>
-</p:sld>
-</file>
-
-<file path=ppt/slides/slide21.xml><?xml version="1.0" encoding="utf-8"?>
-<p:sld xmlns:a="http://schemas.openxmlformats.org/drawingml/2006/main" xmlns:r="http://schemas.openxmlformats.org/officeDocument/2006/relationships" xmlns:p="http://schemas.openxmlformats.org/presentationml/2006/main">
-  <p:cSld>
-    <p:spTree>
-      <p:nvGrpSpPr>
-        <p:cNvPr id="1" name=""/>
-        <p:cNvGrpSpPr/>
-        <p:nvPr/>
-      </p:nvGrpSpPr>
-      <p:grpSpPr>
-        <a:xfrm>
-          <a:off x="0" y="0"/>
-          <a:ext cx="0" cy="0"/>
-          <a:chOff x="0" y="0"/>
-          <a:chExt cx="0" cy="0"/>
-        </a:xfrm>
-      </p:grpSpPr>
-      <p:sp>
-        <p:nvSpPr>
-          <p:cNvPr id="2" name="Title 1"/>
-          <p:cNvSpPr>
-            <a:spLocks noGrp="1"/>
-          </p:cNvSpPr>
-          <p:nvPr>
-            <p:ph type="title"/>
-          </p:nvPr>
-        </p:nvSpPr>
-        <p:spPr>
-          <a:xfrm>
-            <a:off x="265113" y="107951"/>
             <a:ext cx="8623300" cy="728761"/>
           </a:xfrm>
         </p:spPr>
@@ -19432,7 +18709,7 @@
                 </a:solidFill>
               </a:rPr>
               <a:pPr eaLnBrk="1" hangingPunct="1"/>
-              <a:t>May 6, 2020</a:t>
+              <a:t>May 8, 2020</a:t>
             </a:fld>
             <a:endParaRPr lang="en-US" sz="1200">
               <a:solidFill>
@@ -19752,7 +19029,7 @@
                 </a:solidFill>
               </a:rPr>
               <a:pPr eaLnBrk="1" hangingPunct="1"/>
-              <a:t>21</a:t>
+              <a:t>20</a:t>
             </a:fld>
             <a:endParaRPr lang="en-US" sz="3600">
               <a:solidFill>
@@ -20011,7 +19288,7 @@
                 </a:solidFill>
               </a:rPr>
               <a:pPr eaLnBrk="1" hangingPunct="1"/>
-              <a:t>May 6, 2020</a:t>
+              <a:t>May 8, 2020</a:t>
             </a:fld>
             <a:endParaRPr lang="en-US" sz="1200">
               <a:solidFill>
@@ -20723,12 +20000,12 @@
           <a:graphicData uri="http://schemas.openxmlformats.org/presentationml/2006/ole">
             <mc:AlternateContent xmlns:mc="http://schemas.openxmlformats.org/markup-compatibility/2006">
               <mc:Choice xmlns:v="urn:schemas-microsoft-com:vml" Requires="v">
-                <p:oleObj spid="_x0000_s2061" name="Equation" r:id="rId7" imgW="1397000" imgH="698500" progId="Equation.3">
+                <p:oleObj spid="_x0000_s2064" name="Equation" r:id="rId6" imgW="1397000" imgH="698500" progId="Equation.3">
                   <p:embed/>
                 </p:oleObj>
               </mc:Choice>
               <mc:Fallback>
-                <p:oleObj name="Equation" r:id="rId7" imgW="1397000" imgH="698500" progId="Equation.3">
+                <p:oleObj name="Equation" r:id="rId6" imgW="1397000" imgH="698500" progId="Equation.3">
                   <p:embed/>
                   <p:pic>
                     <p:nvPicPr>
@@ -20739,7 +20016,7 @@
                       <p:nvPr/>
                     </p:nvPicPr>
                     <p:blipFill>
-                      <a:blip r:embed="rId8">
+                      <a:blip r:embed="rId7">
                         <a:extLst>
                           <a:ext uri="{28A0092B-C50C-407E-A947-70E740481C1C}">
                             <a14:useLocalDpi xmlns:a14="http://schemas.microsoft.com/office/drawing/2010/main" val="0"/>
@@ -21201,7 +20478,7 @@
                 </a:solidFill>
               </a:rPr>
               <a:pPr eaLnBrk="1" hangingPunct="1"/>
-              <a:t>May 6, 2020</a:t>
+              <a:t>May 8, 2020</a:t>
             </a:fld>
             <a:endParaRPr lang="en-US" sz="1200">
               <a:solidFill>
@@ -22018,7 +21295,7 @@
                 </a:solidFill>
               </a:rPr>
               <a:pPr eaLnBrk="1" hangingPunct="1"/>
-              <a:t>May 6, 2020</a:t>
+              <a:t>May 8, 2020</a:t>
             </a:fld>
             <a:endParaRPr lang="en-US" sz="1200">
               <a:solidFill>
@@ -22262,12 +21539,12 @@
           <a:graphicData uri="http://schemas.openxmlformats.org/presentationml/2006/ole">
             <mc:AlternateContent xmlns:mc="http://schemas.openxmlformats.org/markup-compatibility/2006">
               <mc:Choice xmlns:v="urn:schemas-microsoft-com:vml" Requires="v">
-                <p:oleObj spid="_x0000_s3090" name="Equation" r:id="rId5" imgW="1397000" imgH="698500" progId="Equation.3">
+                <p:oleObj spid="_x0000_s3093" name="Equation" r:id="rId4" imgW="1397000" imgH="698500" progId="Equation.3">
                   <p:embed/>
                 </p:oleObj>
               </mc:Choice>
               <mc:Fallback>
-                <p:oleObj name="Equation" r:id="rId5" imgW="1397000" imgH="698500" progId="Equation.3">
+                <p:oleObj name="Equation" r:id="rId4" imgW="1397000" imgH="698500" progId="Equation.3">
                   <p:embed/>
                   <p:pic>
                     <p:nvPicPr>
@@ -22278,7 +21555,7 @@
                       <p:nvPr/>
                     </p:nvPicPr>
                     <p:blipFill>
-                      <a:blip r:embed="rId6">
+                      <a:blip r:embed="rId5">
                         <a:extLst>
                           <a:ext uri="{28A0092B-C50C-407E-A947-70E740481C1C}">
                             <a14:useLocalDpi xmlns:a14="http://schemas.microsoft.com/office/drawing/2010/main" val="0"/>
@@ -22378,7 +21655,7 @@
           <p:nvPr/>
         </p:nvPicPr>
         <p:blipFill>
-          <a:blip r:embed="rId7">
+          <a:blip r:embed="rId6">
             <a:extLst>
               <a:ext uri="{28A0092B-C50C-407E-A947-70E740481C1C}">
                 <a14:useLocalDpi xmlns:a14="http://schemas.microsoft.com/office/drawing/2010/main" val="0"/>
@@ -22659,7 +21936,7 @@
                 </a:solidFill>
               </a:rPr>
               <a:pPr eaLnBrk="1" hangingPunct="1"/>
-              <a:t>May 6, 2020</a:t>
+              <a:t>May 8, 2020</a:t>
             </a:fld>
             <a:endParaRPr lang="en-US" sz="1200">
               <a:solidFill>
@@ -23246,7 +22523,7 @@
                 </a:solidFill>
               </a:rPr>
               <a:pPr eaLnBrk="1" hangingPunct="1"/>
-              <a:t>May 6, 2020</a:t>
+              <a:t>May 8, 2020</a:t>
             </a:fld>
             <a:endParaRPr lang="en-US" sz="1200">
               <a:solidFill>
@@ -23853,7 +23130,7 @@
                 </a:solidFill>
               </a:rPr>
               <a:pPr eaLnBrk="1" hangingPunct="1"/>
-              <a:t>May 6, 2020</a:t>
+              <a:t>May 8, 2020</a:t>
             </a:fld>
             <a:endParaRPr lang="en-US" sz="1200">
               <a:solidFill>
@@ -27824,7 +27101,7 @@
         </p:nvSpPr>
         <p:spPr>
           <a:xfrm>
-            <a:off x="241518" y="3897052"/>
+            <a:off x="255569" y="4275246"/>
             <a:ext cx="8623300" cy="2376264"/>
           </a:xfrm>
         </p:spPr>
@@ -27841,19 +27118,19 @@
               <a:defRPr/>
             </a:pPr>
             <a:r>
-              <a:rPr lang="en-US" sz="2000" dirty="0" smtClean="0">
+              <a:rPr lang="en-US" sz="1800" dirty="0" smtClean="0">
                 <a:effectLst/>
               </a:rPr>
               <a:t>Run </a:t>
             </a:r>
             <a:r>
-              <a:rPr lang="en-US" sz="2000" dirty="0">
+              <a:rPr lang="en-US" sz="1800" dirty="0">
                 <a:effectLst/>
               </a:rPr>
               <a:t>the algorithm on the input array: </a:t>
             </a:r>
             <a:r>
-              <a:rPr lang="en-US" sz="2000" dirty="0">
+              <a:rPr lang="en-US" sz="1800" dirty="0">
                 <a:solidFill>
                   <a:srgbClr val="080FAC"/>
                 </a:solidFill>
@@ -27864,7 +27141,7 @@
               <a:t>[􏰑A N A L Y S I S􏰒] </a:t>
             </a:r>
             <a:r>
-              <a:rPr lang="en-US" sz="2000" dirty="0" smtClean="0">
+              <a:rPr lang="en-US" sz="1800" dirty="0" smtClean="0">
                 <a:solidFill>
                   <a:srgbClr val="080FAC"/>
                 </a:solidFill>
@@ -27875,36 +27152,36 @@
               <a:t>, </a:t>
             </a:r>
             <a:r>
-              <a:rPr lang="en-US" sz="2000" dirty="0" smtClean="0">
+              <a:rPr lang="en-US" sz="1800" dirty="0" smtClean="0">
                 <a:effectLst/>
               </a:rPr>
               <a:t>Suppose: </a:t>
             </a:r>
             <a:r>
-              <a:rPr lang="en-US" sz="2000" b="1" dirty="0" smtClean="0">
+              <a:rPr lang="en-US" sz="1800" b="1" dirty="0" smtClean="0">
                 <a:effectLst/>
               </a:rPr>
               <a:t>Sort </a:t>
             </a:r>
             <a:r>
-              <a:rPr lang="en-US" sz="2000" b="1" dirty="0">
+              <a:rPr lang="en-US" sz="1800" b="1" dirty="0">
                 <a:effectLst/>
               </a:rPr>
               <a:t>in increasing </a:t>
             </a:r>
             <a:r>
-              <a:rPr lang="en-US" sz="2000" b="1" dirty="0" smtClean="0">
+              <a:rPr lang="en-US" sz="1800" b="1" dirty="0" smtClean="0">
                 <a:effectLst/>
               </a:rPr>
               <a:t>order</a:t>
             </a:r>
             <a:r>
-              <a:rPr lang="en-US" sz="2000" b="1" dirty="0">
+              <a:rPr lang="en-US" sz="1800" b="1" dirty="0">
                 <a:effectLst/>
               </a:rPr>
               <a:t>.</a:t>
             </a:r>
-            <a:endParaRPr lang="en-US" sz="2000" b="1" dirty="0" smtClean="0">
+            <a:endParaRPr lang="en-US" sz="1800" b="1" dirty="0" smtClean="0">
               <a:solidFill>
                 <a:srgbClr val="080FAC"/>
               </a:solidFill>
@@ -27923,23 +27200,12 @@
               <a:defRPr/>
             </a:pPr>
             <a:r>
-              <a:rPr lang="en-US" sz="2000" dirty="0" smtClean="0">
+              <a:rPr lang="en-US" sz="1800" dirty="0">
                 <a:effectLst/>
               </a:rPr>
-              <a:t>What </a:t>
-            </a:r>
-            <a:r>
-              <a:rPr lang="en-US" sz="2000" dirty="0">
-                <a:effectLst/>
-              </a:rPr>
-              <a:t>is the time complexity of the algorithm</a:t>
-            </a:r>
-            <a:r>
-              <a:rPr lang="en-US" sz="2000" dirty="0" smtClean="0">
-                <a:effectLst/>
-              </a:rPr>
-              <a:t>?</a:t>
-            </a:r>
+              <a:t>Is the algorithm input sensitive? </a:t>
+            </a:r>
+            <a:endParaRPr lang="en-US" sz="2000" dirty="0"/>
           </a:p>
           <a:p>
             <a:pPr marL="571500" indent="-571500">
@@ -27951,24 +27217,23 @@
               <a:defRPr/>
             </a:pPr>
             <a:r>
-              <a:rPr lang="en-US" sz="2000" dirty="0" smtClean="0">
+              <a:rPr lang="en-US" sz="1800" dirty="0" smtClean="0">
                 <a:effectLst/>
               </a:rPr>
-              <a:t>Is </a:t>
-            </a:r>
-            <a:r>
-              <a:rPr lang="en-US" sz="2000" dirty="0">
+              <a:t>What </a:t>
+            </a:r>
+            <a:r>
+              <a:rPr lang="en-US" sz="1800" dirty="0">
                 <a:effectLst/>
               </a:rPr>
-              <a:t>the sorting algorithm </a:t>
-            </a:r>
-            <a:r>
-              <a:rPr lang="en-US" sz="2000" dirty="0" smtClean="0">
+              <a:t>is the time complexity of the algorithm</a:t>
+            </a:r>
+            <a:r>
+              <a:rPr lang="en-US" sz="1800" dirty="0" smtClean="0">
                 <a:effectLst/>
               </a:rPr>
-              <a:t>stable? </a:t>
-            </a:r>
-            <a:endParaRPr lang="en-US" sz="2000" dirty="0"/>
+              <a:t>?</a:t>
+            </a:r>
           </a:p>
           <a:p>
             <a:pPr marL="571500" indent="-571500">
@@ -27980,23 +27245,24 @@
               <a:defRPr/>
             </a:pPr>
             <a:r>
-              <a:rPr lang="en-US" sz="2000" dirty="0" smtClean="0">
+              <a:rPr lang="en-US" sz="1800" dirty="0" smtClean="0">
                 <a:effectLst/>
               </a:rPr>
-              <a:t>Does </a:t>
-            </a:r>
-            <a:r>
-              <a:rPr lang="en-US" sz="2000" dirty="0">
+              <a:t>Is </a:t>
+            </a:r>
+            <a:r>
+              <a:rPr lang="en-US" sz="1800" dirty="0">
                 <a:effectLst/>
               </a:rPr>
-              <a:t>the algorithm sort in-</a:t>
-            </a:r>
-            <a:r>
-              <a:rPr lang="en-US" sz="2000" dirty="0" smtClean="0">
+              <a:t>the sorting algorithm </a:t>
+            </a:r>
+            <a:r>
+              <a:rPr lang="en-US" sz="1800" dirty="0" smtClean="0">
                 <a:effectLst/>
               </a:rPr>
-              <a:t>place? </a:t>
-            </a:r>
+              <a:t>stable? </a:t>
+            </a:r>
+            <a:endParaRPr lang="en-US" sz="1800" dirty="0"/>
           </a:p>
           <a:p>
             <a:pPr marL="571500" indent="-571500">
@@ -28008,24 +27274,23 @@
               <a:defRPr/>
             </a:pPr>
             <a:r>
-              <a:rPr lang="en-US" sz="2000" dirty="0" smtClean="0">
+              <a:rPr lang="en-US" sz="1800" dirty="0" smtClean="0">
                 <a:effectLst/>
               </a:rPr>
-              <a:t>Is </a:t>
-            </a:r>
-            <a:r>
-              <a:rPr lang="en-US" sz="2000" dirty="0">
+              <a:t>Does </a:t>
+            </a:r>
+            <a:r>
+              <a:rPr lang="en-US" sz="1800" dirty="0">
                 <a:effectLst/>
               </a:rPr>
-              <a:t>the algorithm input </a:t>
-            </a:r>
-            <a:r>
-              <a:rPr lang="en-US" sz="2000" dirty="0" smtClean="0">
+              <a:t>the algorithm sort in-</a:t>
+            </a:r>
+            <a:r>
+              <a:rPr lang="en-US" sz="1800" dirty="0" smtClean="0">
                 <a:effectLst/>
               </a:rPr>
-              <a:t>sensitive? </a:t>
-            </a:r>
-            <a:endParaRPr lang="en-US" sz="2400" dirty="0"/>
+              <a:t>place? </a:t>
+            </a:r>
           </a:p>
         </p:txBody>
       </p:sp>
@@ -28188,7 +27453,7 @@
                 </a:solidFill>
               </a:rPr>
               <a:pPr eaLnBrk="1" hangingPunct="1"/>
-              <a:t>May 6, 2020</a:t>
+              <a:t>May 8, 2020</a:t>
             </a:fld>
             <a:endParaRPr lang="en-US" sz="1200">
               <a:solidFill>
@@ -28518,118 +27783,6 @@
           </a:p>
         </p:txBody>
       </p:sp>
-      <p:graphicFrame>
-        <p:nvGraphicFramePr>
-          <p:cNvPr id="10" name="Table 9"/>
-          <p:cNvGraphicFramePr>
-            <a:graphicFrameLocks noGrp="1"/>
-          </p:cNvGraphicFramePr>
-          <p:nvPr/>
-        </p:nvGraphicFramePr>
-        <p:xfrm>
-          <a:off x="5346700" y="863600"/>
-          <a:ext cx="3717925" cy="2490788"/>
-        </p:xfrm>
-        <a:graphic>
-          <a:graphicData uri="http://schemas.openxmlformats.org/drawingml/2006/table">
-            <a:tbl>
-              <a:tblPr firstRow="1" bandRow="1">
-                <a:tableStyleId>{69CF1AB2-1976-4502-BF36-3FF5EA218861}</a:tableStyleId>
-              </a:tblPr>
-              <a:tblGrid>
-                <a:gridCol w="356206"/>
-                <a:gridCol w="3361719"/>
-              </a:tblGrid>
-              <a:tr h="2490788">
-                <a:tc>
-                  <a:txBody>
-                    <a:bodyPr/>
-                    <a:lstStyle/>
-                    <a:p>
-                      <a:r>
-                        <a:rPr lang="en-US" sz="1800" dirty="0" smtClean="0"/>
-                        <a:t>1</a:t>
-                      </a:r>
-                    </a:p>
-                    <a:p>
-                      <a:r>
-                        <a:rPr lang="en-US" sz="1800" dirty="0" smtClean="0"/>
-                        <a:t>2</a:t>
-                      </a:r>
-                    </a:p>
-                    <a:p>
-                      <a:endParaRPr lang="en-US" sz="1800" dirty="0"/>
-                    </a:p>
-                  </a:txBody>
-                  <a:tcPr marL="91448" marR="91448" marT="45740" marB="45740"/>
-                </a:tc>
-                <a:tc>
-                  <a:txBody>
-                    <a:bodyPr/>
-                    <a:lstStyle/>
-                    <a:p>
-                      <a:pPr>
-                        <a:lnSpc>
-                          <a:spcPct val="100000"/>
-                        </a:lnSpc>
-                      </a:pPr>
-                      <a:r>
-                        <a:rPr lang="en-US" sz="1800" b="1" dirty="0" smtClean="0">
-                          <a:solidFill>
-                            <a:srgbClr val="000090"/>
-                          </a:solidFill>
-                          <a:latin typeface="Courier"/>
-                          <a:cs typeface="Courier"/>
-                        </a:rPr>
-                        <a:t>A</a:t>
-                      </a:r>
-                      <a:r>
-                        <a:rPr lang="en-US" sz="1800" b="0" dirty="0" smtClean="0">
-                          <a:solidFill>
-                            <a:srgbClr val="000090"/>
-                          </a:solidFill>
-                          <a:latin typeface="Courier"/>
-                          <a:cs typeface="Courier"/>
-                        </a:rPr>
-                        <a:t> N A L Y S I S</a:t>
-                      </a:r>
-                    </a:p>
-                    <a:p>
-                      <a:pPr>
-                        <a:lnSpc>
-                          <a:spcPct val="100000"/>
-                        </a:lnSpc>
-                      </a:pPr>
-                      <a:endParaRPr lang="en-US" sz="1800" b="0" dirty="0" smtClean="0">
-                        <a:solidFill>
-                          <a:srgbClr val="000090"/>
-                        </a:solidFill>
-                        <a:latin typeface="Courier"/>
-                        <a:cs typeface="Courier"/>
-                      </a:endParaRPr>
-                    </a:p>
-                    <a:p>
-                      <a:pPr>
-                        <a:lnSpc>
-                          <a:spcPct val="100000"/>
-                        </a:lnSpc>
-                      </a:pPr>
-                      <a:endParaRPr lang="en-US" sz="1800" b="0" dirty="0">
-                        <a:solidFill>
-                          <a:srgbClr val="000090"/>
-                        </a:solidFill>
-                        <a:latin typeface="Courier"/>
-                        <a:cs typeface="Courier"/>
-                      </a:endParaRPr>
-                    </a:p>
-                  </a:txBody>
-                  <a:tcPr marL="91448" marR="91448" marT="45740" marB="45740"/>
-                </a:tc>
-              </a:tr>
-            </a:tbl>
-          </a:graphicData>
-        </a:graphic>
-      </p:graphicFrame>
       <p:sp>
         <p:nvSpPr>
           <p:cNvPr id="12302" name="TextBox 6"/>
@@ -28823,6 +27976,173 @@
           </a:p>
         </p:txBody>
       </p:sp>
+      <p:graphicFrame>
+        <p:nvGraphicFramePr>
+          <p:cNvPr id="4" name="Table 3"/>
+          <p:cNvGraphicFramePr>
+            <a:graphicFrameLocks noGrp="1"/>
+          </p:cNvGraphicFramePr>
+          <p:nvPr>
+            <p:extLst>
+              <p:ext uri="{D42A27DB-BD31-4B8C-83A1-F6EECF244321}">
+                <p14:modId xmlns:p14="http://schemas.microsoft.com/office/powerpoint/2010/main" val="1851514385"/>
+              </p:ext>
+            </p:extLst>
+          </p:nvPr>
+        </p:nvGraphicFramePr>
+        <p:xfrm>
+          <a:off x="3944090" y="1323124"/>
+          <a:ext cx="4968552" cy="1656079"/>
+        </p:xfrm>
+        <a:graphic>
+          <a:graphicData uri="http://schemas.openxmlformats.org/drawingml/2006/table">
+            <a:tbl>
+              <a:tblPr firstRow="1" bandRow="1">
+                <a:tableStyleId>{5C22544A-7EE6-4342-B048-85BDC9FD1C3A}</a:tableStyleId>
+              </a:tblPr>
+              <a:tblGrid>
+                <a:gridCol w="899640"/>
+                <a:gridCol w="4068912"/>
+              </a:tblGrid>
+              <a:tr h="370840">
+                <a:tc>
+                  <a:txBody>
+                    <a:bodyPr/>
+                    <a:lstStyle/>
+                    <a:p>
+                      <a:r>
+                        <a:rPr lang="en-US" dirty="0" smtClean="0"/>
+                        <a:t>Step</a:t>
+                      </a:r>
+                      <a:endParaRPr lang="en-US" dirty="0"/>
+                    </a:p>
+                  </a:txBody>
+                  <a:tcPr/>
+                </a:tc>
+                <a:tc>
+                  <a:txBody>
+                    <a:bodyPr/>
+                    <a:lstStyle/>
+                    <a:p>
+                      <a:r>
+                        <a:rPr lang="en-US" dirty="0" smtClean="0"/>
+                        <a:t>Array (note that | is used to separate</a:t>
+                      </a:r>
+                      <a:r>
+                        <a:rPr lang="en-US" baseline="0" dirty="0" smtClean="0"/>
+                        <a:t> the “done” part from the “not-yet-done” part</a:t>
+                      </a:r>
+                      <a:endParaRPr lang="en-US" dirty="0"/>
+                    </a:p>
+                  </a:txBody>
+                  <a:tcPr/>
+                </a:tc>
+              </a:tr>
+              <a:tr h="370840">
+                <a:tc>
+                  <a:txBody>
+                    <a:bodyPr/>
+                    <a:lstStyle/>
+                    <a:p>
+                      <a:r>
+                        <a:rPr lang="en-US" dirty="0" smtClean="0"/>
+                        <a:t>start</a:t>
+                      </a:r>
+                      <a:endParaRPr lang="en-US" dirty="0"/>
+                    </a:p>
+                  </a:txBody>
+                  <a:tcPr/>
+                </a:tc>
+                <a:tc>
+                  <a:txBody>
+                    <a:bodyPr/>
+                    <a:lstStyle/>
+                    <a:p>
+                      <a:pPr marL="0" marR="0" indent="0" algn="l" defTabSz="914400" rtl="0" eaLnBrk="1" fontAlgn="auto" latinLnBrk="0" hangingPunct="1">
+                        <a:lnSpc>
+                          <a:spcPct val="100000"/>
+                        </a:lnSpc>
+                        <a:spcBef>
+                          <a:spcPts val="0"/>
+                        </a:spcBef>
+                        <a:spcAft>
+                          <a:spcPts val="0"/>
+                        </a:spcAft>
+                        <a:buClrTx/>
+                        <a:buSzTx/>
+                        <a:buFontTx/>
+                        <a:buNone/>
+                        <a:tabLst/>
+                        <a:defRPr/>
+                      </a:pPr>
+                      <a:r>
+                        <a:rPr lang="en-US" sz="1800" b="0" dirty="0" smtClean="0">
+                          <a:solidFill>
+                            <a:srgbClr val="000090"/>
+                          </a:solidFill>
+                          <a:latin typeface="Courier"/>
+                          <a:cs typeface="Courier"/>
+                        </a:rPr>
+                        <a:t>  | A N A L Y S I S</a:t>
+                      </a:r>
+                    </a:p>
+                  </a:txBody>
+                  <a:tcPr/>
+                </a:tc>
+              </a:tr>
+              <a:tr h="370840">
+                <a:tc>
+                  <a:txBody>
+                    <a:bodyPr/>
+                    <a:lstStyle/>
+                    <a:p>
+                      <a:r>
+                        <a:rPr lang="en-US" dirty="0" smtClean="0"/>
+                        <a:t>1</a:t>
+                      </a:r>
+                      <a:endParaRPr lang="en-US" dirty="0"/>
+                    </a:p>
+                  </a:txBody>
+                  <a:tcPr/>
+                </a:tc>
+                <a:tc>
+                  <a:txBody>
+                    <a:bodyPr/>
+                    <a:lstStyle/>
+                    <a:p>
+                      <a:pPr marL="0" marR="0" indent="0" algn="l" defTabSz="914400" rtl="0" eaLnBrk="1" fontAlgn="auto" latinLnBrk="0" hangingPunct="1">
+                        <a:lnSpc>
+                          <a:spcPct val="100000"/>
+                        </a:lnSpc>
+                        <a:spcBef>
+                          <a:spcPts val="0"/>
+                        </a:spcBef>
+                        <a:spcAft>
+                          <a:spcPts val="0"/>
+                        </a:spcAft>
+                        <a:buClrTx/>
+                        <a:buSzTx/>
+                        <a:buFontTx/>
+                        <a:buNone/>
+                        <a:tabLst/>
+                        <a:defRPr/>
+                      </a:pPr>
+                      <a:endParaRPr lang="en-US" sz="1800" b="0" dirty="0" smtClean="0">
+                        <a:solidFill>
+                          <a:srgbClr val="000090"/>
+                        </a:solidFill>
+                        <a:latin typeface="Courier"/>
+                        <a:cs typeface="Courier"/>
+                      </a:endParaRPr>
+                    </a:p>
+                  </a:txBody>
+                  <a:tcPr/>
+                </a:tc>
+              </a:tr>
+            </a:tbl>
+          </a:graphicData>
+        </a:graphic>
+      </p:graphicFrame>
     </p:spTree>
   </p:cSld>
   <p:clrMapOvr>
